--- a/機器學習.pptx
+++ b/機器學習.pptx
@@ -16,6 +16,7 @@
     <p:sldId id="266" r:id="rId10"/>
     <p:sldId id="264" r:id="rId11"/>
     <p:sldId id="263" r:id="rId12"/>
+    <p:sldId id="267" r:id="rId13"/>
   </p:sldIdLst>
   <p:sldSz cx="12192000" cy="6858000"/>
   <p:notesSz cx="6858000" cy="9144000"/>
@@ -190,7 +191,7 @@
           <a:noFill/>
           <a:extLst>
             <a:ext uri="{909E8E84-426E-40dd-AFC4-6F175D3DCCD1}">
-              <a14:hiddenFill xmlns="" xmlns:a14="http://schemas.microsoft.com/office/drawing/2010/main">
+              <a14:hiddenFill xmlns:a14="http://schemas.microsoft.com/office/drawing/2010/main" xmlns="">
                 <a:solidFill>
                   <a:srgbClr val="FFFFFF"/>
                 </a:solidFill>
@@ -250,7 +251,7 @@
             </a:ln>
             <a:extLst>
               <a:ext uri="{91240B29-F687-4f45-9708-019B960494DF}">
-                <a14:hiddenLine xmlns="" xmlns:a14="http://schemas.microsoft.com/office/drawing/2010/main" w="9525">
+                <a14:hiddenLine xmlns:a14="http://schemas.microsoft.com/office/drawing/2010/main" xmlns="" w="9525">
                   <a:solidFill>
                     <a:srgbClr val="000000"/>
                   </a:solidFill>
@@ -340,7 +341,7 @@
             </a:ln>
             <a:extLst>
               <a:ext uri="{91240B29-F687-4f45-9708-019B960494DF}">
-                <a14:hiddenLine xmlns="" xmlns:a14="http://schemas.microsoft.com/office/drawing/2010/main" w="9525">
+                <a14:hiddenLine xmlns:a14="http://schemas.microsoft.com/office/drawing/2010/main" xmlns="" w="9525">
                   <a:solidFill>
                     <a:srgbClr val="000000"/>
                   </a:solidFill>
@@ -430,7 +431,7 @@
             </a:ln>
             <a:extLst>
               <a:ext uri="{91240B29-F687-4f45-9708-019B960494DF}">
-                <a14:hiddenLine xmlns="" xmlns:a14="http://schemas.microsoft.com/office/drawing/2010/main" w="9525">
+                <a14:hiddenLine xmlns:a14="http://schemas.microsoft.com/office/drawing/2010/main" xmlns="" w="9525">
                   <a:solidFill>
                     <a:srgbClr val="000000"/>
                   </a:solidFill>
@@ -464,7 +465,7 @@
             </a:ln>
             <a:extLst>
               <a:ext uri="{91240B29-F687-4f45-9708-019B960494DF}">
-                <a14:hiddenLine xmlns="" xmlns:a14="http://schemas.microsoft.com/office/drawing/2010/main" w="9525">
+                <a14:hiddenLine xmlns:a14="http://schemas.microsoft.com/office/drawing/2010/main" xmlns="" w="9525">
                   <a:solidFill>
                     <a:srgbClr val="000000"/>
                   </a:solidFill>
@@ -554,7 +555,7 @@
             </a:ln>
             <a:extLst>
               <a:ext uri="{91240B29-F687-4f45-9708-019B960494DF}">
-                <a14:hiddenLine xmlns="" xmlns:a14="http://schemas.microsoft.com/office/drawing/2010/main" w="9525">
+                <a14:hiddenLine xmlns:a14="http://schemas.microsoft.com/office/drawing/2010/main" xmlns="" w="9525">
                   <a:solidFill>
                     <a:srgbClr val="000000"/>
                   </a:solidFill>
@@ -616,7 +617,7 @@
             </a:ln>
             <a:extLst>
               <a:ext uri="{91240B29-F687-4f45-9708-019B960494DF}">
-                <a14:hiddenLine xmlns="" xmlns:a14="http://schemas.microsoft.com/office/drawing/2010/main" w="9525">
+                <a14:hiddenLine xmlns:a14="http://schemas.microsoft.com/office/drawing/2010/main" xmlns="" w="9525">
                   <a:solidFill>
                     <a:srgbClr val="000000"/>
                   </a:solidFill>
@@ -678,7 +679,7 @@
             </a:ln>
             <a:extLst>
               <a:ext uri="{91240B29-F687-4f45-9708-019B960494DF}">
-                <a14:hiddenLine xmlns="" xmlns:a14="http://schemas.microsoft.com/office/drawing/2010/main" w="9525">
+                <a14:hiddenLine xmlns:a14="http://schemas.microsoft.com/office/drawing/2010/main" xmlns="" w="9525">
                   <a:solidFill>
                     <a:srgbClr val="000000"/>
                   </a:solidFill>
@@ -768,7 +769,7 @@
             </a:ln>
             <a:extLst>
               <a:ext uri="{91240B29-F687-4f45-9708-019B960494DF}">
-                <a14:hiddenLine xmlns="" xmlns:a14="http://schemas.microsoft.com/office/drawing/2010/main" w="9525">
+                <a14:hiddenLine xmlns:a14="http://schemas.microsoft.com/office/drawing/2010/main" xmlns="" w="9525">
                   <a:solidFill>
                     <a:srgbClr val="000000"/>
                   </a:solidFill>
@@ -830,7 +831,7 @@
             </a:ln>
             <a:extLst>
               <a:ext uri="{91240B29-F687-4f45-9708-019B960494DF}">
-                <a14:hiddenLine xmlns="" xmlns:a14="http://schemas.microsoft.com/office/drawing/2010/main" w="9525">
+                <a14:hiddenLine xmlns:a14="http://schemas.microsoft.com/office/drawing/2010/main" xmlns="" w="9525">
                   <a:solidFill>
                     <a:srgbClr val="000000"/>
                   </a:solidFill>
@@ -892,7 +893,7 @@
             </a:ln>
             <a:extLst>
               <a:ext uri="{91240B29-F687-4f45-9708-019B960494DF}">
-                <a14:hiddenLine xmlns="" xmlns:a14="http://schemas.microsoft.com/office/drawing/2010/main" w="9525">
+                <a14:hiddenLine xmlns:a14="http://schemas.microsoft.com/office/drawing/2010/main" xmlns="" w="9525">
                   <a:solidFill>
                     <a:srgbClr val="000000"/>
                   </a:solidFill>
@@ -982,7 +983,7 @@
             </a:ln>
             <a:extLst>
               <a:ext uri="{91240B29-F687-4f45-9708-019B960494DF}">
-                <a14:hiddenLine xmlns="" xmlns:a14="http://schemas.microsoft.com/office/drawing/2010/main" w="9525">
+                <a14:hiddenLine xmlns:a14="http://schemas.microsoft.com/office/drawing/2010/main" xmlns="" w="9525">
                   <a:solidFill>
                     <a:srgbClr val="000000"/>
                   </a:solidFill>
@@ -1072,7 +1073,7 @@
             </a:ln>
             <a:extLst>
               <a:ext uri="{91240B29-F687-4f45-9708-019B960494DF}">
-                <a14:hiddenLine xmlns="" xmlns:a14="http://schemas.microsoft.com/office/drawing/2010/main" w="9525">
+                <a14:hiddenLine xmlns:a14="http://schemas.microsoft.com/office/drawing/2010/main" xmlns="" w="9525">
                   <a:solidFill>
                     <a:srgbClr val="000000"/>
                   </a:solidFill>
@@ -1134,7 +1135,7 @@
             </a:ln>
             <a:extLst>
               <a:ext uri="{91240B29-F687-4f45-9708-019B960494DF}">
-                <a14:hiddenLine xmlns="" xmlns:a14="http://schemas.microsoft.com/office/drawing/2010/main" w="9525">
+                <a14:hiddenLine xmlns:a14="http://schemas.microsoft.com/office/drawing/2010/main" xmlns="" w="9525">
                   <a:solidFill>
                     <a:srgbClr val="000000"/>
                   </a:solidFill>
@@ -1244,7 +1245,7 @@
             </a:ln>
             <a:extLst>
               <a:ext uri="{91240B29-F687-4f45-9708-019B960494DF}">
-                <a14:hiddenLine xmlns="" xmlns:a14="http://schemas.microsoft.com/office/drawing/2010/main" w="9525">
+                <a14:hiddenLine xmlns:a14="http://schemas.microsoft.com/office/drawing/2010/main" xmlns="" w="9525">
                   <a:solidFill>
                     <a:srgbClr val="000000"/>
                   </a:solidFill>
@@ -1306,7 +1307,7 @@
             </a:ln>
             <a:extLst>
               <a:ext uri="{91240B29-F687-4f45-9708-019B960494DF}">
-                <a14:hiddenLine xmlns="" xmlns:a14="http://schemas.microsoft.com/office/drawing/2010/main" w="9525">
+                <a14:hiddenLine xmlns:a14="http://schemas.microsoft.com/office/drawing/2010/main" xmlns="" w="9525">
                   <a:solidFill>
                     <a:srgbClr val="000000"/>
                   </a:solidFill>
@@ -1396,7 +1397,7 @@
             </a:ln>
             <a:extLst>
               <a:ext uri="{91240B29-F687-4f45-9708-019B960494DF}">
-                <a14:hiddenLine xmlns="" xmlns:a14="http://schemas.microsoft.com/office/drawing/2010/main" w="9525">
+                <a14:hiddenLine xmlns:a14="http://schemas.microsoft.com/office/drawing/2010/main" xmlns="" w="9525">
                   <a:solidFill>
                     <a:srgbClr val="000000"/>
                   </a:solidFill>
@@ -1486,7 +1487,7 @@
             </a:ln>
             <a:extLst>
               <a:ext uri="{91240B29-F687-4f45-9708-019B960494DF}">
-                <a14:hiddenLine xmlns="" xmlns:a14="http://schemas.microsoft.com/office/drawing/2010/main" w="9525">
+                <a14:hiddenLine xmlns:a14="http://schemas.microsoft.com/office/drawing/2010/main" xmlns="" w="9525">
                   <a:solidFill>
                     <a:srgbClr val="000000"/>
                   </a:solidFill>
@@ -1548,7 +1549,7 @@
             </a:ln>
             <a:extLst>
               <a:ext uri="{91240B29-F687-4f45-9708-019B960494DF}">
-                <a14:hiddenLine xmlns="" xmlns:a14="http://schemas.microsoft.com/office/drawing/2010/main" w="9525">
+                <a14:hiddenLine xmlns:a14="http://schemas.microsoft.com/office/drawing/2010/main" xmlns="" w="9525">
                   <a:solidFill>
                     <a:srgbClr val="000000"/>
                   </a:solidFill>
@@ -1638,7 +1639,7 @@
             </a:ln>
             <a:extLst>
               <a:ext uri="{91240B29-F687-4f45-9708-019B960494DF}">
-                <a14:hiddenLine xmlns="" xmlns:a14="http://schemas.microsoft.com/office/drawing/2010/main" w="9525">
+                <a14:hiddenLine xmlns:a14="http://schemas.microsoft.com/office/drawing/2010/main" xmlns="" w="9525">
                   <a:solidFill>
                     <a:srgbClr val="000000"/>
                   </a:solidFill>
@@ -1728,7 +1729,7 @@
             </a:ln>
             <a:extLst>
               <a:ext uri="{91240B29-F687-4f45-9708-019B960494DF}">
-                <a14:hiddenLine xmlns="" xmlns:a14="http://schemas.microsoft.com/office/drawing/2010/main" w="9525">
+                <a14:hiddenLine xmlns:a14="http://schemas.microsoft.com/office/drawing/2010/main" xmlns="" w="9525">
                   <a:solidFill>
                     <a:srgbClr val="000000"/>
                   </a:solidFill>
@@ -1784,7 +1785,7 @@
             </a:ln>
             <a:extLst>
               <a:ext uri="{91240B29-F687-4f45-9708-019B960494DF}">
-                <a14:hiddenLine xmlns="" xmlns:a14="http://schemas.microsoft.com/office/drawing/2010/main" w="9525">
+                <a14:hiddenLine xmlns:a14="http://schemas.microsoft.com/office/drawing/2010/main" xmlns="" w="9525">
                   <a:solidFill>
                     <a:srgbClr val="000000"/>
                   </a:solidFill>
@@ -1874,7 +1875,7 @@
             </a:ln>
             <a:extLst>
               <a:ext uri="{91240B29-F687-4f45-9708-019B960494DF}">
-                <a14:hiddenLine xmlns="" xmlns:a14="http://schemas.microsoft.com/office/drawing/2010/main" w="9525">
+                <a14:hiddenLine xmlns:a14="http://schemas.microsoft.com/office/drawing/2010/main" xmlns="" w="9525">
                   <a:solidFill>
                     <a:srgbClr val="000000"/>
                   </a:solidFill>
@@ -1930,7 +1931,7 @@
             </a:ln>
             <a:extLst>
               <a:ext uri="{91240B29-F687-4f45-9708-019B960494DF}">
-                <a14:hiddenLine xmlns="" xmlns:a14="http://schemas.microsoft.com/office/drawing/2010/main" w="9525">
+                <a14:hiddenLine xmlns:a14="http://schemas.microsoft.com/office/drawing/2010/main" xmlns="" w="9525">
                   <a:solidFill>
                     <a:srgbClr val="000000"/>
                   </a:solidFill>
@@ -2020,7 +2021,7 @@
             </a:ln>
             <a:extLst>
               <a:ext uri="{91240B29-F687-4f45-9708-019B960494DF}">
-                <a14:hiddenLine xmlns="" xmlns:a14="http://schemas.microsoft.com/office/drawing/2010/main" w="9525">
+                <a14:hiddenLine xmlns:a14="http://schemas.microsoft.com/office/drawing/2010/main" xmlns="" w="9525">
                   <a:solidFill>
                     <a:srgbClr val="000000"/>
                   </a:solidFill>
@@ -2088,7 +2089,7 @@
             </a:ln>
             <a:extLst>
               <a:ext uri="{91240B29-F687-4f45-9708-019B960494DF}">
-                <a14:hiddenLine xmlns="" xmlns:a14="http://schemas.microsoft.com/office/drawing/2010/main" w="9525">
+                <a14:hiddenLine xmlns:a14="http://schemas.microsoft.com/office/drawing/2010/main" xmlns="" w="9525">
                   <a:solidFill>
                     <a:srgbClr val="000000"/>
                   </a:solidFill>
@@ -2178,7 +2179,7 @@
             </a:ln>
             <a:extLst>
               <a:ext uri="{91240B29-F687-4f45-9708-019B960494DF}">
-                <a14:hiddenLine xmlns="" xmlns:a14="http://schemas.microsoft.com/office/drawing/2010/main" w="9525">
+                <a14:hiddenLine xmlns:a14="http://schemas.microsoft.com/office/drawing/2010/main" xmlns="" w="9525">
                   <a:solidFill>
                     <a:srgbClr val="000000"/>
                   </a:solidFill>
@@ -2246,7 +2247,7 @@
             </a:ln>
             <a:extLst>
               <a:ext uri="{91240B29-F687-4f45-9708-019B960494DF}">
-                <a14:hiddenLine xmlns="" xmlns:a14="http://schemas.microsoft.com/office/drawing/2010/main" w="9525">
+                <a14:hiddenLine xmlns:a14="http://schemas.microsoft.com/office/drawing/2010/main" xmlns="" w="9525">
                   <a:solidFill>
                     <a:srgbClr val="000000"/>
                   </a:solidFill>
@@ -2336,7 +2337,7 @@
             </a:ln>
             <a:extLst>
               <a:ext uri="{91240B29-F687-4f45-9708-019B960494DF}">
-                <a14:hiddenLine xmlns="" xmlns:a14="http://schemas.microsoft.com/office/drawing/2010/main" w="9525">
+                <a14:hiddenLine xmlns:a14="http://schemas.microsoft.com/office/drawing/2010/main" xmlns="" w="9525">
                   <a:solidFill>
                     <a:srgbClr val="000000"/>
                   </a:solidFill>
@@ -2370,7 +2371,7 @@
             </a:ln>
             <a:extLst>
               <a:ext uri="{91240B29-F687-4f45-9708-019B960494DF}">
-                <a14:hiddenLine xmlns="" xmlns:a14="http://schemas.microsoft.com/office/drawing/2010/main" w="9525">
+                <a14:hiddenLine xmlns:a14="http://schemas.microsoft.com/office/drawing/2010/main" xmlns="" w="9525">
                   <a:solidFill>
                     <a:srgbClr val="000000"/>
                   </a:solidFill>
@@ -2460,7 +2461,7 @@
             </a:ln>
             <a:extLst>
               <a:ext uri="{91240B29-F687-4f45-9708-019B960494DF}">
-                <a14:hiddenLine xmlns="" xmlns:a14="http://schemas.microsoft.com/office/drawing/2010/main" w="9525">
+                <a14:hiddenLine xmlns:a14="http://schemas.microsoft.com/office/drawing/2010/main" xmlns="" w="9525">
                   <a:solidFill>
                     <a:srgbClr val="000000"/>
                   </a:solidFill>
@@ -2522,7 +2523,7 @@
             </a:ln>
             <a:extLst>
               <a:ext uri="{91240B29-F687-4f45-9708-019B960494DF}">
-                <a14:hiddenLine xmlns="" xmlns:a14="http://schemas.microsoft.com/office/drawing/2010/main" w="9525">
+                <a14:hiddenLine xmlns:a14="http://schemas.microsoft.com/office/drawing/2010/main" xmlns="" w="9525">
                   <a:solidFill>
                     <a:srgbClr val="000000"/>
                   </a:solidFill>
@@ -2584,7 +2585,7 @@
             </a:ln>
             <a:extLst>
               <a:ext uri="{91240B29-F687-4f45-9708-019B960494DF}">
-                <a14:hiddenLine xmlns="" xmlns:a14="http://schemas.microsoft.com/office/drawing/2010/main" w="9525">
+                <a14:hiddenLine xmlns:a14="http://schemas.microsoft.com/office/drawing/2010/main" xmlns="" w="9525">
                   <a:solidFill>
                     <a:srgbClr val="000000"/>
                   </a:solidFill>
@@ -2674,7 +2675,7 @@
             </a:ln>
             <a:extLst>
               <a:ext uri="{91240B29-F687-4f45-9708-019B960494DF}">
-                <a14:hiddenLine xmlns="" xmlns:a14="http://schemas.microsoft.com/office/drawing/2010/main" w="9525">
+                <a14:hiddenLine xmlns:a14="http://schemas.microsoft.com/office/drawing/2010/main" xmlns="" w="9525">
                   <a:solidFill>
                     <a:srgbClr val="000000"/>
                   </a:solidFill>
@@ -2742,7 +2743,7 @@
             </a:ln>
             <a:extLst>
               <a:ext uri="{91240B29-F687-4f45-9708-019B960494DF}">
-                <a14:hiddenLine xmlns="" xmlns:a14="http://schemas.microsoft.com/office/drawing/2010/main" w="9525">
+                <a14:hiddenLine xmlns:a14="http://schemas.microsoft.com/office/drawing/2010/main" xmlns="" w="9525">
                   <a:solidFill>
                     <a:srgbClr val="000000"/>
                   </a:solidFill>
@@ -2804,7 +2805,7 @@
             </a:ln>
             <a:extLst>
               <a:ext uri="{91240B29-F687-4f45-9708-019B960494DF}">
-                <a14:hiddenLine xmlns="" xmlns:a14="http://schemas.microsoft.com/office/drawing/2010/main" w="9525">
+                <a14:hiddenLine xmlns:a14="http://schemas.microsoft.com/office/drawing/2010/main" xmlns="" w="9525">
                   <a:solidFill>
                     <a:srgbClr val="000000"/>
                   </a:solidFill>
@@ -2894,7 +2895,7 @@
             </a:ln>
             <a:extLst>
               <a:ext uri="{91240B29-F687-4f45-9708-019B960494DF}">
-                <a14:hiddenLine xmlns="" xmlns:a14="http://schemas.microsoft.com/office/drawing/2010/main" w="9525">
+                <a14:hiddenLine xmlns:a14="http://schemas.microsoft.com/office/drawing/2010/main" xmlns="" w="9525">
                   <a:solidFill>
                     <a:srgbClr val="000000"/>
                   </a:solidFill>
@@ -2956,7 +2957,7 @@
             </a:ln>
             <a:extLst>
               <a:ext uri="{91240B29-F687-4f45-9708-019B960494DF}">
-                <a14:hiddenLine xmlns="" xmlns:a14="http://schemas.microsoft.com/office/drawing/2010/main" w="9525">
+                <a14:hiddenLine xmlns:a14="http://schemas.microsoft.com/office/drawing/2010/main" xmlns="" w="9525">
                   <a:solidFill>
                     <a:srgbClr val="000000"/>
                   </a:solidFill>
@@ -3046,7 +3047,7 @@
             </a:ln>
             <a:extLst>
               <a:ext uri="{91240B29-F687-4f45-9708-019B960494DF}">
-                <a14:hiddenLine xmlns="" xmlns:a14="http://schemas.microsoft.com/office/drawing/2010/main" w="9525">
+                <a14:hiddenLine xmlns:a14="http://schemas.microsoft.com/office/drawing/2010/main" xmlns="" w="9525">
                   <a:solidFill>
                     <a:srgbClr val="000000"/>
                   </a:solidFill>
@@ -3108,7 +3109,7 @@
             </a:ln>
             <a:extLst>
               <a:ext uri="{91240B29-F687-4f45-9708-019B960494DF}">
-                <a14:hiddenLine xmlns="" xmlns:a14="http://schemas.microsoft.com/office/drawing/2010/main" w="9525">
+                <a14:hiddenLine xmlns:a14="http://schemas.microsoft.com/office/drawing/2010/main" xmlns="" w="9525">
                   <a:solidFill>
                     <a:srgbClr val="000000"/>
                   </a:solidFill>
@@ -3198,7 +3199,7 @@
             </a:ln>
             <a:extLst>
               <a:ext uri="{91240B29-F687-4f45-9708-019B960494DF}">
-                <a14:hiddenLine xmlns="" xmlns:a14="http://schemas.microsoft.com/office/drawing/2010/main" w="9525">
+                <a14:hiddenLine xmlns:a14="http://schemas.microsoft.com/office/drawing/2010/main" xmlns="" w="9525">
                   <a:solidFill>
                     <a:srgbClr val="000000"/>
                   </a:solidFill>
@@ -3232,7 +3233,7 @@
             </a:ln>
             <a:extLst>
               <a:ext uri="{91240B29-F687-4f45-9708-019B960494DF}">
-                <a14:hiddenLine xmlns="" xmlns:a14="http://schemas.microsoft.com/office/drawing/2010/main" w="9525">
+                <a14:hiddenLine xmlns:a14="http://schemas.microsoft.com/office/drawing/2010/main" xmlns="" w="9525">
                   <a:solidFill>
                     <a:srgbClr val="000000"/>
                   </a:solidFill>
@@ -3297,7 +3298,7 @@
             </a:ln>
             <a:extLst>
               <a:ext uri="{91240B29-F687-4f45-9708-019B960494DF}">
-                <a14:hiddenLine xmlns="" xmlns:a14="http://schemas.microsoft.com/office/drawing/2010/main" w="9525">
+                <a14:hiddenLine xmlns:a14="http://schemas.microsoft.com/office/drawing/2010/main" xmlns="" w="9525">
                   <a:solidFill>
                     <a:srgbClr val="000000"/>
                   </a:solidFill>
@@ -3387,7 +3388,7 @@
             </a:ln>
             <a:extLst>
               <a:ext uri="{91240B29-F687-4f45-9708-019B960494DF}">
-                <a14:hiddenLine xmlns="" xmlns:a14="http://schemas.microsoft.com/office/drawing/2010/main" w="9525">
+                <a14:hiddenLine xmlns:a14="http://schemas.microsoft.com/office/drawing/2010/main" xmlns="" w="9525">
                   <a:solidFill>
                     <a:srgbClr val="000000"/>
                   </a:solidFill>
@@ -3449,7 +3450,7 @@
             </a:ln>
             <a:extLst>
               <a:ext uri="{91240B29-F687-4f45-9708-019B960494DF}">
-                <a14:hiddenLine xmlns="" xmlns:a14="http://schemas.microsoft.com/office/drawing/2010/main" w="9525">
+                <a14:hiddenLine xmlns:a14="http://schemas.microsoft.com/office/drawing/2010/main" xmlns="" w="9525">
                   <a:solidFill>
                     <a:srgbClr val="000000"/>
                   </a:solidFill>
@@ -3539,7 +3540,7 @@
             </a:ln>
             <a:extLst>
               <a:ext uri="{91240B29-F687-4f45-9708-019B960494DF}">
-                <a14:hiddenLine xmlns="" xmlns:a14="http://schemas.microsoft.com/office/drawing/2010/main" w="9525">
+                <a14:hiddenLine xmlns:a14="http://schemas.microsoft.com/office/drawing/2010/main" xmlns="" w="9525">
                   <a:solidFill>
                     <a:srgbClr val="000000"/>
                   </a:solidFill>
@@ -3629,7 +3630,7 @@
             </a:ln>
             <a:extLst>
               <a:ext uri="{91240B29-F687-4f45-9708-019B960494DF}">
-                <a14:hiddenLine xmlns="" xmlns:a14="http://schemas.microsoft.com/office/drawing/2010/main" w="9525">
+                <a14:hiddenLine xmlns:a14="http://schemas.microsoft.com/office/drawing/2010/main" xmlns="" w="9525">
                   <a:solidFill>
                     <a:srgbClr val="000000"/>
                   </a:solidFill>
@@ -3694,7 +3695,7 @@
             </a:ln>
             <a:extLst>
               <a:ext uri="{91240B29-F687-4f45-9708-019B960494DF}">
-                <a14:hiddenLine xmlns="" xmlns:a14="http://schemas.microsoft.com/office/drawing/2010/main" w="9525">
+                <a14:hiddenLine xmlns:a14="http://schemas.microsoft.com/office/drawing/2010/main" xmlns="" w="9525">
                   <a:solidFill>
                     <a:srgbClr val="000000"/>
                   </a:solidFill>
@@ -3756,7 +3757,7 @@
             </a:ln>
             <a:extLst>
               <a:ext uri="{91240B29-F687-4f45-9708-019B960494DF}">
-                <a14:hiddenLine xmlns="" xmlns:a14="http://schemas.microsoft.com/office/drawing/2010/main" w="9525">
+                <a14:hiddenLine xmlns:a14="http://schemas.microsoft.com/office/drawing/2010/main" xmlns="" w="9525">
                   <a:solidFill>
                     <a:srgbClr val="000000"/>
                   </a:solidFill>
@@ -3846,7 +3847,7 @@
             </a:ln>
             <a:extLst>
               <a:ext uri="{91240B29-F687-4f45-9708-019B960494DF}">
-                <a14:hiddenLine xmlns="" xmlns:a14="http://schemas.microsoft.com/office/drawing/2010/main" w="9525">
+                <a14:hiddenLine xmlns:a14="http://schemas.microsoft.com/office/drawing/2010/main" xmlns="" w="9525">
                   <a:solidFill>
                     <a:srgbClr val="000000"/>
                   </a:solidFill>
@@ -3936,7 +3937,7 @@
             </a:ln>
             <a:extLst>
               <a:ext uri="{91240B29-F687-4f45-9708-019B960494DF}">
-                <a14:hiddenLine xmlns="" xmlns:a14="http://schemas.microsoft.com/office/drawing/2010/main" w="9525">
+                <a14:hiddenLine xmlns:a14="http://schemas.microsoft.com/office/drawing/2010/main" xmlns="" w="9525">
                   <a:solidFill>
                     <a:srgbClr val="000000"/>
                   </a:solidFill>
@@ -3998,7 +3999,7 @@
             </a:ln>
             <a:extLst>
               <a:ext uri="{91240B29-F687-4f45-9708-019B960494DF}">
-                <a14:hiddenLine xmlns="" xmlns:a14="http://schemas.microsoft.com/office/drawing/2010/main" w="9525">
+                <a14:hiddenLine xmlns:a14="http://schemas.microsoft.com/office/drawing/2010/main" xmlns="" w="9525">
                   <a:solidFill>
                     <a:srgbClr val="000000"/>
                   </a:solidFill>
@@ -4118,7 +4119,7 @@
             </a:ln>
             <a:extLst>
               <a:ext uri="{91240B29-F687-4f45-9708-019B960494DF}">
-                <a14:hiddenLine xmlns="" xmlns:a14="http://schemas.microsoft.com/office/drawing/2010/main" w="9525">
+                <a14:hiddenLine xmlns:a14="http://schemas.microsoft.com/office/drawing/2010/main" xmlns="" w="9525">
                   <a:solidFill>
                     <a:srgbClr val="000000"/>
                   </a:solidFill>
@@ -4186,7 +4187,7 @@
             </a:ln>
             <a:extLst>
               <a:ext uri="{91240B29-F687-4f45-9708-019B960494DF}">
-                <a14:hiddenLine xmlns="" xmlns:a14="http://schemas.microsoft.com/office/drawing/2010/main" w="9525">
+                <a14:hiddenLine xmlns:a14="http://schemas.microsoft.com/office/drawing/2010/main" xmlns="" w="9525">
                   <a:solidFill>
                     <a:srgbClr val="000000"/>
                   </a:solidFill>
@@ -4276,7 +4277,7 @@
             </a:ln>
             <a:extLst>
               <a:ext uri="{91240B29-F687-4f45-9708-019B960494DF}">
-                <a14:hiddenLine xmlns="" xmlns:a14="http://schemas.microsoft.com/office/drawing/2010/main" w="9525">
+                <a14:hiddenLine xmlns:a14="http://schemas.microsoft.com/office/drawing/2010/main" xmlns="" w="9525">
                   <a:solidFill>
                     <a:srgbClr val="000000"/>
                   </a:solidFill>
@@ -4416,7 +4417,7 @@
           <a:p>
             <a:fld id="{48A87A34-81AB-432B-8DAE-1953F412C126}" type="datetimeFigureOut">
               <a:rPr lang="en-US" dirty="0"/>
-              <a:t>1/4/2020</a:t>
+              <a:t>1/8/2020</a:t>
             </a:fld>
             <a:endParaRPr lang="en-US" dirty="0"/>
           </a:p>
@@ -4678,7 +4679,7 @@
           <a:p>
             <a:fld id="{48A87A34-81AB-432B-8DAE-1953F412C126}" type="datetimeFigureOut">
               <a:rPr lang="en-US" dirty="0"/>
-              <a:t>1/4/2020</a:t>
+              <a:t>1/8/2020</a:t>
             </a:fld>
             <a:endParaRPr lang="en-US" dirty="0"/>
           </a:p>
@@ -4869,7 +4870,7 @@
           <a:p>
             <a:fld id="{48A87A34-81AB-432B-8DAE-1953F412C126}" type="datetimeFigureOut">
               <a:rPr lang="en-US" dirty="0"/>
-              <a:t>1/4/2020</a:t>
+              <a:t>1/8/2020</a:t>
             </a:fld>
             <a:endParaRPr lang="en-US" dirty="0"/>
           </a:p>
@@ -5127,7 +5128,7 @@
           <a:p>
             <a:fld id="{48A87A34-81AB-432B-8DAE-1953F412C126}" type="datetimeFigureOut">
               <a:rPr lang="en-US" dirty="0"/>
-              <a:t>1/4/2020</a:t>
+              <a:t>1/8/2020</a:t>
             </a:fld>
             <a:endParaRPr lang="en-US" dirty="0"/>
           </a:p>
@@ -5556,7 +5557,7 @@
           <a:p>
             <a:fld id="{48A87A34-81AB-432B-8DAE-1953F412C126}" type="datetimeFigureOut">
               <a:rPr lang="en-US" dirty="0"/>
-              <a:t>1/4/2020</a:t>
+              <a:t>1/8/2020</a:t>
             </a:fld>
             <a:endParaRPr lang="en-US" dirty="0"/>
           </a:p>
@@ -6097,7 +6098,7 @@
           <a:p>
             <a:fld id="{48A87A34-81AB-432B-8DAE-1953F412C126}" type="datetimeFigureOut">
               <a:rPr lang="en-US" dirty="0"/>
-              <a:t>1/4/2020</a:t>
+              <a:t>1/8/2020</a:t>
             </a:fld>
             <a:endParaRPr lang="en-US" dirty="0"/>
           </a:p>
@@ -6812,7 +6813,7 @@
           <a:p>
             <a:fld id="{48A87A34-81AB-432B-8DAE-1953F412C126}" type="datetimeFigureOut">
               <a:rPr lang="en-US" dirty="0"/>
-              <a:t>1/4/2020</a:t>
+              <a:t>1/8/2020</a:t>
             </a:fld>
             <a:endParaRPr lang="en-US" dirty="0"/>
           </a:p>
@@ -6977,7 +6978,7 @@
           <a:p>
             <a:fld id="{48A87A34-81AB-432B-8DAE-1953F412C126}" type="datetimeFigureOut">
               <a:rPr lang="en-US" dirty="0"/>
-              <a:t>1/4/2020</a:t>
+              <a:t>1/8/2020</a:t>
             </a:fld>
             <a:endParaRPr lang="en-US" dirty="0"/>
           </a:p>
@@ -7152,7 +7153,7 @@
           <a:p>
             <a:fld id="{48A87A34-81AB-432B-8DAE-1953F412C126}" type="datetimeFigureOut">
               <a:rPr lang="en-US" dirty="0"/>
-              <a:t>1/4/2020</a:t>
+              <a:t>1/8/2020</a:t>
             </a:fld>
             <a:endParaRPr lang="en-US" dirty="0"/>
           </a:p>
@@ -7317,7 +7318,7 @@
           <a:p>
             <a:fld id="{48A87A34-81AB-432B-8DAE-1953F412C126}" type="datetimeFigureOut">
               <a:rPr lang="en-US" dirty="0"/>
-              <a:t>1/4/2020</a:t>
+              <a:t>1/8/2020</a:t>
             </a:fld>
             <a:endParaRPr lang="en-US" dirty="0"/>
           </a:p>
@@ -7562,7 +7563,7 @@
           <a:p>
             <a:fld id="{48A87A34-81AB-432B-8DAE-1953F412C126}" type="datetimeFigureOut">
               <a:rPr lang="en-US" dirty="0"/>
-              <a:t>1/4/2020</a:t>
+              <a:t>1/8/2020</a:t>
             </a:fld>
             <a:endParaRPr lang="en-US" dirty="0"/>
           </a:p>
@@ -7789,7 +7790,7 @@
           <a:p>
             <a:fld id="{48A87A34-81AB-432B-8DAE-1953F412C126}" type="datetimeFigureOut">
               <a:rPr lang="en-US" dirty="0"/>
-              <a:t>1/4/2020</a:t>
+              <a:t>1/8/2020</a:t>
             </a:fld>
             <a:endParaRPr lang="en-US" dirty="0"/>
           </a:p>
@@ -8165,7 +8166,7 @@
           <a:p>
             <a:fld id="{48A87A34-81AB-432B-8DAE-1953F412C126}" type="datetimeFigureOut">
               <a:rPr lang="en-US" dirty="0"/>
-              <a:t>1/4/2020</a:t>
+              <a:t>1/8/2020</a:t>
             </a:fld>
             <a:endParaRPr lang="en-US" dirty="0"/>
           </a:p>
@@ -8278,7 +8279,7 @@
           <a:p>
             <a:fld id="{48A87A34-81AB-432B-8DAE-1953F412C126}" type="datetimeFigureOut">
               <a:rPr lang="en-US" dirty="0"/>
-              <a:t>1/4/2020</a:t>
+              <a:t>1/8/2020</a:t>
             </a:fld>
             <a:endParaRPr lang="en-US" dirty="0"/>
           </a:p>
@@ -8368,7 +8369,7 @@
           <a:p>
             <a:fld id="{48A87A34-81AB-432B-8DAE-1953F412C126}" type="datetimeFigureOut">
               <a:rPr lang="en-US" dirty="0"/>
-              <a:t>1/4/2020</a:t>
+              <a:t>1/8/2020</a:t>
             </a:fld>
             <a:endParaRPr lang="en-US" dirty="0"/>
           </a:p>
@@ -8612,7 +8613,7 @@
           <a:p>
             <a:fld id="{48A87A34-81AB-432B-8DAE-1953F412C126}" type="datetimeFigureOut">
               <a:rPr lang="en-US" dirty="0"/>
-              <a:t>1/4/2020</a:t>
+              <a:t>1/8/2020</a:t>
             </a:fld>
             <a:endParaRPr lang="en-US" dirty="0"/>
           </a:p>
@@ -8887,7 +8888,7 @@
           <a:p>
             <a:fld id="{48A87A34-81AB-432B-8DAE-1953F412C126}" type="datetimeFigureOut">
               <a:rPr lang="en-US" dirty="0"/>
-              <a:t>1/4/2020</a:t>
+              <a:t>1/8/2020</a:t>
             </a:fld>
             <a:endParaRPr lang="en-US" dirty="0"/>
           </a:p>
@@ -9005,7 +9006,7 @@
           <a:noFill/>
           <a:extLst>
             <a:ext uri="{909E8E84-426E-40dd-AFC4-6F175D3DCCD1}">
-              <a14:hiddenFill xmlns="" xmlns:a14="http://schemas.microsoft.com/office/drawing/2010/main">
+              <a14:hiddenFill xmlns:a14="http://schemas.microsoft.com/office/drawing/2010/main" xmlns="">
                 <a:solidFill>
                   <a:srgbClr val="FFFFFF"/>
                 </a:solidFill>
@@ -9079,7 +9080,7 @@
               </a:ln>
               <a:extLst>
                 <a:ext uri="{91240B29-F687-4f45-9708-019B960494DF}">
-                  <a14:hiddenLine xmlns="" xmlns:a14="http://schemas.microsoft.com/office/drawing/2010/main" w="9525">
+                  <a14:hiddenLine xmlns:a14="http://schemas.microsoft.com/office/drawing/2010/main" xmlns="" w="9525">
                     <a:solidFill>
                       <a:srgbClr val="000000"/>
                     </a:solidFill>
@@ -9169,7 +9170,7 @@
               </a:ln>
               <a:extLst>
                 <a:ext uri="{91240B29-F687-4f45-9708-019B960494DF}">
-                  <a14:hiddenLine xmlns="" xmlns:a14="http://schemas.microsoft.com/office/drawing/2010/main" w="9525">
+                  <a14:hiddenLine xmlns:a14="http://schemas.microsoft.com/office/drawing/2010/main" xmlns="" w="9525">
                     <a:solidFill>
                       <a:srgbClr val="000000"/>
                     </a:solidFill>
@@ -9259,7 +9260,7 @@
               </a:ln>
               <a:extLst>
                 <a:ext uri="{91240B29-F687-4f45-9708-019B960494DF}">
-                  <a14:hiddenLine xmlns="" xmlns:a14="http://schemas.microsoft.com/office/drawing/2010/main" w="9525">
+                  <a14:hiddenLine xmlns:a14="http://schemas.microsoft.com/office/drawing/2010/main" xmlns="" w="9525">
                     <a:solidFill>
                       <a:srgbClr val="000000"/>
                     </a:solidFill>
@@ -9321,7 +9322,7 @@
               </a:ln>
               <a:extLst>
                 <a:ext uri="{91240B29-F687-4f45-9708-019B960494DF}">
-                  <a14:hiddenLine xmlns="" xmlns:a14="http://schemas.microsoft.com/office/drawing/2010/main" w="9525">
+                  <a14:hiddenLine xmlns:a14="http://schemas.microsoft.com/office/drawing/2010/main" xmlns="" w="9525">
                     <a:solidFill>
                       <a:srgbClr val="000000"/>
                     </a:solidFill>
@@ -9411,7 +9412,7 @@
               </a:ln>
               <a:extLst>
                 <a:ext uri="{91240B29-F687-4f45-9708-019B960494DF}">
-                  <a14:hiddenLine xmlns="" xmlns:a14="http://schemas.microsoft.com/office/drawing/2010/main" w="9525">
+                  <a14:hiddenLine xmlns:a14="http://schemas.microsoft.com/office/drawing/2010/main" xmlns="" w="9525">
                     <a:solidFill>
                       <a:srgbClr val="000000"/>
                     </a:solidFill>
@@ -9473,7 +9474,7 @@
               </a:ln>
               <a:extLst>
                 <a:ext uri="{91240B29-F687-4f45-9708-019B960494DF}">
-                  <a14:hiddenLine xmlns="" xmlns:a14="http://schemas.microsoft.com/office/drawing/2010/main" w="9525">
+                  <a14:hiddenLine xmlns:a14="http://schemas.microsoft.com/office/drawing/2010/main" xmlns="" w="9525">
                     <a:solidFill>
                       <a:srgbClr val="000000"/>
                     </a:solidFill>
@@ -9535,7 +9536,7 @@
               </a:ln>
               <a:extLst>
                 <a:ext uri="{91240B29-F687-4f45-9708-019B960494DF}">
-                  <a14:hiddenLine xmlns="" xmlns:a14="http://schemas.microsoft.com/office/drawing/2010/main" w="9525">
+                  <a14:hiddenLine xmlns:a14="http://schemas.microsoft.com/office/drawing/2010/main" xmlns="" w="9525">
                     <a:solidFill>
                       <a:srgbClr val="000000"/>
                     </a:solidFill>
@@ -9625,7 +9626,7 @@
               </a:ln>
               <a:extLst>
                 <a:ext uri="{91240B29-F687-4f45-9708-019B960494DF}">
-                  <a14:hiddenLine xmlns="" xmlns:a14="http://schemas.microsoft.com/office/drawing/2010/main" w="9525">
+                  <a14:hiddenLine xmlns:a14="http://schemas.microsoft.com/office/drawing/2010/main" xmlns="" w="9525">
                     <a:solidFill>
                       <a:srgbClr val="000000"/>
                     </a:solidFill>
@@ -9715,7 +9716,7 @@
               </a:ln>
               <a:extLst>
                 <a:ext uri="{91240B29-F687-4f45-9708-019B960494DF}">
-                  <a14:hiddenLine xmlns="" xmlns:a14="http://schemas.microsoft.com/office/drawing/2010/main" w="9525">
+                  <a14:hiddenLine xmlns:a14="http://schemas.microsoft.com/office/drawing/2010/main" xmlns="" w="9525">
                     <a:solidFill>
                       <a:srgbClr val="000000"/>
                     </a:solidFill>
@@ -9777,7 +9778,7 @@
               </a:ln>
               <a:extLst>
                 <a:ext uri="{91240B29-F687-4f45-9708-019B960494DF}">
-                  <a14:hiddenLine xmlns="" xmlns:a14="http://schemas.microsoft.com/office/drawing/2010/main" w="9525">
+                  <a14:hiddenLine xmlns:a14="http://schemas.microsoft.com/office/drawing/2010/main" xmlns="" w="9525">
                     <a:solidFill>
                       <a:srgbClr val="000000"/>
                     </a:solidFill>
@@ -9887,7 +9888,7 @@
               </a:ln>
               <a:extLst>
                 <a:ext uri="{91240B29-F687-4f45-9708-019B960494DF}">
-                  <a14:hiddenLine xmlns="" xmlns:a14="http://schemas.microsoft.com/office/drawing/2010/main" w="9525">
+                  <a14:hiddenLine xmlns:a14="http://schemas.microsoft.com/office/drawing/2010/main" xmlns="" w="9525">
                     <a:solidFill>
                       <a:srgbClr val="000000"/>
                     </a:solidFill>
@@ -9971,7 +9972,7 @@
               </a:ln>
               <a:extLst>
                 <a:ext uri="{91240B29-F687-4f45-9708-019B960494DF}">
-                  <a14:hiddenLine xmlns="" xmlns:a14="http://schemas.microsoft.com/office/drawing/2010/main" w="9525">
+                  <a14:hiddenLine xmlns:a14="http://schemas.microsoft.com/office/drawing/2010/main" xmlns="" w="9525">
                     <a:solidFill>
                       <a:srgbClr val="000000"/>
                     </a:solidFill>
@@ -10033,7 +10034,7 @@
               </a:ln>
               <a:extLst>
                 <a:ext uri="{91240B29-F687-4f45-9708-019B960494DF}">
-                  <a14:hiddenLine xmlns="" xmlns:a14="http://schemas.microsoft.com/office/drawing/2010/main" w="9525">
+                  <a14:hiddenLine xmlns:a14="http://schemas.microsoft.com/office/drawing/2010/main" xmlns="" w="9525">
                     <a:solidFill>
                       <a:srgbClr val="000000"/>
                     </a:solidFill>
@@ -10095,7 +10096,7 @@
               </a:ln>
               <a:extLst>
                 <a:ext uri="{91240B29-F687-4f45-9708-019B960494DF}">
-                  <a14:hiddenLine xmlns="" xmlns:a14="http://schemas.microsoft.com/office/drawing/2010/main" w="9525">
+                  <a14:hiddenLine xmlns:a14="http://schemas.microsoft.com/office/drawing/2010/main" xmlns="" w="9525">
                     <a:solidFill>
                       <a:srgbClr val="000000"/>
                     </a:solidFill>
@@ -10185,7 +10186,7 @@
               </a:ln>
               <a:extLst>
                 <a:ext uri="{91240B29-F687-4f45-9708-019B960494DF}">
-                  <a14:hiddenLine xmlns="" xmlns:a14="http://schemas.microsoft.com/office/drawing/2010/main" w="9525">
+                  <a14:hiddenLine xmlns:a14="http://schemas.microsoft.com/office/drawing/2010/main" xmlns="" w="9525">
                     <a:solidFill>
                       <a:srgbClr val="000000"/>
                     </a:solidFill>
@@ -10219,7 +10220,7 @@
               </a:ln>
               <a:extLst>
                 <a:ext uri="{91240B29-F687-4f45-9708-019B960494DF}">
-                  <a14:hiddenLine xmlns="" xmlns:a14="http://schemas.microsoft.com/office/drawing/2010/main" w="9525">
+                  <a14:hiddenLine xmlns:a14="http://schemas.microsoft.com/office/drawing/2010/main" xmlns="" w="9525">
                     <a:solidFill>
                       <a:srgbClr val="000000"/>
                     </a:solidFill>
@@ -10284,7 +10285,7 @@
               </a:ln>
               <a:extLst>
                 <a:ext uri="{91240B29-F687-4f45-9708-019B960494DF}">
-                  <a14:hiddenLine xmlns="" xmlns:a14="http://schemas.microsoft.com/office/drawing/2010/main" w="9525">
+                  <a14:hiddenLine xmlns:a14="http://schemas.microsoft.com/office/drawing/2010/main" xmlns="" w="9525">
                     <a:solidFill>
                       <a:srgbClr val="000000"/>
                     </a:solidFill>
@@ -10374,7 +10375,7 @@
               </a:ln>
               <a:extLst>
                 <a:ext uri="{91240B29-F687-4f45-9708-019B960494DF}">
-                  <a14:hiddenLine xmlns="" xmlns:a14="http://schemas.microsoft.com/office/drawing/2010/main" w="9525">
+                  <a14:hiddenLine xmlns:a14="http://schemas.microsoft.com/office/drawing/2010/main" xmlns="" w="9525">
                     <a:solidFill>
                       <a:srgbClr val="000000"/>
                     </a:solidFill>
@@ -10436,7 +10437,7 @@
               </a:ln>
               <a:extLst>
                 <a:ext uri="{91240B29-F687-4f45-9708-019B960494DF}">
-                  <a14:hiddenLine xmlns="" xmlns:a14="http://schemas.microsoft.com/office/drawing/2010/main" w="9525">
+                  <a14:hiddenLine xmlns:a14="http://schemas.microsoft.com/office/drawing/2010/main" xmlns="" w="9525">
                     <a:solidFill>
                       <a:srgbClr val="000000"/>
                     </a:solidFill>
@@ -10526,7 +10527,7 @@
               </a:ln>
               <a:extLst>
                 <a:ext uri="{91240B29-F687-4f45-9708-019B960494DF}">
-                  <a14:hiddenLine xmlns="" xmlns:a14="http://schemas.microsoft.com/office/drawing/2010/main" w="9525">
+                  <a14:hiddenLine xmlns:a14="http://schemas.microsoft.com/office/drawing/2010/main" xmlns="" w="9525">
                     <a:solidFill>
                       <a:srgbClr val="000000"/>
                     </a:solidFill>
@@ -10591,7 +10592,7 @@
               </a:ln>
               <a:extLst>
                 <a:ext uri="{91240B29-F687-4f45-9708-019B960494DF}">
-                  <a14:hiddenLine xmlns="" xmlns:a14="http://schemas.microsoft.com/office/drawing/2010/main" w="9525">
+                  <a14:hiddenLine xmlns:a14="http://schemas.microsoft.com/office/drawing/2010/main" xmlns="" w="9525">
                     <a:solidFill>
                       <a:srgbClr val="000000"/>
                     </a:solidFill>
@@ -10653,7 +10654,7 @@
               </a:ln>
               <a:extLst>
                 <a:ext uri="{91240B29-F687-4f45-9708-019B960494DF}">
-                  <a14:hiddenLine xmlns="" xmlns:a14="http://schemas.microsoft.com/office/drawing/2010/main" w="9525">
+                  <a14:hiddenLine xmlns:a14="http://schemas.microsoft.com/office/drawing/2010/main" xmlns="" w="9525">
                     <a:solidFill>
                       <a:srgbClr val="000000"/>
                     </a:solidFill>
@@ -10743,7 +10744,7 @@
               </a:ln>
               <a:extLst>
                 <a:ext uri="{91240B29-F687-4f45-9708-019B960494DF}">
-                  <a14:hiddenLine xmlns="" xmlns:a14="http://schemas.microsoft.com/office/drawing/2010/main" w="9525">
+                  <a14:hiddenLine xmlns:a14="http://schemas.microsoft.com/office/drawing/2010/main" xmlns="" w="9525">
                     <a:solidFill>
                       <a:srgbClr val="000000"/>
                     </a:solidFill>
@@ -10833,7 +10834,7 @@
               </a:ln>
               <a:extLst>
                 <a:ext uri="{91240B29-F687-4f45-9708-019B960494DF}">
-                  <a14:hiddenLine xmlns="" xmlns:a14="http://schemas.microsoft.com/office/drawing/2010/main" w="9525">
+                  <a14:hiddenLine xmlns:a14="http://schemas.microsoft.com/office/drawing/2010/main" xmlns="" w="9525">
                     <a:solidFill>
                       <a:srgbClr val="000000"/>
                     </a:solidFill>
@@ -10898,7 +10899,7 @@
               </a:ln>
               <a:extLst>
                 <a:ext uri="{91240B29-F687-4f45-9708-019B960494DF}">
-                  <a14:hiddenLine xmlns="" xmlns:a14="http://schemas.microsoft.com/office/drawing/2010/main" w="9525">
+                  <a14:hiddenLine xmlns:a14="http://schemas.microsoft.com/office/drawing/2010/main" xmlns="" w="9525">
                     <a:solidFill>
                       <a:srgbClr val="000000"/>
                     </a:solidFill>
@@ -11018,7 +11019,7 @@
               </a:ln>
               <a:extLst>
                 <a:ext uri="{91240B29-F687-4f45-9708-019B960494DF}">
-                  <a14:hiddenLine xmlns="" xmlns:a14="http://schemas.microsoft.com/office/drawing/2010/main" w="9525">
+                  <a14:hiddenLine xmlns:a14="http://schemas.microsoft.com/office/drawing/2010/main" xmlns="" w="9525">
                     <a:solidFill>
                       <a:srgbClr val="000000"/>
                     </a:solidFill>
@@ -11116,7 +11117,7 @@
               </a:ln>
               <a:extLst>
                 <a:ext uri="{91240B29-F687-4f45-9708-019B960494DF}">
-                  <a14:hiddenLine xmlns="" xmlns:a14="http://schemas.microsoft.com/office/drawing/2010/main" w="9525">
+                  <a14:hiddenLine xmlns:a14="http://schemas.microsoft.com/office/drawing/2010/main" xmlns="" w="9525">
                     <a:solidFill>
                       <a:srgbClr val="000000"/>
                     </a:solidFill>
@@ -11231,7 +11232,7 @@
               </a:ln>
               <a:extLst>
                 <a:ext uri="{91240B29-F687-4f45-9708-019B960494DF}">
-                  <a14:hiddenLine xmlns="" xmlns:a14="http://schemas.microsoft.com/office/drawing/2010/main" w="9525">
+                  <a14:hiddenLine xmlns:a14="http://schemas.microsoft.com/office/drawing/2010/main" xmlns="" w="9525">
                     <a:solidFill>
                       <a:srgbClr val="000000"/>
                     </a:solidFill>
@@ -11321,7 +11322,7 @@
               </a:ln>
               <a:extLst>
                 <a:ext uri="{91240B29-F687-4f45-9708-019B960494DF}">
-                  <a14:hiddenLine xmlns="" xmlns:a14="http://schemas.microsoft.com/office/drawing/2010/main" w="9525">
+                  <a14:hiddenLine xmlns:a14="http://schemas.microsoft.com/office/drawing/2010/main" xmlns="" w="9525">
                     <a:solidFill>
                       <a:srgbClr val="000000"/>
                     </a:solidFill>
@@ -11386,7 +11387,7 @@
               </a:ln>
               <a:extLst>
                 <a:ext uri="{91240B29-F687-4f45-9708-019B960494DF}">
-                  <a14:hiddenLine xmlns="" xmlns:a14="http://schemas.microsoft.com/office/drawing/2010/main" w="9525">
+                  <a14:hiddenLine xmlns:a14="http://schemas.microsoft.com/office/drawing/2010/main" xmlns="" w="9525">
                     <a:solidFill>
                       <a:srgbClr val="000000"/>
                     </a:solidFill>
@@ -11476,7 +11477,7 @@
               </a:ln>
               <a:extLst>
                 <a:ext uri="{91240B29-F687-4f45-9708-019B960494DF}">
-                  <a14:hiddenLine xmlns="" xmlns:a14="http://schemas.microsoft.com/office/drawing/2010/main" w="9525">
+                  <a14:hiddenLine xmlns:a14="http://schemas.microsoft.com/office/drawing/2010/main" xmlns="" w="9525">
                     <a:solidFill>
                       <a:srgbClr val="000000"/>
                     </a:solidFill>
@@ -11544,7 +11545,7 @@
               </a:ln>
               <a:extLst>
                 <a:ext uri="{91240B29-F687-4f45-9708-019B960494DF}">
-                  <a14:hiddenLine xmlns="" xmlns:a14="http://schemas.microsoft.com/office/drawing/2010/main" w="9525">
+                  <a14:hiddenLine xmlns:a14="http://schemas.microsoft.com/office/drawing/2010/main" xmlns="" w="9525">
                     <a:solidFill>
                       <a:srgbClr val="000000"/>
                     </a:solidFill>
@@ -11634,7 +11635,7 @@
               </a:ln>
               <a:extLst>
                 <a:ext uri="{91240B29-F687-4f45-9708-019B960494DF}">
-                  <a14:hiddenLine xmlns="" xmlns:a14="http://schemas.microsoft.com/office/drawing/2010/main" w="9525">
+                  <a14:hiddenLine xmlns:a14="http://schemas.microsoft.com/office/drawing/2010/main" xmlns="" w="9525">
                     <a:solidFill>
                       <a:srgbClr val="000000"/>
                     </a:solidFill>
@@ -11702,7 +11703,7 @@
               </a:ln>
               <a:extLst>
                 <a:ext uri="{91240B29-F687-4f45-9708-019B960494DF}">
-                  <a14:hiddenLine xmlns="" xmlns:a14="http://schemas.microsoft.com/office/drawing/2010/main" w="9525">
+                  <a14:hiddenLine xmlns:a14="http://schemas.microsoft.com/office/drawing/2010/main" xmlns="" w="9525">
                     <a:solidFill>
                       <a:srgbClr val="000000"/>
                     </a:solidFill>
@@ -11792,7 +11793,7 @@
               </a:ln>
               <a:extLst>
                 <a:ext uri="{91240B29-F687-4f45-9708-019B960494DF}">
-                  <a14:hiddenLine xmlns="" xmlns:a14="http://schemas.microsoft.com/office/drawing/2010/main" w="9525">
+                  <a14:hiddenLine xmlns:a14="http://schemas.microsoft.com/office/drawing/2010/main" xmlns="" w="9525">
                     <a:solidFill>
                       <a:srgbClr val="000000"/>
                     </a:solidFill>
@@ -11826,7 +11827,7 @@
               </a:ln>
               <a:extLst>
                 <a:ext uri="{91240B29-F687-4f45-9708-019B960494DF}">
-                  <a14:hiddenLine xmlns="" xmlns:a14="http://schemas.microsoft.com/office/drawing/2010/main" w="9525">
+                  <a14:hiddenLine xmlns:a14="http://schemas.microsoft.com/office/drawing/2010/main" xmlns="" w="9525">
                     <a:solidFill>
                       <a:srgbClr val="000000"/>
                     </a:solidFill>
@@ -11967,7 +11968,7 @@
             <a:fld id="{48A87A34-81AB-432B-8DAE-1953F412C126}" type="datetimeFigureOut">
               <a:rPr lang="en-US" dirty="0"/>
               <a:pPr/>
-              <a:t>1/4/2020</a:t>
+              <a:t>1/8/2020</a:t>
             </a:fld>
             <a:endParaRPr lang="en-US" dirty="0"/>
           </a:p>
@@ -13092,6 +13093,312 @@
     <p:extLst>
       <p:ext uri="{BB962C8B-B14F-4D97-AF65-F5344CB8AC3E}">
         <p14:creationId xmlns:p14="http://schemas.microsoft.com/office/powerpoint/2010/main" val="2620999448"/>
+      </p:ext>
+    </p:extLst>
+  </p:cSld>
+  <p:clrMapOvr>
+    <a:masterClrMapping/>
+  </p:clrMapOvr>
+</p:sld>
+</file>
+
+<file path=ppt/slides/slide12.xml><?xml version="1.0" encoding="utf-8"?>
+<p:sld xmlns:a="http://schemas.openxmlformats.org/drawingml/2006/main" xmlns:r="http://schemas.openxmlformats.org/officeDocument/2006/relationships" xmlns:p="http://schemas.openxmlformats.org/presentationml/2006/main">
+  <p:cSld>
+    <p:spTree>
+      <p:nvGrpSpPr>
+        <p:cNvPr id="1" name=""/>
+        <p:cNvGrpSpPr/>
+        <p:nvPr/>
+      </p:nvGrpSpPr>
+      <p:grpSpPr>
+        <a:xfrm>
+          <a:off x="0" y="0"/>
+          <a:ext cx="0" cy="0"/>
+          <a:chOff x="0" y="0"/>
+          <a:chExt cx="0" cy="0"/>
+        </a:xfrm>
+      </p:grpSpPr>
+      <p:sp>
+        <p:nvSpPr>
+          <p:cNvPr id="2" name="標題 1"/>
+          <p:cNvSpPr>
+            <a:spLocks noGrp="1"/>
+          </p:cNvSpPr>
+          <p:nvPr>
+            <p:ph type="title"/>
+          </p:nvPr>
+        </p:nvSpPr>
+        <p:spPr/>
+        <p:txBody>
+          <a:bodyPr/>
+          <a:lstStyle/>
+          <a:p>
+            <a:r>
+              <a:rPr lang="zh-TW" altLang="en-US" sz="3200" smtClean="0">
+                <a:latin typeface="微軟正黑體" panose="020B0604030504040204" pitchFamily="34" charset="-120"/>
+                <a:ea typeface="微軟正黑體" panose="020B0604030504040204" pitchFamily="34" charset="-120"/>
+              </a:rPr>
+              <a:t>比賽發現</a:t>
+            </a:r>
+            <a:endParaRPr lang="zh-TW" altLang="en-US" sz="3200" dirty="0">
+              <a:latin typeface="微軟正黑體" panose="020B0604030504040204" pitchFamily="34" charset="-120"/>
+              <a:ea typeface="微軟正黑體" panose="020B0604030504040204" pitchFamily="34" charset="-120"/>
+            </a:endParaRPr>
+          </a:p>
+        </p:txBody>
+      </p:sp>
+      <p:sp>
+        <p:nvSpPr>
+          <p:cNvPr id="12" name="內容版面配置區 2"/>
+          <p:cNvSpPr txBox="1">
+            <a:spLocks/>
+          </p:cNvSpPr>
+          <p:nvPr/>
+        </p:nvSpPr>
+        <p:spPr>
+          <a:xfrm>
+            <a:off x="999331" y="1838752"/>
+            <a:ext cx="9905999" cy="3541714"/>
+          </a:xfrm>
+          <a:prstGeom prst="rect">
+            <a:avLst/>
+          </a:prstGeom>
+        </p:spPr>
+        <p:txBody>
+          <a:bodyPr vert="horz" lIns="91440" tIns="45720" rIns="91440" bIns="45720" rtlCol="0">
+            <a:normAutofit/>
+          </a:bodyPr>
+          <a:lstStyle>
+            <a:lvl1pPr marL="228600" indent="-228600" algn="l" defTabSz="914400" rtl="0" eaLnBrk="1" latinLnBrk="0" hangingPunct="1">
+              <a:lnSpc>
+                <a:spcPct val="120000"/>
+              </a:lnSpc>
+              <a:spcBef>
+                <a:spcPts val="1000"/>
+              </a:spcBef>
+              <a:buSzPct val="125000"/>
+              <a:buFont typeface="Arial" panose="020B0604020202020204" pitchFamily="34" charset="0"/>
+              <a:buChar char="•"/>
+              <a:defRPr sz="2400" kern="1200">
+                <a:solidFill>
+                  <a:schemeClr val="tx1"/>
+                </a:solidFill>
+                <a:effectLst>
+                  <a:outerShdw blurRad="152400" dist="38100" dir="2700000" algn="tl">
+                    <a:srgbClr val="000000">
+                      <a:alpha val="36000"/>
+                    </a:srgbClr>
+                  </a:outerShdw>
+                </a:effectLst>
+                <a:latin typeface="+mn-lt"/>
+                <a:ea typeface="+mn-ea"/>
+                <a:cs typeface="+mn-cs"/>
+              </a:defRPr>
+            </a:lvl1pPr>
+            <a:lvl2pPr marL="685800" indent="-228600" algn="l" defTabSz="914400" rtl="0" eaLnBrk="1" latinLnBrk="0" hangingPunct="1">
+              <a:lnSpc>
+                <a:spcPct val="120000"/>
+              </a:lnSpc>
+              <a:spcBef>
+                <a:spcPts val="500"/>
+              </a:spcBef>
+              <a:buSzPct val="125000"/>
+              <a:buFont typeface="Arial" panose="020B0604020202020204" pitchFamily="34" charset="0"/>
+              <a:buChar char="•"/>
+              <a:defRPr sz="2000" kern="1200">
+                <a:solidFill>
+                  <a:schemeClr val="tx1"/>
+                </a:solidFill>
+                <a:effectLst>
+                  <a:outerShdw blurRad="152400" dist="38100" dir="2700000" algn="tl">
+                    <a:srgbClr val="000000">
+                      <a:alpha val="36000"/>
+                    </a:srgbClr>
+                  </a:outerShdw>
+                </a:effectLst>
+                <a:latin typeface="+mn-lt"/>
+                <a:ea typeface="+mn-ea"/>
+                <a:cs typeface="+mn-cs"/>
+              </a:defRPr>
+            </a:lvl2pPr>
+            <a:lvl3pPr marL="1143000" indent="-228600" algn="l" defTabSz="914400" rtl="0" eaLnBrk="1" latinLnBrk="0" hangingPunct="1">
+              <a:lnSpc>
+                <a:spcPct val="120000"/>
+              </a:lnSpc>
+              <a:spcBef>
+                <a:spcPts val="500"/>
+              </a:spcBef>
+              <a:buSzPct val="125000"/>
+              <a:buFont typeface="Arial" panose="020B0604020202020204" pitchFamily="34" charset="0"/>
+              <a:buChar char="•"/>
+              <a:defRPr sz="1800" kern="1200">
+                <a:solidFill>
+                  <a:schemeClr val="tx1"/>
+                </a:solidFill>
+                <a:effectLst>
+                  <a:outerShdw blurRad="152400" dist="38100" dir="2700000" algn="tl">
+                    <a:srgbClr val="000000">
+                      <a:alpha val="36000"/>
+                    </a:srgbClr>
+                  </a:outerShdw>
+                </a:effectLst>
+                <a:latin typeface="+mn-lt"/>
+                <a:ea typeface="+mn-ea"/>
+                <a:cs typeface="+mn-cs"/>
+              </a:defRPr>
+            </a:lvl3pPr>
+            <a:lvl4pPr marL="1600200" indent="-228600" algn="l" defTabSz="914400" rtl="0" eaLnBrk="1" latinLnBrk="0" hangingPunct="1">
+              <a:lnSpc>
+                <a:spcPct val="120000"/>
+              </a:lnSpc>
+              <a:spcBef>
+                <a:spcPts val="500"/>
+              </a:spcBef>
+              <a:buSzPct val="125000"/>
+              <a:buFont typeface="Arial" panose="020B0604020202020204" pitchFamily="34" charset="0"/>
+              <a:buChar char="•"/>
+              <a:defRPr sz="1600" kern="1200">
+                <a:solidFill>
+                  <a:schemeClr val="tx1"/>
+                </a:solidFill>
+                <a:effectLst>
+                  <a:outerShdw blurRad="152400" dist="38100" dir="2700000" algn="tl">
+                    <a:srgbClr val="000000">
+                      <a:alpha val="36000"/>
+                    </a:srgbClr>
+                  </a:outerShdw>
+                </a:effectLst>
+                <a:latin typeface="+mn-lt"/>
+                <a:ea typeface="+mn-ea"/>
+                <a:cs typeface="+mn-cs"/>
+              </a:defRPr>
+            </a:lvl4pPr>
+            <a:lvl5pPr marL="2057400" indent="-228600" algn="l" defTabSz="914400" rtl="0" eaLnBrk="1" latinLnBrk="0" hangingPunct="1">
+              <a:lnSpc>
+                <a:spcPct val="120000"/>
+              </a:lnSpc>
+              <a:spcBef>
+                <a:spcPts val="500"/>
+              </a:spcBef>
+              <a:buSzPct val="125000"/>
+              <a:buFont typeface="Arial" panose="020B0604020202020204" pitchFamily="34" charset="0"/>
+              <a:buChar char="•"/>
+              <a:defRPr sz="1600" kern="1200">
+                <a:solidFill>
+                  <a:schemeClr val="tx1"/>
+                </a:solidFill>
+                <a:effectLst>
+                  <a:outerShdw blurRad="152400" dist="38100" dir="2700000" algn="tl">
+                    <a:srgbClr val="000000">
+                      <a:alpha val="36000"/>
+                    </a:srgbClr>
+                  </a:outerShdw>
+                </a:effectLst>
+                <a:latin typeface="+mn-lt"/>
+                <a:ea typeface="+mn-ea"/>
+                <a:cs typeface="+mn-cs"/>
+              </a:defRPr>
+            </a:lvl5pPr>
+            <a:lvl6pPr marL="2514600" indent="-228600" algn="l" defTabSz="914400" rtl="0" eaLnBrk="1" latinLnBrk="0" hangingPunct="1">
+              <a:lnSpc>
+                <a:spcPct val="120000"/>
+              </a:lnSpc>
+              <a:spcBef>
+                <a:spcPts val="500"/>
+              </a:spcBef>
+              <a:buSzPct val="125000"/>
+              <a:buFont typeface="Arial" panose="020B0604020202020204" pitchFamily="34" charset="0"/>
+              <a:buChar char="•"/>
+              <a:defRPr sz="1400" kern="1200">
+                <a:solidFill>
+                  <a:schemeClr val="tx1"/>
+                </a:solidFill>
+                <a:latin typeface="+mn-lt"/>
+                <a:ea typeface="+mn-ea"/>
+                <a:cs typeface="+mn-cs"/>
+              </a:defRPr>
+            </a:lvl6pPr>
+            <a:lvl7pPr marL="2971800" indent="-228600" algn="l" defTabSz="914400" rtl="0" eaLnBrk="1" latinLnBrk="0" hangingPunct="1">
+              <a:lnSpc>
+                <a:spcPct val="120000"/>
+              </a:lnSpc>
+              <a:spcBef>
+                <a:spcPts val="500"/>
+              </a:spcBef>
+              <a:buSzPct val="125000"/>
+              <a:buFont typeface="Arial" panose="020B0604020202020204" pitchFamily="34" charset="0"/>
+              <a:buChar char="•"/>
+              <a:defRPr sz="1400" kern="1200">
+                <a:solidFill>
+                  <a:schemeClr val="tx1"/>
+                </a:solidFill>
+                <a:latin typeface="+mn-lt"/>
+                <a:ea typeface="+mn-ea"/>
+                <a:cs typeface="+mn-cs"/>
+              </a:defRPr>
+            </a:lvl7pPr>
+            <a:lvl8pPr marL="3429000" indent="-228600" algn="l" defTabSz="914400" rtl="0" eaLnBrk="1" latinLnBrk="0" hangingPunct="1">
+              <a:lnSpc>
+                <a:spcPct val="120000"/>
+              </a:lnSpc>
+              <a:spcBef>
+                <a:spcPts val="500"/>
+              </a:spcBef>
+              <a:buSzPct val="125000"/>
+              <a:buFont typeface="Arial" panose="020B0604020202020204" pitchFamily="34" charset="0"/>
+              <a:buChar char="•"/>
+              <a:defRPr sz="1400" kern="1200">
+                <a:solidFill>
+                  <a:schemeClr val="tx1"/>
+                </a:solidFill>
+                <a:latin typeface="+mn-lt"/>
+                <a:ea typeface="+mn-ea"/>
+                <a:cs typeface="+mn-cs"/>
+              </a:defRPr>
+            </a:lvl8pPr>
+            <a:lvl9pPr marL="3886200" indent="-228600" algn="l" defTabSz="914400" rtl="0" eaLnBrk="1" latinLnBrk="0" hangingPunct="1">
+              <a:lnSpc>
+                <a:spcPct val="120000"/>
+              </a:lnSpc>
+              <a:spcBef>
+                <a:spcPts val="500"/>
+              </a:spcBef>
+              <a:buSzPct val="125000"/>
+              <a:buFont typeface="Arial" panose="020B0604020202020204" pitchFamily="34" charset="0"/>
+              <a:buChar char="•"/>
+              <a:defRPr sz="1400" kern="1200">
+                <a:solidFill>
+                  <a:schemeClr val="tx1"/>
+                </a:solidFill>
+                <a:latin typeface="+mn-lt"/>
+                <a:ea typeface="+mn-ea"/>
+                <a:cs typeface="+mn-cs"/>
+              </a:defRPr>
+            </a:lvl9pPr>
+          </a:lstStyle>
+          <a:p>
+            <a:pPr marL="0" indent="0">
+              <a:buNone/>
+            </a:pPr>
+            <a:r>
+              <a:rPr lang="zh-TW" altLang="en-US" dirty="0" smtClean="0">
+                <a:latin typeface="微軟正黑體 Light" panose="020B0304030504040204" pitchFamily="34" charset="-120"/>
+                <a:ea typeface="微軟正黑體 Light" panose="020B0304030504040204" pitchFamily="34" charset="-120"/>
+              </a:rPr>
+              <a:t>比賽後發現，我們的２Ｐ跟不上其他組的速度，後來有發現是程式處於１Ｐ或２Ｐ的判斷的順序太後面導致跟不上，更改過後有明顯的進步。</a:t>
+            </a:r>
+            <a:endParaRPr lang="en-US" altLang="zh-TW" dirty="0" smtClean="0">
+              <a:latin typeface="微軟正黑體 Light" panose="020B0304030504040204" pitchFamily="34" charset="-120"/>
+              <a:ea typeface="微軟正黑體 Light" panose="020B0304030504040204" pitchFamily="34" charset="-120"/>
+            </a:endParaRPr>
+          </a:p>
+        </p:txBody>
+      </p:sp>
+    </p:spTree>
+    <p:extLst>
+      <p:ext uri="{BB962C8B-B14F-4D97-AF65-F5344CB8AC3E}">
+        <p14:creationId xmlns:p14="http://schemas.microsoft.com/office/powerpoint/2010/main" val="2356274126"/>
       </p:ext>
     </p:extLst>
   </p:cSld>

--- a/機器學習.pptx
+++ b/機器學習.pptx
@@ -11,11 +11,11 @@
     <p:sldId id="260" r:id="rId5"/>
     <p:sldId id="258" r:id="rId6"/>
     <p:sldId id="261" r:id="rId7"/>
-    <p:sldId id="265" r:id="rId8"/>
-    <p:sldId id="262" r:id="rId9"/>
-    <p:sldId id="266" r:id="rId10"/>
-    <p:sldId id="264" r:id="rId11"/>
-    <p:sldId id="263" r:id="rId12"/>
+    <p:sldId id="262" r:id="rId8"/>
+    <p:sldId id="264" r:id="rId9"/>
+    <p:sldId id="269" r:id="rId10"/>
+    <p:sldId id="265" r:id="rId11"/>
+    <p:sldId id="266" r:id="rId12"/>
     <p:sldId id="267" r:id="rId13"/>
   </p:sldIdLst>
   <p:sldSz cx="12192000" cy="6858000"/>
@@ -4417,7 +4417,7 @@
           <a:p>
             <a:fld id="{48A87A34-81AB-432B-8DAE-1953F412C126}" type="datetimeFigureOut">
               <a:rPr lang="en-US" dirty="0"/>
-              <a:t>1/8/2020</a:t>
+              <a:t>1/12/2020</a:t>
             </a:fld>
             <a:endParaRPr lang="en-US" dirty="0"/>
           </a:p>
@@ -4679,7 +4679,7 @@
           <a:p>
             <a:fld id="{48A87A34-81AB-432B-8DAE-1953F412C126}" type="datetimeFigureOut">
               <a:rPr lang="en-US" dirty="0"/>
-              <a:t>1/8/2020</a:t>
+              <a:t>1/12/2020</a:t>
             </a:fld>
             <a:endParaRPr lang="en-US" dirty="0"/>
           </a:p>
@@ -4870,7 +4870,7 @@
           <a:p>
             <a:fld id="{48A87A34-81AB-432B-8DAE-1953F412C126}" type="datetimeFigureOut">
               <a:rPr lang="en-US" dirty="0"/>
-              <a:t>1/8/2020</a:t>
+              <a:t>1/12/2020</a:t>
             </a:fld>
             <a:endParaRPr lang="en-US" dirty="0"/>
           </a:p>
@@ -5128,7 +5128,7 @@
           <a:p>
             <a:fld id="{48A87A34-81AB-432B-8DAE-1953F412C126}" type="datetimeFigureOut">
               <a:rPr lang="en-US" dirty="0"/>
-              <a:t>1/8/2020</a:t>
+              <a:t>1/12/2020</a:t>
             </a:fld>
             <a:endParaRPr lang="en-US" dirty="0"/>
           </a:p>
@@ -5557,7 +5557,7 @@
           <a:p>
             <a:fld id="{48A87A34-81AB-432B-8DAE-1953F412C126}" type="datetimeFigureOut">
               <a:rPr lang="en-US" dirty="0"/>
-              <a:t>1/8/2020</a:t>
+              <a:t>1/12/2020</a:t>
             </a:fld>
             <a:endParaRPr lang="en-US" dirty="0"/>
           </a:p>
@@ -6098,7 +6098,7 @@
           <a:p>
             <a:fld id="{48A87A34-81AB-432B-8DAE-1953F412C126}" type="datetimeFigureOut">
               <a:rPr lang="en-US" dirty="0"/>
-              <a:t>1/8/2020</a:t>
+              <a:t>1/12/2020</a:t>
             </a:fld>
             <a:endParaRPr lang="en-US" dirty="0"/>
           </a:p>
@@ -6813,7 +6813,7 @@
           <a:p>
             <a:fld id="{48A87A34-81AB-432B-8DAE-1953F412C126}" type="datetimeFigureOut">
               <a:rPr lang="en-US" dirty="0"/>
-              <a:t>1/8/2020</a:t>
+              <a:t>1/12/2020</a:t>
             </a:fld>
             <a:endParaRPr lang="en-US" dirty="0"/>
           </a:p>
@@ -6978,7 +6978,7 @@
           <a:p>
             <a:fld id="{48A87A34-81AB-432B-8DAE-1953F412C126}" type="datetimeFigureOut">
               <a:rPr lang="en-US" dirty="0"/>
-              <a:t>1/8/2020</a:t>
+              <a:t>1/12/2020</a:t>
             </a:fld>
             <a:endParaRPr lang="en-US" dirty="0"/>
           </a:p>
@@ -7153,7 +7153,7 @@
           <a:p>
             <a:fld id="{48A87A34-81AB-432B-8DAE-1953F412C126}" type="datetimeFigureOut">
               <a:rPr lang="en-US" dirty="0"/>
-              <a:t>1/8/2020</a:t>
+              <a:t>1/12/2020</a:t>
             </a:fld>
             <a:endParaRPr lang="en-US" dirty="0"/>
           </a:p>
@@ -7318,7 +7318,7 @@
           <a:p>
             <a:fld id="{48A87A34-81AB-432B-8DAE-1953F412C126}" type="datetimeFigureOut">
               <a:rPr lang="en-US" dirty="0"/>
-              <a:t>1/8/2020</a:t>
+              <a:t>1/12/2020</a:t>
             </a:fld>
             <a:endParaRPr lang="en-US" dirty="0"/>
           </a:p>
@@ -7563,7 +7563,7 @@
           <a:p>
             <a:fld id="{48A87A34-81AB-432B-8DAE-1953F412C126}" type="datetimeFigureOut">
               <a:rPr lang="en-US" dirty="0"/>
-              <a:t>1/8/2020</a:t>
+              <a:t>1/12/2020</a:t>
             </a:fld>
             <a:endParaRPr lang="en-US" dirty="0"/>
           </a:p>
@@ -7790,7 +7790,7 @@
           <a:p>
             <a:fld id="{48A87A34-81AB-432B-8DAE-1953F412C126}" type="datetimeFigureOut">
               <a:rPr lang="en-US" dirty="0"/>
-              <a:t>1/8/2020</a:t>
+              <a:t>1/12/2020</a:t>
             </a:fld>
             <a:endParaRPr lang="en-US" dirty="0"/>
           </a:p>
@@ -8166,7 +8166,7 @@
           <a:p>
             <a:fld id="{48A87A34-81AB-432B-8DAE-1953F412C126}" type="datetimeFigureOut">
               <a:rPr lang="en-US" dirty="0"/>
-              <a:t>1/8/2020</a:t>
+              <a:t>1/12/2020</a:t>
             </a:fld>
             <a:endParaRPr lang="en-US" dirty="0"/>
           </a:p>
@@ -8279,7 +8279,7 @@
           <a:p>
             <a:fld id="{48A87A34-81AB-432B-8DAE-1953F412C126}" type="datetimeFigureOut">
               <a:rPr lang="en-US" dirty="0"/>
-              <a:t>1/8/2020</a:t>
+              <a:t>1/12/2020</a:t>
             </a:fld>
             <a:endParaRPr lang="en-US" dirty="0"/>
           </a:p>
@@ -8369,7 +8369,7 @@
           <a:p>
             <a:fld id="{48A87A34-81AB-432B-8DAE-1953F412C126}" type="datetimeFigureOut">
               <a:rPr lang="en-US" dirty="0"/>
-              <a:t>1/8/2020</a:t>
+              <a:t>1/12/2020</a:t>
             </a:fld>
             <a:endParaRPr lang="en-US" dirty="0"/>
           </a:p>
@@ -8613,7 +8613,7 @@
           <a:p>
             <a:fld id="{48A87A34-81AB-432B-8DAE-1953F412C126}" type="datetimeFigureOut">
               <a:rPr lang="en-US" dirty="0"/>
-              <a:t>1/8/2020</a:t>
+              <a:t>1/12/2020</a:t>
             </a:fld>
             <a:endParaRPr lang="en-US" dirty="0"/>
           </a:p>
@@ -8888,7 +8888,7 @@
           <a:p>
             <a:fld id="{48A87A34-81AB-432B-8DAE-1953F412C126}" type="datetimeFigureOut">
               <a:rPr lang="en-US" dirty="0"/>
-              <a:t>1/8/2020</a:t>
+              <a:t>1/12/2020</a:t>
             </a:fld>
             <a:endParaRPr lang="en-US" dirty="0"/>
           </a:p>
@@ -11968,7 +11968,7 @@
             <a:fld id="{48A87A34-81AB-432B-8DAE-1953F412C126}" type="datetimeFigureOut">
               <a:rPr lang="en-US" dirty="0"/>
               <a:pPr/>
-              <a:t>1/8/2020</a:t>
+              <a:t>1/12/2020</a:t>
             </a:fld>
             <a:endParaRPr lang="en-US" dirty="0"/>
           </a:p>
@@ -12665,126 +12665,7 @@
       </p:grpSpPr>
       <p:sp>
         <p:nvSpPr>
-          <p:cNvPr id="3" name="內容版面配置區 2">
-            <a:extLst>
-              <a:ext uri="{FF2B5EF4-FFF2-40B4-BE49-F238E27FC236}">
-                <a16:creationId xmlns:a16="http://schemas.microsoft.com/office/drawing/2014/main" id="{0F138000-B259-49DB-B808-B9245DC56E05}"/>
-              </a:ext>
-            </a:extLst>
-          </p:cNvPr>
-          <p:cNvSpPr>
-            <a:spLocks noGrp="1"/>
-          </p:cNvSpPr>
-          <p:nvPr>
-            <p:ph idx="1"/>
-          </p:nvPr>
-        </p:nvSpPr>
-        <p:spPr>
-          <a:xfrm>
-            <a:off x="1727041" y="2256864"/>
-            <a:ext cx="9905999" cy="1325235"/>
-          </a:xfrm>
-        </p:spPr>
-        <p:txBody>
-          <a:bodyPr>
-            <a:normAutofit/>
-          </a:bodyPr>
-          <a:lstStyle/>
-          <a:p>
-            <a:pPr marL="0" indent="0">
-              <a:buNone/>
-            </a:pPr>
-            <a:r>
-              <a:rPr lang="en-US" altLang="zh-TW" sz="2000" dirty="0">
-                <a:latin typeface="微軟正黑體" panose="020B0604030504040204" pitchFamily="34" charset="-120"/>
-                <a:ea typeface="微軟正黑體" panose="020B0604030504040204" pitchFamily="34" charset="-120"/>
-              </a:rPr>
-              <a:t>1.</a:t>
-            </a:r>
-            <a:r>
-              <a:rPr lang="zh-TW" altLang="en-US" sz="2000" dirty="0">
-                <a:latin typeface="微軟正黑體" panose="020B0604030504040204" pitchFamily="34" charset="-120"/>
-                <a:ea typeface="微軟正黑體" panose="020B0604030504040204" pitchFamily="34" charset="-120"/>
-              </a:rPr>
-              <a:t>訓練時間複雜度比較</a:t>
-            </a:r>
-            <a:r>
-              <a:rPr lang="zh-TW" altLang="en-US" sz="2000" dirty="0" smtClean="0">
-                <a:latin typeface="微軟正黑體" panose="020B0604030504040204" pitchFamily="34" charset="-120"/>
-                <a:ea typeface="微軟正黑體" panose="020B0604030504040204" pitchFamily="34" charset="-120"/>
-              </a:rPr>
-              <a:t>低</a:t>
-            </a:r>
-            <a:endParaRPr lang="en-US" altLang="zh-TW" sz="2000" dirty="0" smtClean="0">
-              <a:latin typeface="微軟正黑體" panose="020B0604030504040204" pitchFamily="34" charset="-120"/>
-              <a:ea typeface="微軟正黑體" panose="020B0604030504040204" pitchFamily="34" charset="-120"/>
-            </a:endParaRPr>
-          </a:p>
-          <a:p>
-            <a:pPr marL="0" indent="0">
-              <a:buNone/>
-            </a:pPr>
-            <a:r>
-              <a:rPr lang="en-US" altLang="zh-TW" sz="2000" dirty="0" smtClean="0">
-                <a:latin typeface="微軟正黑體" panose="020B0604030504040204" pitchFamily="34" charset="-120"/>
-                <a:ea typeface="微軟正黑體" panose="020B0604030504040204" pitchFamily="34" charset="-120"/>
-              </a:rPr>
-              <a:t>2</a:t>
-            </a:r>
-            <a:r>
-              <a:rPr lang="en-US" altLang="zh-TW" sz="2000" dirty="0">
-                <a:latin typeface="微軟正黑體" panose="020B0604030504040204" pitchFamily="34" charset="-120"/>
-                <a:ea typeface="微軟正黑體" panose="020B0604030504040204" pitchFamily="34" charset="-120"/>
-              </a:rPr>
-              <a:t>.</a:t>
-            </a:r>
-            <a:r>
-              <a:rPr lang="zh-TW" altLang="en-US" sz="2000" dirty="0">
-                <a:latin typeface="微軟正黑體" panose="020B0604030504040204" pitchFamily="34" charset="-120"/>
-                <a:ea typeface="微軟正黑體" panose="020B0604030504040204" pitchFamily="34" charset="-120"/>
-              </a:rPr>
-              <a:t>由於</a:t>
-            </a:r>
-            <a:r>
-              <a:rPr lang="en-US" altLang="zh-TW" sz="2000" dirty="0">
-                <a:latin typeface="微軟正黑體" panose="020B0604030504040204" pitchFamily="34" charset="-120"/>
-                <a:ea typeface="微軟正黑體" panose="020B0604030504040204" pitchFamily="34" charset="-120"/>
-              </a:rPr>
-              <a:t>KNN</a:t>
-            </a:r>
-            <a:r>
-              <a:rPr lang="zh-TW" altLang="en-US" sz="2000" dirty="0">
-                <a:latin typeface="微軟正黑體" panose="020B0604030504040204" pitchFamily="34" charset="-120"/>
-                <a:ea typeface="微軟正黑體" panose="020B0604030504040204" pitchFamily="34" charset="-120"/>
-              </a:rPr>
-              <a:t>方法主要靠周圍有限的鄰近的樣本來確定所屬的類別，因此對於類域的交叉或重疊較多的待分類樣本集來說，</a:t>
-            </a:r>
-            <a:r>
-              <a:rPr lang="en-US" altLang="zh-TW" sz="2000" dirty="0">
-                <a:latin typeface="微軟正黑體" panose="020B0604030504040204" pitchFamily="34" charset="-120"/>
-                <a:ea typeface="微軟正黑體" panose="020B0604030504040204" pitchFamily="34" charset="-120"/>
-              </a:rPr>
-              <a:t>KNN</a:t>
-            </a:r>
-            <a:r>
-              <a:rPr lang="zh-TW" altLang="en-US" sz="2000" dirty="0">
-                <a:latin typeface="微軟正黑體" panose="020B0604030504040204" pitchFamily="34" charset="-120"/>
-                <a:ea typeface="微軟正黑體" panose="020B0604030504040204" pitchFamily="34" charset="-120"/>
-              </a:rPr>
-              <a:t>方法較其他方法更為適合</a:t>
-            </a:r>
-          </a:p>
-        </p:txBody>
-      </p:sp>
-      <p:sp>
-        <p:nvSpPr>
-          <p:cNvPr id="4" name="標題 1">
-            <a:extLst>
-              <a:ext uri="{FF2B5EF4-FFF2-40B4-BE49-F238E27FC236}">
-                <a16:creationId xmlns:a16="http://schemas.microsoft.com/office/drawing/2014/main" id="{2EDA2CD3-8AAE-4F58-8A0A-36AE0FE4B94D}"/>
-              </a:ext>
-            </a:extLst>
-          </p:cNvPr>
+          <p:cNvPr id="2" name="標題 1"/>
           <p:cNvSpPr>
             <a:spLocks noGrp="1"/>
           </p:cNvSpPr>
@@ -12792,207 +12673,857 @@
             <p:ph type="title"/>
           </p:nvPr>
         </p:nvSpPr>
-        <p:spPr>
-          <a:xfrm>
-            <a:off x="1141413" y="618518"/>
-            <a:ext cx="9905998" cy="1478570"/>
-          </a:xfrm>
-        </p:spPr>
+        <p:spPr/>
         <p:txBody>
           <a:bodyPr/>
           <a:lstStyle/>
           <a:p>
             <a:r>
-              <a:rPr lang="zh-TW" altLang="en-US" dirty="0">
+              <a:rPr lang="zh-TW" altLang="en-US" dirty="0" smtClean="0">
                 <a:latin typeface="微軟正黑體" panose="020B0604030504040204" pitchFamily="34" charset="-120"/>
                 <a:ea typeface="微軟正黑體" panose="020B0604030504040204" pitchFamily="34" charset="-120"/>
               </a:rPr>
-              <a:t>分析 </a:t>
-            </a:r>
-            <a:r>
-              <a:rPr lang="en-US" altLang="zh-TW" dirty="0">
+              <a:t>設計 </a:t>
+            </a:r>
+            <a:r>
+              <a:rPr lang="en-US" altLang="zh-TW" dirty="0" smtClean="0">
                 <a:latin typeface="微軟正黑體" panose="020B0604030504040204" pitchFamily="34" charset="-120"/>
                 <a:ea typeface="微軟正黑體" panose="020B0604030504040204" pitchFamily="34" charset="-120"/>
               </a:rPr>
               <a:t>—</a:t>
             </a:r>
             <a:r>
-              <a:rPr lang="zh-TW" altLang="en-US" dirty="0">
+              <a:rPr lang="zh-TW" altLang="en-US" dirty="0" smtClean="0">
                 <a:latin typeface="微軟正黑體" panose="020B0604030504040204" pitchFamily="34" charset="-120"/>
                 <a:ea typeface="微軟正黑體" panose="020B0604030504040204" pitchFamily="34" charset="-120"/>
               </a:rPr>
               <a:t> </a:t>
+            </a:r>
+            <a:r>
+              <a:rPr lang="en-US" altLang="zh-TW" dirty="0" smtClean="0">
+                <a:latin typeface="微軟正黑體" panose="020B0604030504040204" pitchFamily="34" charset="-120"/>
+                <a:ea typeface="微軟正黑體" panose="020B0604030504040204" pitchFamily="34" charset="-120"/>
+              </a:rPr>
+              <a:t>Rule </a:t>
+            </a:r>
+            <a:r>
+              <a:rPr lang="en-US" altLang="zh-TW" dirty="0" err="1" smtClean="0">
+                <a:latin typeface="微軟正黑體" panose="020B0604030504040204" pitchFamily="34" charset="-120"/>
+                <a:ea typeface="微軟正黑體" panose="020B0604030504040204" pitchFamily="34" charset="-120"/>
+              </a:rPr>
+              <a:t>bASE</a:t>
+            </a:r>
+            <a:r>
+              <a:rPr lang="zh-TW" altLang="en-US" sz="3200" dirty="0" smtClean="0">
+                <a:latin typeface="微軟正黑體" panose="020B0604030504040204" pitchFamily="34" charset="-120"/>
+                <a:ea typeface="微軟正黑體" panose="020B0604030504040204" pitchFamily="34" charset="-120"/>
+              </a:rPr>
+              <a:t>建</a:t>
             </a:r>
             <a:r>
               <a:rPr lang="zh-TW" altLang="en-US" sz="3200" dirty="0">
                 <a:latin typeface="微軟正黑體" panose="020B0604030504040204" pitchFamily="34" charset="-120"/>
                 <a:ea typeface="微軟正黑體" panose="020B0604030504040204" pitchFamily="34" charset="-120"/>
               </a:rPr>
-              <a:t>優缺點</a:t>
+              <a:t>立</a:t>
             </a:r>
           </a:p>
         </p:txBody>
       </p:sp>
       <p:sp>
         <p:nvSpPr>
-          <p:cNvPr id="5" name="文字方塊 4">
-            <a:extLst>
-              <a:ext uri="{FF2B5EF4-FFF2-40B4-BE49-F238E27FC236}">
-                <a16:creationId xmlns:a16="http://schemas.microsoft.com/office/drawing/2014/main" id="{69D46328-427F-4161-A2F7-4D1EA9A227C3}"/>
-              </a:ext>
-            </a:extLst>
-          </p:cNvPr>
-          <p:cNvSpPr txBox="1"/>
+          <p:cNvPr id="12" name="內容版面配置區 2"/>
+          <p:cNvSpPr txBox="1">
+            <a:spLocks/>
+          </p:cNvSpPr>
           <p:nvPr/>
         </p:nvSpPr>
         <p:spPr>
           <a:xfrm>
-            <a:off x="1141412" y="1733644"/>
-            <a:ext cx="902811" cy="523220"/>
+            <a:off x="999331" y="1838752"/>
+            <a:ext cx="9905999" cy="3541714"/>
           </a:xfrm>
           <a:prstGeom prst="rect">
             <a:avLst/>
           </a:prstGeom>
-          <a:noFill/>
         </p:spPr>
         <p:txBody>
-          <a:bodyPr wrap="none" rtlCol="0">
-            <a:spAutoFit/>
+          <a:bodyPr vert="horz" lIns="91440" tIns="45720" rIns="91440" bIns="45720" rtlCol="0">
+            <a:normAutofit/>
           </a:bodyPr>
-          <a:lstStyle/>
-          <a:p>
-            <a:r>
-              <a:rPr lang="zh-TW" altLang="en-US" sz="2800" dirty="0">
-                <a:latin typeface="標楷體" panose="03000509000000000000" pitchFamily="65" charset="-120"/>
-                <a:ea typeface="標楷體" panose="03000509000000000000" pitchFamily="65" charset="-120"/>
-              </a:rPr>
-              <a:t>優點</a:t>
-            </a:r>
+          <a:lstStyle>
+            <a:lvl1pPr marL="228600" indent="-228600" algn="l" defTabSz="914400" rtl="0" eaLnBrk="1" latinLnBrk="0" hangingPunct="1">
+              <a:lnSpc>
+                <a:spcPct val="120000"/>
+              </a:lnSpc>
+              <a:spcBef>
+                <a:spcPts val="1000"/>
+              </a:spcBef>
+              <a:buSzPct val="125000"/>
+              <a:buFont typeface="Arial" panose="020B0604020202020204" pitchFamily="34" charset="0"/>
+              <a:buChar char="•"/>
+              <a:defRPr sz="2400" kern="1200">
+                <a:solidFill>
+                  <a:schemeClr val="tx1"/>
+                </a:solidFill>
+                <a:effectLst>
+                  <a:outerShdw blurRad="152400" dist="38100" dir="2700000" algn="tl">
+                    <a:srgbClr val="000000">
+                      <a:alpha val="36000"/>
+                    </a:srgbClr>
+                  </a:outerShdw>
+                </a:effectLst>
+                <a:latin typeface="+mn-lt"/>
+                <a:ea typeface="+mn-ea"/>
+                <a:cs typeface="+mn-cs"/>
+              </a:defRPr>
+            </a:lvl1pPr>
+            <a:lvl2pPr marL="685800" indent="-228600" algn="l" defTabSz="914400" rtl="0" eaLnBrk="1" latinLnBrk="0" hangingPunct="1">
+              <a:lnSpc>
+                <a:spcPct val="120000"/>
+              </a:lnSpc>
+              <a:spcBef>
+                <a:spcPts val="500"/>
+              </a:spcBef>
+              <a:buSzPct val="125000"/>
+              <a:buFont typeface="Arial" panose="020B0604020202020204" pitchFamily="34" charset="0"/>
+              <a:buChar char="•"/>
+              <a:defRPr sz="2000" kern="1200">
+                <a:solidFill>
+                  <a:schemeClr val="tx1"/>
+                </a:solidFill>
+                <a:effectLst>
+                  <a:outerShdw blurRad="152400" dist="38100" dir="2700000" algn="tl">
+                    <a:srgbClr val="000000">
+                      <a:alpha val="36000"/>
+                    </a:srgbClr>
+                  </a:outerShdw>
+                </a:effectLst>
+                <a:latin typeface="+mn-lt"/>
+                <a:ea typeface="+mn-ea"/>
+                <a:cs typeface="+mn-cs"/>
+              </a:defRPr>
+            </a:lvl2pPr>
+            <a:lvl3pPr marL="1143000" indent="-228600" algn="l" defTabSz="914400" rtl="0" eaLnBrk="1" latinLnBrk="0" hangingPunct="1">
+              <a:lnSpc>
+                <a:spcPct val="120000"/>
+              </a:lnSpc>
+              <a:spcBef>
+                <a:spcPts val="500"/>
+              </a:spcBef>
+              <a:buSzPct val="125000"/>
+              <a:buFont typeface="Arial" panose="020B0604020202020204" pitchFamily="34" charset="0"/>
+              <a:buChar char="•"/>
+              <a:defRPr sz="1800" kern="1200">
+                <a:solidFill>
+                  <a:schemeClr val="tx1"/>
+                </a:solidFill>
+                <a:effectLst>
+                  <a:outerShdw blurRad="152400" dist="38100" dir="2700000" algn="tl">
+                    <a:srgbClr val="000000">
+                      <a:alpha val="36000"/>
+                    </a:srgbClr>
+                  </a:outerShdw>
+                </a:effectLst>
+                <a:latin typeface="+mn-lt"/>
+                <a:ea typeface="+mn-ea"/>
+                <a:cs typeface="+mn-cs"/>
+              </a:defRPr>
+            </a:lvl3pPr>
+            <a:lvl4pPr marL="1600200" indent="-228600" algn="l" defTabSz="914400" rtl="0" eaLnBrk="1" latinLnBrk="0" hangingPunct="1">
+              <a:lnSpc>
+                <a:spcPct val="120000"/>
+              </a:lnSpc>
+              <a:spcBef>
+                <a:spcPts val="500"/>
+              </a:spcBef>
+              <a:buSzPct val="125000"/>
+              <a:buFont typeface="Arial" panose="020B0604020202020204" pitchFamily="34" charset="0"/>
+              <a:buChar char="•"/>
+              <a:defRPr sz="1600" kern="1200">
+                <a:solidFill>
+                  <a:schemeClr val="tx1"/>
+                </a:solidFill>
+                <a:effectLst>
+                  <a:outerShdw blurRad="152400" dist="38100" dir="2700000" algn="tl">
+                    <a:srgbClr val="000000">
+                      <a:alpha val="36000"/>
+                    </a:srgbClr>
+                  </a:outerShdw>
+                </a:effectLst>
+                <a:latin typeface="+mn-lt"/>
+                <a:ea typeface="+mn-ea"/>
+                <a:cs typeface="+mn-cs"/>
+              </a:defRPr>
+            </a:lvl4pPr>
+            <a:lvl5pPr marL="2057400" indent="-228600" algn="l" defTabSz="914400" rtl="0" eaLnBrk="1" latinLnBrk="0" hangingPunct="1">
+              <a:lnSpc>
+                <a:spcPct val="120000"/>
+              </a:lnSpc>
+              <a:spcBef>
+                <a:spcPts val="500"/>
+              </a:spcBef>
+              <a:buSzPct val="125000"/>
+              <a:buFont typeface="Arial" panose="020B0604020202020204" pitchFamily="34" charset="0"/>
+              <a:buChar char="•"/>
+              <a:defRPr sz="1600" kern="1200">
+                <a:solidFill>
+                  <a:schemeClr val="tx1"/>
+                </a:solidFill>
+                <a:effectLst>
+                  <a:outerShdw blurRad="152400" dist="38100" dir="2700000" algn="tl">
+                    <a:srgbClr val="000000">
+                      <a:alpha val="36000"/>
+                    </a:srgbClr>
+                  </a:outerShdw>
+                </a:effectLst>
+                <a:latin typeface="+mn-lt"/>
+                <a:ea typeface="+mn-ea"/>
+                <a:cs typeface="+mn-cs"/>
+              </a:defRPr>
+            </a:lvl5pPr>
+            <a:lvl6pPr marL="2514600" indent="-228600" algn="l" defTabSz="914400" rtl="0" eaLnBrk="1" latinLnBrk="0" hangingPunct="1">
+              <a:lnSpc>
+                <a:spcPct val="120000"/>
+              </a:lnSpc>
+              <a:spcBef>
+                <a:spcPts val="500"/>
+              </a:spcBef>
+              <a:buSzPct val="125000"/>
+              <a:buFont typeface="Arial" panose="020B0604020202020204" pitchFamily="34" charset="0"/>
+              <a:buChar char="•"/>
+              <a:defRPr sz="1400" kern="1200">
+                <a:solidFill>
+                  <a:schemeClr val="tx1"/>
+                </a:solidFill>
+                <a:latin typeface="+mn-lt"/>
+                <a:ea typeface="+mn-ea"/>
+                <a:cs typeface="+mn-cs"/>
+              </a:defRPr>
+            </a:lvl6pPr>
+            <a:lvl7pPr marL="2971800" indent="-228600" algn="l" defTabSz="914400" rtl="0" eaLnBrk="1" latinLnBrk="0" hangingPunct="1">
+              <a:lnSpc>
+                <a:spcPct val="120000"/>
+              </a:lnSpc>
+              <a:spcBef>
+                <a:spcPts val="500"/>
+              </a:spcBef>
+              <a:buSzPct val="125000"/>
+              <a:buFont typeface="Arial" panose="020B0604020202020204" pitchFamily="34" charset="0"/>
+              <a:buChar char="•"/>
+              <a:defRPr sz="1400" kern="1200">
+                <a:solidFill>
+                  <a:schemeClr val="tx1"/>
+                </a:solidFill>
+                <a:latin typeface="+mn-lt"/>
+                <a:ea typeface="+mn-ea"/>
+                <a:cs typeface="+mn-cs"/>
+              </a:defRPr>
+            </a:lvl7pPr>
+            <a:lvl8pPr marL="3429000" indent="-228600" algn="l" defTabSz="914400" rtl="0" eaLnBrk="1" latinLnBrk="0" hangingPunct="1">
+              <a:lnSpc>
+                <a:spcPct val="120000"/>
+              </a:lnSpc>
+              <a:spcBef>
+                <a:spcPts val="500"/>
+              </a:spcBef>
+              <a:buSzPct val="125000"/>
+              <a:buFont typeface="Arial" panose="020B0604020202020204" pitchFamily="34" charset="0"/>
+              <a:buChar char="•"/>
+              <a:defRPr sz="1400" kern="1200">
+                <a:solidFill>
+                  <a:schemeClr val="tx1"/>
+                </a:solidFill>
+                <a:latin typeface="+mn-lt"/>
+                <a:ea typeface="+mn-ea"/>
+                <a:cs typeface="+mn-cs"/>
+              </a:defRPr>
+            </a:lvl8pPr>
+            <a:lvl9pPr marL="3886200" indent="-228600" algn="l" defTabSz="914400" rtl="0" eaLnBrk="1" latinLnBrk="0" hangingPunct="1">
+              <a:lnSpc>
+                <a:spcPct val="120000"/>
+              </a:lnSpc>
+              <a:spcBef>
+                <a:spcPts val="500"/>
+              </a:spcBef>
+              <a:buSzPct val="125000"/>
+              <a:buFont typeface="Arial" panose="020B0604020202020204" pitchFamily="34" charset="0"/>
+              <a:buChar char="•"/>
+              <a:defRPr sz="1400" kern="1200">
+                <a:solidFill>
+                  <a:schemeClr val="tx1"/>
+                </a:solidFill>
+                <a:latin typeface="+mn-lt"/>
+                <a:ea typeface="+mn-ea"/>
+                <a:cs typeface="+mn-cs"/>
+              </a:defRPr>
+            </a:lvl9pPr>
+          </a:lstStyle>
+          <a:p>
+            <a:pPr marL="0" indent="0">
+              <a:buNone/>
+            </a:pPr>
+            <a:endParaRPr lang="en-US" altLang="zh-TW" dirty="0">
+              <a:latin typeface="微軟正黑體 Light" panose="020B0304030504040204" pitchFamily="34" charset="-120"/>
+              <a:ea typeface="微軟正黑體 Light" panose="020B0304030504040204" pitchFamily="34" charset="-120"/>
+            </a:endParaRPr>
+          </a:p>
+        </p:txBody>
+      </p:sp>
+      <p:pic>
+        <p:nvPicPr>
+          <p:cNvPr id="3" name="圖片 2"/>
+          <p:cNvPicPr>
+            <a:picLocks noChangeAspect="1"/>
+          </p:cNvPicPr>
+          <p:nvPr/>
+        </p:nvPicPr>
+        <p:blipFill>
+          <a:blip r:embed="rId2"/>
+          <a:stretch>
+            <a:fillRect/>
+          </a:stretch>
+        </p:blipFill>
+        <p:spPr>
+          <a:xfrm>
+            <a:off x="1449388" y="1977118"/>
+            <a:ext cx="9220200" cy="4095750"/>
+          </a:xfrm>
+          <a:prstGeom prst="rect">
+            <a:avLst/>
+          </a:prstGeom>
+        </p:spPr>
+      </p:pic>
+      <p:sp>
+        <p:nvSpPr>
+          <p:cNvPr id="5" name="內容版面配置區 2"/>
+          <p:cNvSpPr txBox="1">
+            <a:spLocks/>
+          </p:cNvSpPr>
+          <p:nvPr/>
+        </p:nvSpPr>
+        <p:spPr>
+          <a:xfrm>
+            <a:off x="2939711" y="2097088"/>
+            <a:ext cx="3608048" cy="489859"/>
+          </a:xfrm>
+          <a:prstGeom prst="rect">
+            <a:avLst/>
+          </a:prstGeom>
+        </p:spPr>
+        <p:txBody>
+          <a:bodyPr vert="horz" lIns="91440" tIns="45720" rIns="91440" bIns="45720" rtlCol="0">
+            <a:normAutofit/>
+          </a:bodyPr>
+          <a:lstStyle>
+            <a:lvl1pPr marL="228600" indent="-228600" algn="l" defTabSz="914400" rtl="0" eaLnBrk="1" latinLnBrk="0" hangingPunct="1">
+              <a:lnSpc>
+                <a:spcPct val="120000"/>
+              </a:lnSpc>
+              <a:spcBef>
+                <a:spcPts val="1000"/>
+              </a:spcBef>
+              <a:buSzPct val="125000"/>
+              <a:buFont typeface="Arial" panose="020B0604020202020204" pitchFamily="34" charset="0"/>
+              <a:buChar char="•"/>
+              <a:defRPr sz="2400" kern="1200">
+                <a:solidFill>
+                  <a:schemeClr val="tx1"/>
+                </a:solidFill>
+                <a:effectLst>
+                  <a:outerShdw blurRad="152400" dist="38100" dir="2700000" algn="tl">
+                    <a:srgbClr val="000000">
+                      <a:alpha val="36000"/>
+                    </a:srgbClr>
+                  </a:outerShdw>
+                </a:effectLst>
+                <a:latin typeface="+mn-lt"/>
+                <a:ea typeface="+mn-ea"/>
+                <a:cs typeface="+mn-cs"/>
+              </a:defRPr>
+            </a:lvl1pPr>
+            <a:lvl2pPr marL="685800" indent="-228600" algn="l" defTabSz="914400" rtl="0" eaLnBrk="1" latinLnBrk="0" hangingPunct="1">
+              <a:lnSpc>
+                <a:spcPct val="120000"/>
+              </a:lnSpc>
+              <a:spcBef>
+                <a:spcPts val="500"/>
+              </a:spcBef>
+              <a:buSzPct val="125000"/>
+              <a:buFont typeface="Arial" panose="020B0604020202020204" pitchFamily="34" charset="0"/>
+              <a:buChar char="•"/>
+              <a:defRPr sz="2000" kern="1200">
+                <a:solidFill>
+                  <a:schemeClr val="tx1"/>
+                </a:solidFill>
+                <a:effectLst>
+                  <a:outerShdw blurRad="152400" dist="38100" dir="2700000" algn="tl">
+                    <a:srgbClr val="000000">
+                      <a:alpha val="36000"/>
+                    </a:srgbClr>
+                  </a:outerShdw>
+                </a:effectLst>
+                <a:latin typeface="+mn-lt"/>
+                <a:ea typeface="+mn-ea"/>
+                <a:cs typeface="+mn-cs"/>
+              </a:defRPr>
+            </a:lvl2pPr>
+            <a:lvl3pPr marL="1143000" indent="-228600" algn="l" defTabSz="914400" rtl="0" eaLnBrk="1" latinLnBrk="0" hangingPunct="1">
+              <a:lnSpc>
+                <a:spcPct val="120000"/>
+              </a:lnSpc>
+              <a:spcBef>
+                <a:spcPts val="500"/>
+              </a:spcBef>
+              <a:buSzPct val="125000"/>
+              <a:buFont typeface="Arial" panose="020B0604020202020204" pitchFamily="34" charset="0"/>
+              <a:buChar char="•"/>
+              <a:defRPr sz="1800" kern="1200">
+                <a:solidFill>
+                  <a:schemeClr val="tx1"/>
+                </a:solidFill>
+                <a:effectLst>
+                  <a:outerShdw blurRad="152400" dist="38100" dir="2700000" algn="tl">
+                    <a:srgbClr val="000000">
+                      <a:alpha val="36000"/>
+                    </a:srgbClr>
+                  </a:outerShdw>
+                </a:effectLst>
+                <a:latin typeface="+mn-lt"/>
+                <a:ea typeface="+mn-ea"/>
+                <a:cs typeface="+mn-cs"/>
+              </a:defRPr>
+            </a:lvl3pPr>
+            <a:lvl4pPr marL="1600200" indent="-228600" algn="l" defTabSz="914400" rtl="0" eaLnBrk="1" latinLnBrk="0" hangingPunct="1">
+              <a:lnSpc>
+                <a:spcPct val="120000"/>
+              </a:lnSpc>
+              <a:spcBef>
+                <a:spcPts val="500"/>
+              </a:spcBef>
+              <a:buSzPct val="125000"/>
+              <a:buFont typeface="Arial" panose="020B0604020202020204" pitchFamily="34" charset="0"/>
+              <a:buChar char="•"/>
+              <a:defRPr sz="1600" kern="1200">
+                <a:solidFill>
+                  <a:schemeClr val="tx1"/>
+                </a:solidFill>
+                <a:effectLst>
+                  <a:outerShdw blurRad="152400" dist="38100" dir="2700000" algn="tl">
+                    <a:srgbClr val="000000">
+                      <a:alpha val="36000"/>
+                    </a:srgbClr>
+                  </a:outerShdw>
+                </a:effectLst>
+                <a:latin typeface="+mn-lt"/>
+                <a:ea typeface="+mn-ea"/>
+                <a:cs typeface="+mn-cs"/>
+              </a:defRPr>
+            </a:lvl4pPr>
+            <a:lvl5pPr marL="2057400" indent="-228600" algn="l" defTabSz="914400" rtl="0" eaLnBrk="1" latinLnBrk="0" hangingPunct="1">
+              <a:lnSpc>
+                <a:spcPct val="120000"/>
+              </a:lnSpc>
+              <a:spcBef>
+                <a:spcPts val="500"/>
+              </a:spcBef>
+              <a:buSzPct val="125000"/>
+              <a:buFont typeface="Arial" panose="020B0604020202020204" pitchFamily="34" charset="0"/>
+              <a:buChar char="•"/>
+              <a:defRPr sz="1600" kern="1200">
+                <a:solidFill>
+                  <a:schemeClr val="tx1"/>
+                </a:solidFill>
+                <a:effectLst>
+                  <a:outerShdw blurRad="152400" dist="38100" dir="2700000" algn="tl">
+                    <a:srgbClr val="000000">
+                      <a:alpha val="36000"/>
+                    </a:srgbClr>
+                  </a:outerShdw>
+                </a:effectLst>
+                <a:latin typeface="+mn-lt"/>
+                <a:ea typeface="+mn-ea"/>
+                <a:cs typeface="+mn-cs"/>
+              </a:defRPr>
+            </a:lvl5pPr>
+            <a:lvl6pPr marL="2514600" indent="-228600" algn="l" defTabSz="914400" rtl="0" eaLnBrk="1" latinLnBrk="0" hangingPunct="1">
+              <a:lnSpc>
+                <a:spcPct val="120000"/>
+              </a:lnSpc>
+              <a:spcBef>
+                <a:spcPts val="500"/>
+              </a:spcBef>
+              <a:buSzPct val="125000"/>
+              <a:buFont typeface="Arial" panose="020B0604020202020204" pitchFamily="34" charset="0"/>
+              <a:buChar char="•"/>
+              <a:defRPr sz="1400" kern="1200">
+                <a:solidFill>
+                  <a:schemeClr val="tx1"/>
+                </a:solidFill>
+                <a:latin typeface="+mn-lt"/>
+                <a:ea typeface="+mn-ea"/>
+                <a:cs typeface="+mn-cs"/>
+              </a:defRPr>
+            </a:lvl6pPr>
+            <a:lvl7pPr marL="2971800" indent="-228600" algn="l" defTabSz="914400" rtl="0" eaLnBrk="1" latinLnBrk="0" hangingPunct="1">
+              <a:lnSpc>
+                <a:spcPct val="120000"/>
+              </a:lnSpc>
+              <a:spcBef>
+                <a:spcPts val="500"/>
+              </a:spcBef>
+              <a:buSzPct val="125000"/>
+              <a:buFont typeface="Arial" panose="020B0604020202020204" pitchFamily="34" charset="0"/>
+              <a:buChar char="•"/>
+              <a:defRPr sz="1400" kern="1200">
+                <a:solidFill>
+                  <a:schemeClr val="tx1"/>
+                </a:solidFill>
+                <a:latin typeface="+mn-lt"/>
+                <a:ea typeface="+mn-ea"/>
+                <a:cs typeface="+mn-cs"/>
+              </a:defRPr>
+            </a:lvl7pPr>
+            <a:lvl8pPr marL="3429000" indent="-228600" algn="l" defTabSz="914400" rtl="0" eaLnBrk="1" latinLnBrk="0" hangingPunct="1">
+              <a:lnSpc>
+                <a:spcPct val="120000"/>
+              </a:lnSpc>
+              <a:spcBef>
+                <a:spcPts val="500"/>
+              </a:spcBef>
+              <a:buSzPct val="125000"/>
+              <a:buFont typeface="Arial" panose="020B0604020202020204" pitchFamily="34" charset="0"/>
+              <a:buChar char="•"/>
+              <a:defRPr sz="1400" kern="1200">
+                <a:solidFill>
+                  <a:schemeClr val="tx1"/>
+                </a:solidFill>
+                <a:latin typeface="+mn-lt"/>
+                <a:ea typeface="+mn-ea"/>
+                <a:cs typeface="+mn-cs"/>
+              </a:defRPr>
+            </a:lvl8pPr>
+            <a:lvl9pPr marL="3886200" indent="-228600" algn="l" defTabSz="914400" rtl="0" eaLnBrk="1" latinLnBrk="0" hangingPunct="1">
+              <a:lnSpc>
+                <a:spcPct val="120000"/>
+              </a:lnSpc>
+              <a:spcBef>
+                <a:spcPts val="500"/>
+              </a:spcBef>
+              <a:buSzPct val="125000"/>
+              <a:buFont typeface="Arial" panose="020B0604020202020204" pitchFamily="34" charset="0"/>
+              <a:buChar char="•"/>
+              <a:defRPr sz="1400" kern="1200">
+                <a:solidFill>
+                  <a:schemeClr val="tx1"/>
+                </a:solidFill>
+                <a:latin typeface="+mn-lt"/>
+                <a:ea typeface="+mn-ea"/>
+                <a:cs typeface="+mn-cs"/>
+              </a:defRPr>
+            </a:lvl9pPr>
+          </a:lstStyle>
+          <a:p>
+            <a:pPr marL="0" indent="0">
+              <a:buNone/>
+            </a:pPr>
+            <a:r>
+              <a:rPr lang="en-US" altLang="zh-TW" sz="1800" dirty="0" smtClean="0">
+                <a:solidFill>
+                  <a:schemeClr val="bg2"/>
+                </a:solidFill>
+                <a:latin typeface="微軟正黑體 Light" panose="020B0304030504040204" pitchFamily="34" charset="-120"/>
+                <a:ea typeface="微軟正黑體 Light" panose="020B0304030504040204" pitchFamily="34" charset="-120"/>
+              </a:rPr>
+              <a:t>Rule Base 1P</a:t>
+            </a:r>
+            <a:r>
+              <a:rPr lang="zh-TW" altLang="en-US" sz="1800" dirty="0" smtClean="0">
+                <a:solidFill>
+                  <a:schemeClr val="bg2"/>
+                </a:solidFill>
+                <a:latin typeface="微軟正黑體 Light" panose="020B0304030504040204" pitchFamily="34" charset="-120"/>
+                <a:ea typeface="微軟正黑體 Light" panose="020B0304030504040204" pitchFamily="34" charset="-120"/>
+              </a:rPr>
+              <a:t>方的預測</a:t>
+            </a:r>
+            <a:endParaRPr lang="en-US" altLang="zh-TW" sz="1800" dirty="0">
+              <a:solidFill>
+                <a:schemeClr val="bg2"/>
+              </a:solidFill>
+              <a:latin typeface="微軟正黑體 Light" panose="020B0304030504040204" pitchFamily="34" charset="-120"/>
+              <a:ea typeface="微軟正黑體 Light" panose="020B0304030504040204" pitchFamily="34" charset="-120"/>
+            </a:endParaRPr>
           </a:p>
         </p:txBody>
       </p:sp>
       <p:sp>
         <p:nvSpPr>
-          <p:cNvPr id="6" name="文字方塊 5">
-            <a:extLst>
-              <a:ext uri="{FF2B5EF4-FFF2-40B4-BE49-F238E27FC236}">
-                <a16:creationId xmlns:a16="http://schemas.microsoft.com/office/drawing/2014/main" id="{08977C70-7133-4563-ABF7-F15BFEDF7790}"/>
-              </a:ext>
-            </a:extLst>
-          </p:cNvPr>
-          <p:cNvSpPr txBox="1"/>
+          <p:cNvPr id="6" name="內容版面配置區 2"/>
+          <p:cNvSpPr txBox="1">
+            <a:spLocks/>
+          </p:cNvSpPr>
           <p:nvPr/>
         </p:nvSpPr>
         <p:spPr>
           <a:xfrm>
-            <a:off x="1130332" y="3480265"/>
-            <a:ext cx="902811" cy="523220"/>
+            <a:off x="7511597" y="2097087"/>
+            <a:ext cx="3608048" cy="489859"/>
           </a:xfrm>
           <a:prstGeom prst="rect">
             <a:avLst/>
           </a:prstGeom>
-          <a:noFill/>
         </p:spPr>
         <p:txBody>
-          <a:bodyPr wrap="none" rtlCol="0">
-            <a:spAutoFit/>
+          <a:bodyPr vert="horz" lIns="91440" tIns="45720" rIns="91440" bIns="45720" rtlCol="0">
+            <a:normAutofit/>
           </a:bodyPr>
-          <a:lstStyle/>
-          <a:p>
-            <a:r>
-              <a:rPr lang="zh-TW" altLang="en-US" sz="2800" dirty="0">
-                <a:latin typeface="標楷體" panose="03000509000000000000" pitchFamily="65" charset="-120"/>
-                <a:ea typeface="標楷體" panose="03000509000000000000" pitchFamily="65" charset="-120"/>
-              </a:rPr>
-              <a:t>缺點</a:t>
-            </a:r>
-          </a:p>
-        </p:txBody>
-      </p:sp>
-      <p:sp>
-        <p:nvSpPr>
-          <p:cNvPr id="7" name="文字方塊 6">
-            <a:extLst>
-              <a:ext uri="{FF2B5EF4-FFF2-40B4-BE49-F238E27FC236}">
-                <a16:creationId xmlns:a16="http://schemas.microsoft.com/office/drawing/2014/main" id="{8DE09299-C9CD-4BD3-88A0-1438D0004CE6}"/>
-              </a:ext>
-            </a:extLst>
-          </p:cNvPr>
-          <p:cNvSpPr txBox="1"/>
-          <p:nvPr/>
-        </p:nvSpPr>
-        <p:spPr>
-          <a:xfrm>
-            <a:off x="1727041" y="4077050"/>
-            <a:ext cx="8589211" cy="1015663"/>
-          </a:xfrm>
-          <a:prstGeom prst="rect">
-            <a:avLst/>
-          </a:prstGeom>
-          <a:noFill/>
-        </p:spPr>
-        <p:txBody>
-          <a:bodyPr wrap="none" rtlCol="0">
-            <a:spAutoFit/>
-          </a:bodyPr>
-          <a:lstStyle/>
-          <a:p>
-            <a:pPr fontAlgn="base"/>
-            <a:r>
-              <a:rPr lang="en-US" altLang="zh-TW" sz="2000" dirty="0">
-                <a:latin typeface="微軟正黑體" panose="020B0604030504040204" pitchFamily="34" charset="-120"/>
-                <a:ea typeface="微軟正黑體" panose="020B0604030504040204" pitchFamily="34" charset="-120"/>
-              </a:rPr>
-              <a:t>1.</a:t>
-            </a:r>
-            <a:r>
-              <a:rPr lang="zh-TW" altLang="en-US" sz="2000" dirty="0">
-                <a:latin typeface="微軟正黑體" panose="020B0604030504040204" pitchFamily="34" charset="-120"/>
-                <a:ea typeface="微軟正黑體" panose="020B0604030504040204" pitchFamily="34" charset="-120"/>
-              </a:rPr>
-              <a:t>計算量大，尤其是特徵數非常多的時候</a:t>
-            </a:r>
-          </a:p>
-          <a:p>
-            <a:pPr fontAlgn="base"/>
-            <a:r>
-              <a:rPr lang="en-US" altLang="zh-TW" sz="2000" dirty="0">
-                <a:latin typeface="微軟正黑體" panose="020B0604030504040204" pitchFamily="34" charset="-120"/>
-                <a:ea typeface="微軟正黑體" panose="020B0604030504040204" pitchFamily="34" charset="-120"/>
-              </a:rPr>
-              <a:t>2.</a:t>
-            </a:r>
-            <a:r>
-              <a:rPr lang="zh-TW" altLang="en-US" sz="2000" dirty="0">
-                <a:latin typeface="微軟正黑體" panose="020B0604030504040204" pitchFamily="34" charset="-120"/>
-                <a:ea typeface="微軟正黑體" panose="020B0604030504040204" pitchFamily="34" charset="-120"/>
-              </a:rPr>
-              <a:t>樣本不平衡的時候，對稀有類別的預測準確率低</a:t>
-            </a:r>
-          </a:p>
-          <a:p>
-            <a:pPr fontAlgn="base"/>
-            <a:r>
-              <a:rPr lang="en-US" altLang="zh-TW" sz="2000" dirty="0">
-                <a:latin typeface="微軟正黑體" panose="020B0604030504040204" pitchFamily="34" charset="-120"/>
-                <a:ea typeface="微軟正黑體" panose="020B0604030504040204" pitchFamily="34" charset="-120"/>
-              </a:rPr>
-              <a:t>3.</a:t>
-            </a:r>
-            <a:r>
-              <a:rPr lang="zh-TW" altLang="en-US" sz="2000" dirty="0">
-                <a:latin typeface="微軟正黑體" panose="020B0604030504040204" pitchFamily="34" charset="-120"/>
-                <a:ea typeface="微軟正黑體" panose="020B0604030504040204" pitchFamily="34" charset="-120"/>
-              </a:rPr>
-              <a:t>是慵懶散學習方法，基本上不學習，導致預測時速度比起其他演算法慢</a:t>
-            </a:r>
+          <a:lstStyle>
+            <a:lvl1pPr marL="228600" indent="-228600" algn="l" defTabSz="914400" rtl="0" eaLnBrk="1" latinLnBrk="0" hangingPunct="1">
+              <a:lnSpc>
+                <a:spcPct val="120000"/>
+              </a:lnSpc>
+              <a:spcBef>
+                <a:spcPts val="1000"/>
+              </a:spcBef>
+              <a:buSzPct val="125000"/>
+              <a:buFont typeface="Arial" panose="020B0604020202020204" pitchFamily="34" charset="0"/>
+              <a:buChar char="•"/>
+              <a:defRPr sz="2400" kern="1200">
+                <a:solidFill>
+                  <a:schemeClr val="tx1"/>
+                </a:solidFill>
+                <a:effectLst>
+                  <a:outerShdw blurRad="152400" dist="38100" dir="2700000" algn="tl">
+                    <a:srgbClr val="000000">
+                      <a:alpha val="36000"/>
+                    </a:srgbClr>
+                  </a:outerShdw>
+                </a:effectLst>
+                <a:latin typeface="+mn-lt"/>
+                <a:ea typeface="+mn-ea"/>
+                <a:cs typeface="+mn-cs"/>
+              </a:defRPr>
+            </a:lvl1pPr>
+            <a:lvl2pPr marL="685800" indent="-228600" algn="l" defTabSz="914400" rtl="0" eaLnBrk="1" latinLnBrk="0" hangingPunct="1">
+              <a:lnSpc>
+                <a:spcPct val="120000"/>
+              </a:lnSpc>
+              <a:spcBef>
+                <a:spcPts val="500"/>
+              </a:spcBef>
+              <a:buSzPct val="125000"/>
+              <a:buFont typeface="Arial" panose="020B0604020202020204" pitchFamily="34" charset="0"/>
+              <a:buChar char="•"/>
+              <a:defRPr sz="2000" kern="1200">
+                <a:solidFill>
+                  <a:schemeClr val="tx1"/>
+                </a:solidFill>
+                <a:effectLst>
+                  <a:outerShdw blurRad="152400" dist="38100" dir="2700000" algn="tl">
+                    <a:srgbClr val="000000">
+                      <a:alpha val="36000"/>
+                    </a:srgbClr>
+                  </a:outerShdw>
+                </a:effectLst>
+                <a:latin typeface="+mn-lt"/>
+                <a:ea typeface="+mn-ea"/>
+                <a:cs typeface="+mn-cs"/>
+              </a:defRPr>
+            </a:lvl2pPr>
+            <a:lvl3pPr marL="1143000" indent="-228600" algn="l" defTabSz="914400" rtl="0" eaLnBrk="1" latinLnBrk="0" hangingPunct="1">
+              <a:lnSpc>
+                <a:spcPct val="120000"/>
+              </a:lnSpc>
+              <a:spcBef>
+                <a:spcPts val="500"/>
+              </a:spcBef>
+              <a:buSzPct val="125000"/>
+              <a:buFont typeface="Arial" panose="020B0604020202020204" pitchFamily="34" charset="0"/>
+              <a:buChar char="•"/>
+              <a:defRPr sz="1800" kern="1200">
+                <a:solidFill>
+                  <a:schemeClr val="tx1"/>
+                </a:solidFill>
+                <a:effectLst>
+                  <a:outerShdw blurRad="152400" dist="38100" dir="2700000" algn="tl">
+                    <a:srgbClr val="000000">
+                      <a:alpha val="36000"/>
+                    </a:srgbClr>
+                  </a:outerShdw>
+                </a:effectLst>
+                <a:latin typeface="+mn-lt"/>
+                <a:ea typeface="+mn-ea"/>
+                <a:cs typeface="+mn-cs"/>
+              </a:defRPr>
+            </a:lvl3pPr>
+            <a:lvl4pPr marL="1600200" indent="-228600" algn="l" defTabSz="914400" rtl="0" eaLnBrk="1" latinLnBrk="0" hangingPunct="1">
+              <a:lnSpc>
+                <a:spcPct val="120000"/>
+              </a:lnSpc>
+              <a:spcBef>
+                <a:spcPts val="500"/>
+              </a:spcBef>
+              <a:buSzPct val="125000"/>
+              <a:buFont typeface="Arial" panose="020B0604020202020204" pitchFamily="34" charset="0"/>
+              <a:buChar char="•"/>
+              <a:defRPr sz="1600" kern="1200">
+                <a:solidFill>
+                  <a:schemeClr val="tx1"/>
+                </a:solidFill>
+                <a:effectLst>
+                  <a:outerShdw blurRad="152400" dist="38100" dir="2700000" algn="tl">
+                    <a:srgbClr val="000000">
+                      <a:alpha val="36000"/>
+                    </a:srgbClr>
+                  </a:outerShdw>
+                </a:effectLst>
+                <a:latin typeface="+mn-lt"/>
+                <a:ea typeface="+mn-ea"/>
+                <a:cs typeface="+mn-cs"/>
+              </a:defRPr>
+            </a:lvl4pPr>
+            <a:lvl5pPr marL="2057400" indent="-228600" algn="l" defTabSz="914400" rtl="0" eaLnBrk="1" latinLnBrk="0" hangingPunct="1">
+              <a:lnSpc>
+                <a:spcPct val="120000"/>
+              </a:lnSpc>
+              <a:spcBef>
+                <a:spcPts val="500"/>
+              </a:spcBef>
+              <a:buSzPct val="125000"/>
+              <a:buFont typeface="Arial" panose="020B0604020202020204" pitchFamily="34" charset="0"/>
+              <a:buChar char="•"/>
+              <a:defRPr sz="1600" kern="1200">
+                <a:solidFill>
+                  <a:schemeClr val="tx1"/>
+                </a:solidFill>
+                <a:effectLst>
+                  <a:outerShdw blurRad="152400" dist="38100" dir="2700000" algn="tl">
+                    <a:srgbClr val="000000">
+                      <a:alpha val="36000"/>
+                    </a:srgbClr>
+                  </a:outerShdw>
+                </a:effectLst>
+                <a:latin typeface="+mn-lt"/>
+                <a:ea typeface="+mn-ea"/>
+                <a:cs typeface="+mn-cs"/>
+              </a:defRPr>
+            </a:lvl5pPr>
+            <a:lvl6pPr marL="2514600" indent="-228600" algn="l" defTabSz="914400" rtl="0" eaLnBrk="1" latinLnBrk="0" hangingPunct="1">
+              <a:lnSpc>
+                <a:spcPct val="120000"/>
+              </a:lnSpc>
+              <a:spcBef>
+                <a:spcPts val="500"/>
+              </a:spcBef>
+              <a:buSzPct val="125000"/>
+              <a:buFont typeface="Arial" panose="020B0604020202020204" pitchFamily="34" charset="0"/>
+              <a:buChar char="•"/>
+              <a:defRPr sz="1400" kern="1200">
+                <a:solidFill>
+                  <a:schemeClr val="tx1"/>
+                </a:solidFill>
+                <a:latin typeface="+mn-lt"/>
+                <a:ea typeface="+mn-ea"/>
+                <a:cs typeface="+mn-cs"/>
+              </a:defRPr>
+            </a:lvl6pPr>
+            <a:lvl7pPr marL="2971800" indent="-228600" algn="l" defTabSz="914400" rtl="0" eaLnBrk="1" latinLnBrk="0" hangingPunct="1">
+              <a:lnSpc>
+                <a:spcPct val="120000"/>
+              </a:lnSpc>
+              <a:spcBef>
+                <a:spcPts val="500"/>
+              </a:spcBef>
+              <a:buSzPct val="125000"/>
+              <a:buFont typeface="Arial" panose="020B0604020202020204" pitchFamily="34" charset="0"/>
+              <a:buChar char="•"/>
+              <a:defRPr sz="1400" kern="1200">
+                <a:solidFill>
+                  <a:schemeClr val="tx1"/>
+                </a:solidFill>
+                <a:latin typeface="+mn-lt"/>
+                <a:ea typeface="+mn-ea"/>
+                <a:cs typeface="+mn-cs"/>
+              </a:defRPr>
+            </a:lvl7pPr>
+            <a:lvl8pPr marL="3429000" indent="-228600" algn="l" defTabSz="914400" rtl="0" eaLnBrk="1" latinLnBrk="0" hangingPunct="1">
+              <a:lnSpc>
+                <a:spcPct val="120000"/>
+              </a:lnSpc>
+              <a:spcBef>
+                <a:spcPts val="500"/>
+              </a:spcBef>
+              <a:buSzPct val="125000"/>
+              <a:buFont typeface="Arial" panose="020B0604020202020204" pitchFamily="34" charset="0"/>
+              <a:buChar char="•"/>
+              <a:defRPr sz="1400" kern="1200">
+                <a:solidFill>
+                  <a:schemeClr val="tx1"/>
+                </a:solidFill>
+                <a:latin typeface="+mn-lt"/>
+                <a:ea typeface="+mn-ea"/>
+                <a:cs typeface="+mn-cs"/>
+              </a:defRPr>
+            </a:lvl8pPr>
+            <a:lvl9pPr marL="3886200" indent="-228600" algn="l" defTabSz="914400" rtl="0" eaLnBrk="1" latinLnBrk="0" hangingPunct="1">
+              <a:lnSpc>
+                <a:spcPct val="120000"/>
+              </a:lnSpc>
+              <a:spcBef>
+                <a:spcPts val="500"/>
+              </a:spcBef>
+              <a:buSzPct val="125000"/>
+              <a:buFont typeface="Arial" panose="020B0604020202020204" pitchFamily="34" charset="0"/>
+              <a:buChar char="•"/>
+              <a:defRPr sz="1400" kern="1200">
+                <a:solidFill>
+                  <a:schemeClr val="tx1"/>
+                </a:solidFill>
+                <a:latin typeface="+mn-lt"/>
+                <a:ea typeface="+mn-ea"/>
+                <a:cs typeface="+mn-cs"/>
+              </a:defRPr>
+            </a:lvl9pPr>
+          </a:lstStyle>
+          <a:p>
+            <a:pPr marL="0" indent="0">
+              <a:buNone/>
+            </a:pPr>
+            <a:r>
+              <a:rPr lang="en-US" altLang="zh-TW" sz="1800" dirty="0" smtClean="0">
+                <a:solidFill>
+                  <a:schemeClr val="bg2"/>
+                </a:solidFill>
+                <a:latin typeface="微軟正黑體 Light" panose="020B0304030504040204" pitchFamily="34" charset="-120"/>
+                <a:ea typeface="微軟正黑體 Light" panose="020B0304030504040204" pitchFamily="34" charset="-120"/>
+              </a:rPr>
+              <a:t>Rule Base 2P</a:t>
+            </a:r>
+            <a:r>
+              <a:rPr lang="zh-TW" altLang="en-US" sz="1800" dirty="0" smtClean="0">
+                <a:solidFill>
+                  <a:schemeClr val="bg2"/>
+                </a:solidFill>
+                <a:latin typeface="微軟正黑體 Light" panose="020B0304030504040204" pitchFamily="34" charset="-120"/>
+                <a:ea typeface="微軟正黑體 Light" panose="020B0304030504040204" pitchFamily="34" charset="-120"/>
+              </a:rPr>
+              <a:t>方的預測</a:t>
+            </a:r>
+            <a:endParaRPr lang="en-US" altLang="zh-TW" sz="1800" dirty="0">
+              <a:solidFill>
+                <a:schemeClr val="bg2"/>
+              </a:solidFill>
+              <a:latin typeface="微軟正黑體 Light" panose="020B0304030504040204" pitchFamily="34" charset="-120"/>
+              <a:ea typeface="微軟正黑體 Light" panose="020B0304030504040204" pitchFamily="34" charset="-120"/>
+            </a:endParaRPr>
           </a:p>
         </p:txBody>
       </p:sp>
     </p:spTree>
     <p:extLst>
       <p:ext uri="{BB962C8B-B14F-4D97-AF65-F5344CB8AC3E}">
-        <p14:creationId xmlns:p14="http://schemas.microsoft.com/office/powerpoint/2010/main" val="2107373396"/>
+        <p14:creationId xmlns:p14="http://schemas.microsoft.com/office/powerpoint/2010/main" val="2978854686"/>
       </p:ext>
     </p:extLst>
   </p:cSld>
@@ -13019,15 +13550,313 @@
           <a:chExt cx="0" cy="0"/>
         </a:xfrm>
       </p:grpSpPr>
+      <p:sp>
+        <p:nvSpPr>
+          <p:cNvPr id="2" name="標題 1"/>
+          <p:cNvSpPr>
+            <a:spLocks noGrp="1"/>
+          </p:cNvSpPr>
+          <p:nvPr>
+            <p:ph type="title"/>
+          </p:nvPr>
+        </p:nvSpPr>
+        <p:spPr/>
+        <p:txBody>
+          <a:bodyPr/>
+          <a:lstStyle/>
+          <a:p>
+            <a:r>
+              <a:rPr lang="zh-TW" altLang="en-US" dirty="0">
+                <a:latin typeface="微軟正黑體" panose="020B0604030504040204" pitchFamily="34" charset="-120"/>
+                <a:ea typeface="微軟正黑體" panose="020B0604030504040204" pitchFamily="34" charset="-120"/>
+              </a:rPr>
+              <a:t>設計</a:t>
+            </a:r>
+            <a:r>
+              <a:rPr lang="zh-TW" altLang="en-US" dirty="0" smtClean="0">
+                <a:latin typeface="微軟正黑體" panose="020B0604030504040204" pitchFamily="34" charset="-120"/>
+                <a:ea typeface="微軟正黑體" panose="020B0604030504040204" pitchFamily="34" charset="-120"/>
+              </a:rPr>
+              <a:t> </a:t>
+            </a:r>
+            <a:r>
+              <a:rPr lang="en-US" altLang="zh-TW" dirty="0" smtClean="0">
+                <a:latin typeface="微軟正黑體" panose="020B0604030504040204" pitchFamily="34" charset="-120"/>
+                <a:ea typeface="微軟正黑體" panose="020B0604030504040204" pitchFamily="34" charset="-120"/>
+              </a:rPr>
+              <a:t>—</a:t>
+            </a:r>
+            <a:r>
+              <a:rPr lang="zh-TW" altLang="en-US" dirty="0" smtClean="0">
+                <a:latin typeface="微軟正黑體" panose="020B0604030504040204" pitchFamily="34" charset="-120"/>
+                <a:ea typeface="微軟正黑體" panose="020B0604030504040204" pitchFamily="34" charset="-120"/>
+              </a:rPr>
+              <a:t> </a:t>
+            </a:r>
+            <a:r>
+              <a:rPr lang="en-US" altLang="zh-TW" sz="3200" dirty="0" smtClean="0">
+                <a:latin typeface="微軟正黑體" panose="020B0604030504040204" pitchFamily="34" charset="-120"/>
+                <a:ea typeface="微軟正黑體" panose="020B0604030504040204" pitchFamily="34" charset="-120"/>
+              </a:rPr>
+              <a:t>KNN</a:t>
+            </a:r>
+            <a:r>
+              <a:rPr lang="zh-TW" altLang="en-US" sz="3200" dirty="0" smtClean="0">
+                <a:latin typeface="微軟正黑體" panose="020B0604030504040204" pitchFamily="34" charset="-120"/>
+                <a:ea typeface="微軟正黑體" panose="020B0604030504040204" pitchFamily="34" charset="-120"/>
+              </a:rPr>
+              <a:t>訓練</a:t>
+            </a:r>
+            <a:endParaRPr lang="zh-TW" altLang="en-US" sz="3200" dirty="0">
+              <a:latin typeface="微軟正黑體" panose="020B0604030504040204" pitchFamily="34" charset="-120"/>
+              <a:ea typeface="微軟正黑體" panose="020B0604030504040204" pitchFamily="34" charset="-120"/>
+            </a:endParaRPr>
+          </a:p>
+        </p:txBody>
+      </p:sp>
+      <p:sp>
+        <p:nvSpPr>
+          <p:cNvPr id="12" name="內容版面配置區 2"/>
+          <p:cNvSpPr txBox="1">
+            <a:spLocks/>
+          </p:cNvSpPr>
+          <p:nvPr/>
+        </p:nvSpPr>
+        <p:spPr>
+          <a:xfrm>
+            <a:off x="999331" y="1838752"/>
+            <a:ext cx="9905999" cy="3541714"/>
+          </a:xfrm>
+          <a:prstGeom prst="rect">
+            <a:avLst/>
+          </a:prstGeom>
+        </p:spPr>
+        <p:txBody>
+          <a:bodyPr vert="horz" lIns="91440" tIns="45720" rIns="91440" bIns="45720" rtlCol="0">
+            <a:normAutofit/>
+          </a:bodyPr>
+          <a:lstStyle>
+            <a:lvl1pPr marL="228600" indent="-228600" algn="l" defTabSz="914400" rtl="0" eaLnBrk="1" latinLnBrk="0" hangingPunct="1">
+              <a:lnSpc>
+                <a:spcPct val="120000"/>
+              </a:lnSpc>
+              <a:spcBef>
+                <a:spcPts val="1000"/>
+              </a:spcBef>
+              <a:buSzPct val="125000"/>
+              <a:buFont typeface="Arial" panose="020B0604020202020204" pitchFamily="34" charset="0"/>
+              <a:buChar char="•"/>
+              <a:defRPr sz="2400" kern="1200">
+                <a:solidFill>
+                  <a:schemeClr val="tx1"/>
+                </a:solidFill>
+                <a:effectLst>
+                  <a:outerShdw blurRad="152400" dist="38100" dir="2700000" algn="tl">
+                    <a:srgbClr val="000000">
+                      <a:alpha val="36000"/>
+                    </a:srgbClr>
+                  </a:outerShdw>
+                </a:effectLst>
+                <a:latin typeface="+mn-lt"/>
+                <a:ea typeface="+mn-ea"/>
+                <a:cs typeface="+mn-cs"/>
+              </a:defRPr>
+            </a:lvl1pPr>
+            <a:lvl2pPr marL="685800" indent="-228600" algn="l" defTabSz="914400" rtl="0" eaLnBrk="1" latinLnBrk="0" hangingPunct="1">
+              <a:lnSpc>
+                <a:spcPct val="120000"/>
+              </a:lnSpc>
+              <a:spcBef>
+                <a:spcPts val="500"/>
+              </a:spcBef>
+              <a:buSzPct val="125000"/>
+              <a:buFont typeface="Arial" panose="020B0604020202020204" pitchFamily="34" charset="0"/>
+              <a:buChar char="•"/>
+              <a:defRPr sz="2000" kern="1200">
+                <a:solidFill>
+                  <a:schemeClr val="tx1"/>
+                </a:solidFill>
+                <a:effectLst>
+                  <a:outerShdw blurRad="152400" dist="38100" dir="2700000" algn="tl">
+                    <a:srgbClr val="000000">
+                      <a:alpha val="36000"/>
+                    </a:srgbClr>
+                  </a:outerShdw>
+                </a:effectLst>
+                <a:latin typeface="+mn-lt"/>
+                <a:ea typeface="+mn-ea"/>
+                <a:cs typeface="+mn-cs"/>
+              </a:defRPr>
+            </a:lvl2pPr>
+            <a:lvl3pPr marL="1143000" indent="-228600" algn="l" defTabSz="914400" rtl="0" eaLnBrk="1" latinLnBrk="0" hangingPunct="1">
+              <a:lnSpc>
+                <a:spcPct val="120000"/>
+              </a:lnSpc>
+              <a:spcBef>
+                <a:spcPts val="500"/>
+              </a:spcBef>
+              <a:buSzPct val="125000"/>
+              <a:buFont typeface="Arial" panose="020B0604020202020204" pitchFamily="34" charset="0"/>
+              <a:buChar char="•"/>
+              <a:defRPr sz="1800" kern="1200">
+                <a:solidFill>
+                  <a:schemeClr val="tx1"/>
+                </a:solidFill>
+                <a:effectLst>
+                  <a:outerShdw blurRad="152400" dist="38100" dir="2700000" algn="tl">
+                    <a:srgbClr val="000000">
+                      <a:alpha val="36000"/>
+                    </a:srgbClr>
+                  </a:outerShdw>
+                </a:effectLst>
+                <a:latin typeface="+mn-lt"/>
+                <a:ea typeface="+mn-ea"/>
+                <a:cs typeface="+mn-cs"/>
+              </a:defRPr>
+            </a:lvl3pPr>
+            <a:lvl4pPr marL="1600200" indent="-228600" algn="l" defTabSz="914400" rtl="0" eaLnBrk="1" latinLnBrk="0" hangingPunct="1">
+              <a:lnSpc>
+                <a:spcPct val="120000"/>
+              </a:lnSpc>
+              <a:spcBef>
+                <a:spcPts val="500"/>
+              </a:spcBef>
+              <a:buSzPct val="125000"/>
+              <a:buFont typeface="Arial" panose="020B0604020202020204" pitchFamily="34" charset="0"/>
+              <a:buChar char="•"/>
+              <a:defRPr sz="1600" kern="1200">
+                <a:solidFill>
+                  <a:schemeClr val="tx1"/>
+                </a:solidFill>
+                <a:effectLst>
+                  <a:outerShdw blurRad="152400" dist="38100" dir="2700000" algn="tl">
+                    <a:srgbClr val="000000">
+                      <a:alpha val="36000"/>
+                    </a:srgbClr>
+                  </a:outerShdw>
+                </a:effectLst>
+                <a:latin typeface="+mn-lt"/>
+                <a:ea typeface="+mn-ea"/>
+                <a:cs typeface="+mn-cs"/>
+              </a:defRPr>
+            </a:lvl4pPr>
+            <a:lvl5pPr marL="2057400" indent="-228600" algn="l" defTabSz="914400" rtl="0" eaLnBrk="1" latinLnBrk="0" hangingPunct="1">
+              <a:lnSpc>
+                <a:spcPct val="120000"/>
+              </a:lnSpc>
+              <a:spcBef>
+                <a:spcPts val="500"/>
+              </a:spcBef>
+              <a:buSzPct val="125000"/>
+              <a:buFont typeface="Arial" panose="020B0604020202020204" pitchFamily="34" charset="0"/>
+              <a:buChar char="•"/>
+              <a:defRPr sz="1600" kern="1200">
+                <a:solidFill>
+                  <a:schemeClr val="tx1"/>
+                </a:solidFill>
+                <a:effectLst>
+                  <a:outerShdw blurRad="152400" dist="38100" dir="2700000" algn="tl">
+                    <a:srgbClr val="000000">
+                      <a:alpha val="36000"/>
+                    </a:srgbClr>
+                  </a:outerShdw>
+                </a:effectLst>
+                <a:latin typeface="+mn-lt"/>
+                <a:ea typeface="+mn-ea"/>
+                <a:cs typeface="+mn-cs"/>
+              </a:defRPr>
+            </a:lvl5pPr>
+            <a:lvl6pPr marL="2514600" indent="-228600" algn="l" defTabSz="914400" rtl="0" eaLnBrk="1" latinLnBrk="0" hangingPunct="1">
+              <a:lnSpc>
+                <a:spcPct val="120000"/>
+              </a:lnSpc>
+              <a:spcBef>
+                <a:spcPts val="500"/>
+              </a:spcBef>
+              <a:buSzPct val="125000"/>
+              <a:buFont typeface="Arial" panose="020B0604020202020204" pitchFamily="34" charset="0"/>
+              <a:buChar char="•"/>
+              <a:defRPr sz="1400" kern="1200">
+                <a:solidFill>
+                  <a:schemeClr val="tx1"/>
+                </a:solidFill>
+                <a:latin typeface="+mn-lt"/>
+                <a:ea typeface="+mn-ea"/>
+                <a:cs typeface="+mn-cs"/>
+              </a:defRPr>
+            </a:lvl6pPr>
+            <a:lvl7pPr marL="2971800" indent="-228600" algn="l" defTabSz="914400" rtl="0" eaLnBrk="1" latinLnBrk="0" hangingPunct="1">
+              <a:lnSpc>
+                <a:spcPct val="120000"/>
+              </a:lnSpc>
+              <a:spcBef>
+                <a:spcPts val="500"/>
+              </a:spcBef>
+              <a:buSzPct val="125000"/>
+              <a:buFont typeface="Arial" panose="020B0604020202020204" pitchFamily="34" charset="0"/>
+              <a:buChar char="•"/>
+              <a:defRPr sz="1400" kern="1200">
+                <a:solidFill>
+                  <a:schemeClr val="tx1"/>
+                </a:solidFill>
+                <a:latin typeface="+mn-lt"/>
+                <a:ea typeface="+mn-ea"/>
+                <a:cs typeface="+mn-cs"/>
+              </a:defRPr>
+            </a:lvl7pPr>
+            <a:lvl8pPr marL="3429000" indent="-228600" algn="l" defTabSz="914400" rtl="0" eaLnBrk="1" latinLnBrk="0" hangingPunct="1">
+              <a:lnSpc>
+                <a:spcPct val="120000"/>
+              </a:lnSpc>
+              <a:spcBef>
+                <a:spcPts val="500"/>
+              </a:spcBef>
+              <a:buSzPct val="125000"/>
+              <a:buFont typeface="Arial" panose="020B0604020202020204" pitchFamily="34" charset="0"/>
+              <a:buChar char="•"/>
+              <a:defRPr sz="1400" kern="1200">
+                <a:solidFill>
+                  <a:schemeClr val="tx1"/>
+                </a:solidFill>
+                <a:latin typeface="+mn-lt"/>
+                <a:ea typeface="+mn-ea"/>
+                <a:cs typeface="+mn-cs"/>
+              </a:defRPr>
+            </a:lvl8pPr>
+            <a:lvl9pPr marL="3886200" indent="-228600" algn="l" defTabSz="914400" rtl="0" eaLnBrk="1" latinLnBrk="0" hangingPunct="1">
+              <a:lnSpc>
+                <a:spcPct val="120000"/>
+              </a:lnSpc>
+              <a:spcBef>
+                <a:spcPts val="500"/>
+              </a:spcBef>
+              <a:buSzPct val="125000"/>
+              <a:buFont typeface="Arial" panose="020B0604020202020204" pitchFamily="34" charset="0"/>
+              <a:buChar char="•"/>
+              <a:defRPr sz="1400" kern="1200">
+                <a:solidFill>
+                  <a:schemeClr val="tx1"/>
+                </a:solidFill>
+                <a:latin typeface="+mn-lt"/>
+                <a:ea typeface="+mn-ea"/>
+                <a:cs typeface="+mn-cs"/>
+              </a:defRPr>
+            </a:lvl9pPr>
+          </a:lstStyle>
+          <a:p>
+            <a:pPr marL="0" indent="0">
+              <a:buNone/>
+            </a:pPr>
+            <a:endParaRPr lang="en-US" altLang="zh-TW" dirty="0">
+              <a:latin typeface="微軟正黑體 Light" panose="020B0304030504040204" pitchFamily="34" charset="-120"/>
+              <a:ea typeface="微軟正黑體 Light" panose="020B0304030504040204" pitchFamily="34" charset="-120"/>
+            </a:endParaRPr>
+          </a:p>
+        </p:txBody>
+      </p:sp>
       <p:pic>
         <p:nvPicPr>
-          <p:cNvPr id="5" name="圖片 4">
-            <a:extLst>
-              <a:ext uri="{FF2B5EF4-FFF2-40B4-BE49-F238E27FC236}">
-                <a16:creationId xmlns:a16="http://schemas.microsoft.com/office/drawing/2014/main" id="{4D7B73AF-C1E9-48C7-B78B-059A530E467F}"/>
-              </a:ext>
-            </a:extLst>
-          </p:cNvPr>
+          <p:cNvPr id="3" name="圖片 2"/>
           <p:cNvPicPr>
             <a:picLocks noChangeAspect="1"/>
           </p:cNvPicPr>
@@ -13041,58 +13870,18 @@
         </p:blipFill>
         <p:spPr>
           <a:xfrm>
-            <a:off x="1845707" y="1478570"/>
-            <a:ext cx="8816702" cy="5118278"/>
+            <a:off x="999331" y="1677360"/>
+            <a:ext cx="9909174" cy="4883354"/>
           </a:xfrm>
           <a:prstGeom prst="rect">
             <a:avLst/>
           </a:prstGeom>
         </p:spPr>
       </p:pic>
-      <p:sp>
-        <p:nvSpPr>
-          <p:cNvPr id="6" name="標題 1">
-            <a:extLst>
-              <a:ext uri="{FF2B5EF4-FFF2-40B4-BE49-F238E27FC236}">
-                <a16:creationId xmlns:a16="http://schemas.microsoft.com/office/drawing/2014/main" id="{C9BF5DE3-9707-4FB8-99B8-00B434B17A65}"/>
-              </a:ext>
-            </a:extLst>
-          </p:cNvPr>
-          <p:cNvSpPr>
-            <a:spLocks noGrp="1"/>
-          </p:cNvSpPr>
-          <p:nvPr>
-            <p:ph type="title"/>
-          </p:nvPr>
-        </p:nvSpPr>
-        <p:spPr>
-          <a:xfrm>
-            <a:off x="1301059" y="167780"/>
-            <a:ext cx="9905998" cy="1478570"/>
-          </a:xfrm>
-        </p:spPr>
-        <p:txBody>
-          <a:bodyPr/>
-          <a:lstStyle/>
-          <a:p>
-            <a:r>
-              <a:rPr lang="en-US" altLang="zh-TW" dirty="0">
-                <a:latin typeface="微軟正黑體" panose="020B0604030504040204" pitchFamily="34" charset="-120"/>
-                <a:ea typeface="微軟正黑體" panose="020B0604030504040204" pitchFamily="34" charset="-120"/>
-              </a:rPr>
-              <a:t>Breakdown</a:t>
-            </a:r>
-            <a:endParaRPr lang="zh-TW" altLang="en-US" sz="3200" dirty="0">
-              <a:latin typeface="微軟正黑體" panose="020B0604030504040204" pitchFamily="34" charset="-120"/>
-              <a:ea typeface="微軟正黑體" panose="020B0604030504040204" pitchFamily="34" charset="-120"/>
-            </a:endParaRPr>
-          </a:p>
-        </p:txBody>
-      </p:sp>
     </p:spTree>
     <p:extLst>
       <p:ext uri="{BB962C8B-B14F-4D97-AF65-F5344CB8AC3E}">
-        <p14:creationId xmlns:p14="http://schemas.microsoft.com/office/powerpoint/2010/main" val="2620999448"/>
+        <p14:creationId xmlns:p14="http://schemas.microsoft.com/office/powerpoint/2010/main" val="140189632"/>
       </p:ext>
     </p:extLst>
   </p:cSld>
@@ -17808,7 +18597,7 @@
                 <a:latin typeface="微軟正黑體" panose="020B0604030504040204" pitchFamily="34" charset="-120"/>
                 <a:ea typeface="微軟正黑體" panose="020B0604030504040204" pitchFamily="34" charset="-120"/>
               </a:rPr>
-              <a:t>預測</a:t>
+              <a:t>訓練方法</a:t>
             </a:r>
           </a:p>
         </p:txBody>
@@ -18046,6 +18835,115 @@
             <a:pPr marL="0" indent="0">
               <a:buNone/>
             </a:pPr>
+            <a:r>
+              <a:rPr lang="zh-TW" altLang="en-US" dirty="0">
+                <a:latin typeface="微軟正黑體 Light" panose="020B0304030504040204" pitchFamily="34" charset="-120"/>
+                <a:ea typeface="微軟正黑體 Light" panose="020B0304030504040204" pitchFamily="34" charset="-120"/>
+              </a:rPr>
+              <a:t>在觀看了大部分的訓練方式後我們這組最後選擇了</a:t>
+            </a:r>
+            <a:r>
+              <a:rPr lang="en-US" altLang="zh-TW" dirty="0">
+                <a:latin typeface="微軟正黑體 Light" panose="020B0304030504040204" pitchFamily="34" charset="-120"/>
+                <a:ea typeface="微軟正黑體 Light" panose="020B0304030504040204" pitchFamily="34" charset="-120"/>
+              </a:rPr>
+              <a:t>KNN</a:t>
+            </a:r>
+            <a:r>
+              <a:rPr lang="zh-TW" altLang="en-US" dirty="0">
+                <a:latin typeface="微軟正黑體 Light" panose="020B0304030504040204" pitchFamily="34" charset="-120"/>
+                <a:ea typeface="微軟正黑體 Light" panose="020B0304030504040204" pitchFamily="34" charset="-120"/>
+              </a:rPr>
+              <a:t>，</a:t>
+            </a:r>
+            <a:r>
+              <a:rPr lang="en-US" altLang="zh-TW" dirty="0">
+                <a:latin typeface="微軟正黑體 Light" panose="020B0304030504040204" pitchFamily="34" charset="-120"/>
+                <a:ea typeface="微軟正黑體 Light" panose="020B0304030504040204" pitchFamily="34" charset="-120"/>
+              </a:rPr>
+              <a:t/>
+            </a:r>
+            <a:br>
+              <a:rPr lang="en-US" altLang="zh-TW" dirty="0">
+                <a:latin typeface="微軟正黑體 Light" panose="020B0304030504040204" pitchFamily="34" charset="-120"/>
+                <a:ea typeface="微軟正黑體 Light" panose="020B0304030504040204" pitchFamily="34" charset="-120"/>
+              </a:rPr>
+            </a:br>
+            <a:r>
+              <a:rPr lang="zh-TW" altLang="en-US" dirty="0">
+                <a:latin typeface="微軟正黑體 Light" panose="020B0304030504040204" pitchFamily="34" charset="-120"/>
+                <a:ea typeface="微軟正黑體 Light" panose="020B0304030504040204" pitchFamily="34" charset="-120"/>
+              </a:rPr>
+              <a:t>雖然當初想要使用</a:t>
+            </a:r>
+            <a:r>
+              <a:rPr lang="en-US" altLang="zh-TW" dirty="0">
+                <a:latin typeface="微軟正黑體 Light" panose="020B0304030504040204" pitchFamily="34" charset="-120"/>
+                <a:ea typeface="微軟正黑體 Light" panose="020B0304030504040204" pitchFamily="34" charset="-120"/>
+              </a:rPr>
+              <a:t>Q learning</a:t>
+            </a:r>
+            <a:r>
+              <a:rPr lang="zh-TW" altLang="en-US" dirty="0">
+                <a:latin typeface="微軟正黑體 Light" panose="020B0304030504040204" pitchFamily="34" charset="-120"/>
+                <a:ea typeface="微軟正黑體 Light" panose="020B0304030504040204" pitchFamily="34" charset="-120"/>
+              </a:rPr>
+              <a:t>，</a:t>
+            </a:r>
+            <a:r>
+              <a:rPr lang="en-US" altLang="zh-TW" dirty="0">
+                <a:latin typeface="微軟正黑體 Light" panose="020B0304030504040204" pitchFamily="34" charset="-120"/>
+                <a:ea typeface="微軟正黑體 Light" panose="020B0304030504040204" pitchFamily="34" charset="-120"/>
+              </a:rPr>
+              <a:t/>
+            </a:r>
+            <a:br>
+              <a:rPr lang="en-US" altLang="zh-TW" dirty="0">
+                <a:latin typeface="微軟正黑體 Light" panose="020B0304030504040204" pitchFamily="34" charset="-120"/>
+                <a:ea typeface="微軟正黑體 Light" panose="020B0304030504040204" pitchFamily="34" charset="-120"/>
+              </a:rPr>
+            </a:br>
+            <a:r>
+              <a:rPr lang="zh-TW" altLang="en-US" dirty="0">
+                <a:latin typeface="微軟正黑體 Light" panose="020B0304030504040204" pitchFamily="34" charset="-120"/>
+                <a:ea typeface="微軟正黑體 Light" panose="020B0304030504040204" pitchFamily="34" charset="-120"/>
+              </a:rPr>
+              <a:t>但因為相比其他的訓練方式，</a:t>
+            </a:r>
+            <a:r>
+              <a:rPr lang="en-US" altLang="zh-TW" dirty="0">
+                <a:latin typeface="微軟正黑體 Light" panose="020B0304030504040204" pitchFamily="34" charset="-120"/>
+                <a:ea typeface="微軟正黑體 Light" panose="020B0304030504040204" pitchFamily="34" charset="-120"/>
+              </a:rPr>
+              <a:t/>
+            </a:r>
+            <a:br>
+              <a:rPr lang="en-US" altLang="zh-TW" dirty="0">
+                <a:latin typeface="微軟正黑體 Light" panose="020B0304030504040204" pitchFamily="34" charset="-120"/>
+                <a:ea typeface="微軟正黑體 Light" panose="020B0304030504040204" pitchFamily="34" charset="-120"/>
+              </a:rPr>
+            </a:br>
+            <a:r>
+              <a:rPr lang="zh-TW" altLang="en-US" dirty="0">
+                <a:latin typeface="微軟正黑體 Light" panose="020B0304030504040204" pitchFamily="34" charset="-120"/>
+                <a:ea typeface="微軟正黑體 Light" panose="020B0304030504040204" pitchFamily="34" charset="-120"/>
+              </a:rPr>
+              <a:t>我們對於</a:t>
+            </a:r>
+            <a:r>
+              <a:rPr lang="en-US" altLang="zh-TW" dirty="0">
+                <a:latin typeface="微軟正黑體 Light" panose="020B0304030504040204" pitchFamily="34" charset="-120"/>
+                <a:ea typeface="微軟正黑體 Light" panose="020B0304030504040204" pitchFamily="34" charset="-120"/>
+              </a:rPr>
+              <a:t>KNN</a:t>
+            </a:r>
+            <a:r>
+              <a:rPr lang="zh-TW" altLang="en-US" dirty="0">
+                <a:latin typeface="微軟正黑體 Light" panose="020B0304030504040204" pitchFamily="34" charset="-120"/>
+                <a:ea typeface="微軟正黑體 Light" panose="020B0304030504040204" pitchFamily="34" charset="-120"/>
+              </a:rPr>
+              <a:t>的使用方式較為熟悉。</a:t>
+            </a:r>
             <a:endParaRPr lang="en-US" altLang="zh-TW" dirty="0">
               <a:latin typeface="微軟正黑體 Light" panose="020B0304030504040204" pitchFamily="34" charset="-120"/>
               <a:ea typeface="微軟正黑體 Light" panose="020B0304030504040204" pitchFamily="34" charset="-120"/>
@@ -18053,34 +18951,10 @@
           </a:p>
         </p:txBody>
       </p:sp>
-      <p:pic>
-        <p:nvPicPr>
-          <p:cNvPr id="3" name="圖片 2"/>
-          <p:cNvPicPr>
-            <a:picLocks noChangeAspect="1"/>
-          </p:cNvPicPr>
-          <p:nvPr/>
-        </p:nvPicPr>
-        <p:blipFill>
-          <a:blip r:embed="rId2"/>
-          <a:stretch>
-            <a:fillRect/>
-          </a:stretch>
-        </p:blipFill>
-        <p:spPr>
-          <a:xfrm>
-            <a:off x="1449388" y="1977118"/>
-            <a:ext cx="9220200" cy="4095750"/>
-          </a:xfrm>
-          <a:prstGeom prst="rect">
-            <a:avLst/>
-          </a:prstGeom>
-        </p:spPr>
-      </p:pic>
     </p:spTree>
     <p:extLst>
       <p:ext uri="{BB962C8B-B14F-4D97-AF65-F5344CB8AC3E}">
-        <p14:creationId xmlns:p14="http://schemas.microsoft.com/office/powerpoint/2010/main" val="2978854686"/>
+        <p14:creationId xmlns:p14="http://schemas.microsoft.com/office/powerpoint/2010/main" val="3027567513"/>
       </p:ext>
     </p:extLst>
   </p:cSld>
@@ -18109,7 +18983,126 @@
       </p:grpSpPr>
       <p:sp>
         <p:nvSpPr>
-          <p:cNvPr id="2" name="標題 1"/>
+          <p:cNvPr id="3" name="內容版面配置區 2">
+            <a:extLst>
+              <a:ext uri="{FF2B5EF4-FFF2-40B4-BE49-F238E27FC236}">
+                <a16:creationId xmlns:a16="http://schemas.microsoft.com/office/drawing/2014/main" id="{0F138000-B259-49DB-B808-B9245DC56E05}"/>
+              </a:ext>
+            </a:extLst>
+          </p:cNvPr>
+          <p:cNvSpPr>
+            <a:spLocks noGrp="1"/>
+          </p:cNvSpPr>
+          <p:nvPr>
+            <p:ph idx="1"/>
+          </p:nvPr>
+        </p:nvSpPr>
+        <p:spPr>
+          <a:xfrm>
+            <a:off x="1727041" y="2256864"/>
+            <a:ext cx="9905999" cy="1325235"/>
+          </a:xfrm>
+        </p:spPr>
+        <p:txBody>
+          <a:bodyPr>
+            <a:normAutofit/>
+          </a:bodyPr>
+          <a:lstStyle/>
+          <a:p>
+            <a:pPr marL="0" indent="0">
+              <a:buNone/>
+            </a:pPr>
+            <a:r>
+              <a:rPr lang="en-US" altLang="zh-TW" sz="2000" dirty="0">
+                <a:latin typeface="微軟正黑體" panose="020B0604030504040204" pitchFamily="34" charset="-120"/>
+                <a:ea typeface="微軟正黑體" panose="020B0604030504040204" pitchFamily="34" charset="-120"/>
+              </a:rPr>
+              <a:t>1.</a:t>
+            </a:r>
+            <a:r>
+              <a:rPr lang="zh-TW" altLang="en-US" sz="2000" dirty="0">
+                <a:latin typeface="微軟正黑體" panose="020B0604030504040204" pitchFamily="34" charset="-120"/>
+                <a:ea typeface="微軟正黑體" panose="020B0604030504040204" pitchFamily="34" charset="-120"/>
+              </a:rPr>
+              <a:t>訓練時間複雜度比較</a:t>
+            </a:r>
+            <a:r>
+              <a:rPr lang="zh-TW" altLang="en-US" sz="2000" dirty="0" smtClean="0">
+                <a:latin typeface="微軟正黑體" panose="020B0604030504040204" pitchFamily="34" charset="-120"/>
+                <a:ea typeface="微軟正黑體" panose="020B0604030504040204" pitchFamily="34" charset="-120"/>
+              </a:rPr>
+              <a:t>低</a:t>
+            </a:r>
+            <a:endParaRPr lang="en-US" altLang="zh-TW" sz="2000" dirty="0" smtClean="0">
+              <a:latin typeface="微軟正黑體" panose="020B0604030504040204" pitchFamily="34" charset="-120"/>
+              <a:ea typeface="微軟正黑體" panose="020B0604030504040204" pitchFamily="34" charset="-120"/>
+            </a:endParaRPr>
+          </a:p>
+          <a:p>
+            <a:pPr marL="0" indent="0">
+              <a:buNone/>
+            </a:pPr>
+            <a:r>
+              <a:rPr lang="en-US" altLang="zh-TW" sz="2000" dirty="0" smtClean="0">
+                <a:latin typeface="微軟正黑體" panose="020B0604030504040204" pitchFamily="34" charset="-120"/>
+                <a:ea typeface="微軟正黑體" panose="020B0604030504040204" pitchFamily="34" charset="-120"/>
+              </a:rPr>
+              <a:t>2</a:t>
+            </a:r>
+            <a:r>
+              <a:rPr lang="en-US" altLang="zh-TW" sz="2000" dirty="0">
+                <a:latin typeface="微軟正黑體" panose="020B0604030504040204" pitchFamily="34" charset="-120"/>
+                <a:ea typeface="微軟正黑體" panose="020B0604030504040204" pitchFamily="34" charset="-120"/>
+              </a:rPr>
+              <a:t>.</a:t>
+            </a:r>
+            <a:r>
+              <a:rPr lang="zh-TW" altLang="en-US" sz="2000" dirty="0">
+                <a:latin typeface="微軟正黑體" panose="020B0604030504040204" pitchFamily="34" charset="-120"/>
+                <a:ea typeface="微軟正黑體" panose="020B0604030504040204" pitchFamily="34" charset="-120"/>
+              </a:rPr>
+              <a:t>由於</a:t>
+            </a:r>
+            <a:r>
+              <a:rPr lang="en-US" altLang="zh-TW" sz="2000" dirty="0">
+                <a:latin typeface="微軟正黑體" panose="020B0604030504040204" pitchFamily="34" charset="-120"/>
+                <a:ea typeface="微軟正黑體" panose="020B0604030504040204" pitchFamily="34" charset="-120"/>
+              </a:rPr>
+              <a:t>KNN</a:t>
+            </a:r>
+            <a:r>
+              <a:rPr lang="zh-TW" altLang="en-US" sz="2000" dirty="0">
+                <a:latin typeface="微軟正黑體" panose="020B0604030504040204" pitchFamily="34" charset="-120"/>
+                <a:ea typeface="微軟正黑體" panose="020B0604030504040204" pitchFamily="34" charset="-120"/>
+              </a:rPr>
+              <a:t>方法主要靠周圍有限的鄰近的樣本來確定所屬的類別，因此對於類域的交叉或重疊較多的待分類樣本集來說，</a:t>
+            </a:r>
+            <a:r>
+              <a:rPr lang="en-US" altLang="zh-TW" sz="2000" dirty="0">
+                <a:latin typeface="微軟正黑體" panose="020B0604030504040204" pitchFamily="34" charset="-120"/>
+                <a:ea typeface="微軟正黑體" panose="020B0604030504040204" pitchFamily="34" charset="-120"/>
+              </a:rPr>
+              <a:t>KNN</a:t>
+            </a:r>
+            <a:r>
+              <a:rPr lang="zh-TW" altLang="en-US" sz="2000" dirty="0">
+                <a:latin typeface="微軟正黑體" panose="020B0604030504040204" pitchFamily="34" charset="-120"/>
+                <a:ea typeface="微軟正黑體" panose="020B0604030504040204" pitchFamily="34" charset="-120"/>
+              </a:rPr>
+              <a:t>方法較其他方法更為適合</a:t>
+            </a:r>
+          </a:p>
+        </p:txBody>
+      </p:sp>
+      <p:sp>
+        <p:nvSpPr>
+          <p:cNvPr id="4" name="標題 1">
+            <a:extLst>
+              <a:ext uri="{FF2B5EF4-FFF2-40B4-BE49-F238E27FC236}">
+                <a16:creationId xmlns:a16="http://schemas.microsoft.com/office/drawing/2014/main" id="{2EDA2CD3-8AAE-4F58-8A0A-36AE0FE4B94D}"/>
+              </a:ext>
+            </a:extLst>
+          </p:cNvPr>
           <p:cNvSpPr>
             <a:spLocks noGrp="1"/>
           </p:cNvSpPr>
@@ -18117,7 +19110,12 @@
             <p:ph type="title"/>
           </p:nvPr>
         </p:nvSpPr>
-        <p:spPr/>
+        <p:spPr>
+          <a:xfrm>
+            <a:off x="1141413" y="618518"/>
+            <a:ext cx="9905998" cy="1478570"/>
+          </a:xfrm>
+        </p:spPr>
         <p:txBody>
           <a:bodyPr/>
           <a:lstStyle/>
@@ -18148,364 +19146,171 @@
                 <a:latin typeface="微軟正黑體" panose="020B0604030504040204" pitchFamily="34" charset="-120"/>
                 <a:ea typeface="微軟正黑體" panose="020B0604030504040204" pitchFamily="34" charset="-120"/>
               </a:rPr>
-              <a:t>訓練方法</a:t>
+              <a:t>優缺點</a:t>
             </a:r>
           </a:p>
         </p:txBody>
       </p:sp>
       <p:sp>
         <p:nvSpPr>
-          <p:cNvPr id="12" name="內容版面配置區 2"/>
-          <p:cNvSpPr txBox="1">
-            <a:spLocks/>
-          </p:cNvSpPr>
+          <p:cNvPr id="5" name="文字方塊 4">
+            <a:extLst>
+              <a:ext uri="{FF2B5EF4-FFF2-40B4-BE49-F238E27FC236}">
+                <a16:creationId xmlns:a16="http://schemas.microsoft.com/office/drawing/2014/main" id="{69D46328-427F-4161-A2F7-4D1EA9A227C3}"/>
+              </a:ext>
+            </a:extLst>
+          </p:cNvPr>
+          <p:cNvSpPr txBox="1"/>
           <p:nvPr/>
         </p:nvSpPr>
         <p:spPr>
           <a:xfrm>
-            <a:off x="999331" y="1838752"/>
-            <a:ext cx="9905999" cy="3541714"/>
+            <a:off x="1141412" y="1733644"/>
+            <a:ext cx="902811" cy="523220"/>
           </a:xfrm>
           <a:prstGeom prst="rect">
             <a:avLst/>
           </a:prstGeom>
+          <a:noFill/>
         </p:spPr>
         <p:txBody>
-          <a:bodyPr vert="horz" lIns="91440" tIns="45720" rIns="91440" bIns="45720" rtlCol="0">
-            <a:normAutofit/>
+          <a:bodyPr wrap="none" rtlCol="0">
+            <a:spAutoFit/>
           </a:bodyPr>
-          <a:lstStyle>
-            <a:lvl1pPr marL="228600" indent="-228600" algn="l" defTabSz="914400" rtl="0" eaLnBrk="1" latinLnBrk="0" hangingPunct="1">
-              <a:lnSpc>
-                <a:spcPct val="120000"/>
-              </a:lnSpc>
-              <a:spcBef>
-                <a:spcPts val="1000"/>
-              </a:spcBef>
-              <a:buSzPct val="125000"/>
-              <a:buFont typeface="Arial" panose="020B0604020202020204" pitchFamily="34" charset="0"/>
-              <a:buChar char="•"/>
-              <a:defRPr sz="2400" kern="1200">
-                <a:solidFill>
-                  <a:schemeClr val="tx1"/>
-                </a:solidFill>
-                <a:effectLst>
-                  <a:outerShdw blurRad="152400" dist="38100" dir="2700000" algn="tl">
-                    <a:srgbClr val="000000">
-                      <a:alpha val="36000"/>
-                    </a:srgbClr>
-                  </a:outerShdw>
-                </a:effectLst>
-                <a:latin typeface="+mn-lt"/>
-                <a:ea typeface="+mn-ea"/>
-                <a:cs typeface="+mn-cs"/>
-              </a:defRPr>
-            </a:lvl1pPr>
-            <a:lvl2pPr marL="685800" indent="-228600" algn="l" defTabSz="914400" rtl="0" eaLnBrk="1" latinLnBrk="0" hangingPunct="1">
-              <a:lnSpc>
-                <a:spcPct val="120000"/>
-              </a:lnSpc>
-              <a:spcBef>
-                <a:spcPts val="500"/>
-              </a:spcBef>
-              <a:buSzPct val="125000"/>
-              <a:buFont typeface="Arial" panose="020B0604020202020204" pitchFamily="34" charset="0"/>
-              <a:buChar char="•"/>
-              <a:defRPr sz="2000" kern="1200">
-                <a:solidFill>
-                  <a:schemeClr val="tx1"/>
-                </a:solidFill>
-                <a:effectLst>
-                  <a:outerShdw blurRad="152400" dist="38100" dir="2700000" algn="tl">
-                    <a:srgbClr val="000000">
-                      <a:alpha val="36000"/>
-                    </a:srgbClr>
-                  </a:outerShdw>
-                </a:effectLst>
-                <a:latin typeface="+mn-lt"/>
-                <a:ea typeface="+mn-ea"/>
-                <a:cs typeface="+mn-cs"/>
-              </a:defRPr>
-            </a:lvl2pPr>
-            <a:lvl3pPr marL="1143000" indent="-228600" algn="l" defTabSz="914400" rtl="0" eaLnBrk="1" latinLnBrk="0" hangingPunct="1">
-              <a:lnSpc>
-                <a:spcPct val="120000"/>
-              </a:lnSpc>
-              <a:spcBef>
-                <a:spcPts val="500"/>
-              </a:spcBef>
-              <a:buSzPct val="125000"/>
-              <a:buFont typeface="Arial" panose="020B0604020202020204" pitchFamily="34" charset="0"/>
-              <a:buChar char="•"/>
-              <a:defRPr sz="1800" kern="1200">
-                <a:solidFill>
-                  <a:schemeClr val="tx1"/>
-                </a:solidFill>
-                <a:effectLst>
-                  <a:outerShdw blurRad="152400" dist="38100" dir="2700000" algn="tl">
-                    <a:srgbClr val="000000">
-                      <a:alpha val="36000"/>
-                    </a:srgbClr>
-                  </a:outerShdw>
-                </a:effectLst>
-                <a:latin typeface="+mn-lt"/>
-                <a:ea typeface="+mn-ea"/>
-                <a:cs typeface="+mn-cs"/>
-              </a:defRPr>
-            </a:lvl3pPr>
-            <a:lvl4pPr marL="1600200" indent="-228600" algn="l" defTabSz="914400" rtl="0" eaLnBrk="1" latinLnBrk="0" hangingPunct="1">
-              <a:lnSpc>
-                <a:spcPct val="120000"/>
-              </a:lnSpc>
-              <a:spcBef>
-                <a:spcPts val="500"/>
-              </a:spcBef>
-              <a:buSzPct val="125000"/>
-              <a:buFont typeface="Arial" panose="020B0604020202020204" pitchFamily="34" charset="0"/>
-              <a:buChar char="•"/>
-              <a:defRPr sz="1600" kern="1200">
-                <a:solidFill>
-                  <a:schemeClr val="tx1"/>
-                </a:solidFill>
-                <a:effectLst>
-                  <a:outerShdw blurRad="152400" dist="38100" dir="2700000" algn="tl">
-                    <a:srgbClr val="000000">
-                      <a:alpha val="36000"/>
-                    </a:srgbClr>
-                  </a:outerShdw>
-                </a:effectLst>
-                <a:latin typeface="+mn-lt"/>
-                <a:ea typeface="+mn-ea"/>
-                <a:cs typeface="+mn-cs"/>
-              </a:defRPr>
-            </a:lvl4pPr>
-            <a:lvl5pPr marL="2057400" indent="-228600" algn="l" defTabSz="914400" rtl="0" eaLnBrk="1" latinLnBrk="0" hangingPunct="1">
-              <a:lnSpc>
-                <a:spcPct val="120000"/>
-              </a:lnSpc>
-              <a:spcBef>
-                <a:spcPts val="500"/>
-              </a:spcBef>
-              <a:buSzPct val="125000"/>
-              <a:buFont typeface="Arial" panose="020B0604020202020204" pitchFamily="34" charset="0"/>
-              <a:buChar char="•"/>
-              <a:defRPr sz="1600" kern="1200">
-                <a:solidFill>
-                  <a:schemeClr val="tx1"/>
-                </a:solidFill>
-                <a:effectLst>
-                  <a:outerShdw blurRad="152400" dist="38100" dir="2700000" algn="tl">
-                    <a:srgbClr val="000000">
-                      <a:alpha val="36000"/>
-                    </a:srgbClr>
-                  </a:outerShdw>
-                </a:effectLst>
-                <a:latin typeface="+mn-lt"/>
-                <a:ea typeface="+mn-ea"/>
-                <a:cs typeface="+mn-cs"/>
-              </a:defRPr>
-            </a:lvl5pPr>
-            <a:lvl6pPr marL="2514600" indent="-228600" algn="l" defTabSz="914400" rtl="0" eaLnBrk="1" latinLnBrk="0" hangingPunct="1">
-              <a:lnSpc>
-                <a:spcPct val="120000"/>
-              </a:lnSpc>
-              <a:spcBef>
-                <a:spcPts val="500"/>
-              </a:spcBef>
-              <a:buSzPct val="125000"/>
-              <a:buFont typeface="Arial" panose="020B0604020202020204" pitchFamily="34" charset="0"/>
-              <a:buChar char="•"/>
-              <a:defRPr sz="1400" kern="1200">
-                <a:solidFill>
-                  <a:schemeClr val="tx1"/>
-                </a:solidFill>
-                <a:latin typeface="+mn-lt"/>
-                <a:ea typeface="+mn-ea"/>
-                <a:cs typeface="+mn-cs"/>
-              </a:defRPr>
-            </a:lvl6pPr>
-            <a:lvl7pPr marL="2971800" indent="-228600" algn="l" defTabSz="914400" rtl="0" eaLnBrk="1" latinLnBrk="0" hangingPunct="1">
-              <a:lnSpc>
-                <a:spcPct val="120000"/>
-              </a:lnSpc>
-              <a:spcBef>
-                <a:spcPts val="500"/>
-              </a:spcBef>
-              <a:buSzPct val="125000"/>
-              <a:buFont typeface="Arial" panose="020B0604020202020204" pitchFamily="34" charset="0"/>
-              <a:buChar char="•"/>
-              <a:defRPr sz="1400" kern="1200">
-                <a:solidFill>
-                  <a:schemeClr val="tx1"/>
-                </a:solidFill>
-                <a:latin typeface="+mn-lt"/>
-                <a:ea typeface="+mn-ea"/>
-                <a:cs typeface="+mn-cs"/>
-              </a:defRPr>
-            </a:lvl7pPr>
-            <a:lvl8pPr marL="3429000" indent="-228600" algn="l" defTabSz="914400" rtl="0" eaLnBrk="1" latinLnBrk="0" hangingPunct="1">
-              <a:lnSpc>
-                <a:spcPct val="120000"/>
-              </a:lnSpc>
-              <a:spcBef>
-                <a:spcPts val="500"/>
-              </a:spcBef>
-              <a:buSzPct val="125000"/>
-              <a:buFont typeface="Arial" panose="020B0604020202020204" pitchFamily="34" charset="0"/>
-              <a:buChar char="•"/>
-              <a:defRPr sz="1400" kern="1200">
-                <a:solidFill>
-                  <a:schemeClr val="tx1"/>
-                </a:solidFill>
-                <a:latin typeface="+mn-lt"/>
-                <a:ea typeface="+mn-ea"/>
-                <a:cs typeface="+mn-cs"/>
-              </a:defRPr>
-            </a:lvl8pPr>
-            <a:lvl9pPr marL="3886200" indent="-228600" algn="l" defTabSz="914400" rtl="0" eaLnBrk="1" latinLnBrk="0" hangingPunct="1">
-              <a:lnSpc>
-                <a:spcPct val="120000"/>
-              </a:lnSpc>
-              <a:spcBef>
-                <a:spcPts val="500"/>
-              </a:spcBef>
-              <a:buSzPct val="125000"/>
-              <a:buFont typeface="Arial" panose="020B0604020202020204" pitchFamily="34" charset="0"/>
-              <a:buChar char="•"/>
-              <a:defRPr sz="1400" kern="1200">
-                <a:solidFill>
-                  <a:schemeClr val="tx1"/>
-                </a:solidFill>
-                <a:latin typeface="+mn-lt"/>
-                <a:ea typeface="+mn-ea"/>
-                <a:cs typeface="+mn-cs"/>
-              </a:defRPr>
-            </a:lvl9pPr>
-          </a:lstStyle>
-          <a:p>
-            <a:pPr marL="0" indent="0">
-              <a:buNone/>
-            </a:pPr>
-            <a:r>
-              <a:rPr lang="zh-TW" altLang="en-US" dirty="0">
-                <a:latin typeface="微軟正黑體 Light" panose="020B0304030504040204" pitchFamily="34" charset="-120"/>
-                <a:ea typeface="微軟正黑體 Light" panose="020B0304030504040204" pitchFamily="34" charset="-120"/>
-              </a:rPr>
-              <a:t>在觀看了大部分的訓練方式後我們這組最後選擇了</a:t>
-            </a:r>
-            <a:r>
-              <a:rPr lang="en-US" altLang="zh-TW" dirty="0">
-                <a:latin typeface="微軟正黑體 Light" panose="020B0304030504040204" pitchFamily="34" charset="-120"/>
-                <a:ea typeface="微軟正黑體 Light" panose="020B0304030504040204" pitchFamily="34" charset="-120"/>
-              </a:rPr>
-              <a:t>KNN</a:t>
-            </a:r>
-            <a:r>
-              <a:rPr lang="zh-TW" altLang="en-US" dirty="0">
-                <a:latin typeface="微軟正黑體 Light" panose="020B0304030504040204" pitchFamily="34" charset="-120"/>
-                <a:ea typeface="微軟正黑體 Light" panose="020B0304030504040204" pitchFamily="34" charset="-120"/>
-              </a:rPr>
-              <a:t>，</a:t>
-            </a:r>
-            <a:r>
-              <a:rPr lang="en-US" altLang="zh-TW" dirty="0">
-                <a:latin typeface="微軟正黑體 Light" panose="020B0304030504040204" pitchFamily="34" charset="-120"/>
-                <a:ea typeface="微軟正黑體 Light" panose="020B0304030504040204" pitchFamily="34" charset="-120"/>
-              </a:rPr>
-              <a:t/>
-            </a:r>
-            <a:br>
-              <a:rPr lang="en-US" altLang="zh-TW" dirty="0">
-                <a:latin typeface="微軟正黑體 Light" panose="020B0304030504040204" pitchFamily="34" charset="-120"/>
-                <a:ea typeface="微軟正黑體 Light" panose="020B0304030504040204" pitchFamily="34" charset="-120"/>
-              </a:rPr>
-            </a:br>
-            <a:r>
-              <a:rPr lang="zh-TW" altLang="en-US" dirty="0">
-                <a:latin typeface="微軟正黑體 Light" panose="020B0304030504040204" pitchFamily="34" charset="-120"/>
-                <a:ea typeface="微軟正黑體 Light" panose="020B0304030504040204" pitchFamily="34" charset="-120"/>
-              </a:rPr>
-              <a:t>雖然當初想要使用</a:t>
-            </a:r>
-            <a:r>
-              <a:rPr lang="en-US" altLang="zh-TW" dirty="0">
-                <a:latin typeface="微軟正黑體 Light" panose="020B0304030504040204" pitchFamily="34" charset="-120"/>
-                <a:ea typeface="微軟正黑體 Light" panose="020B0304030504040204" pitchFamily="34" charset="-120"/>
-              </a:rPr>
-              <a:t>Q learning</a:t>
-            </a:r>
-            <a:r>
-              <a:rPr lang="zh-TW" altLang="en-US" dirty="0">
-                <a:latin typeface="微軟正黑體 Light" panose="020B0304030504040204" pitchFamily="34" charset="-120"/>
-                <a:ea typeface="微軟正黑體 Light" panose="020B0304030504040204" pitchFamily="34" charset="-120"/>
-              </a:rPr>
-              <a:t>，</a:t>
-            </a:r>
-            <a:r>
-              <a:rPr lang="en-US" altLang="zh-TW" dirty="0">
-                <a:latin typeface="微軟正黑體 Light" panose="020B0304030504040204" pitchFamily="34" charset="-120"/>
-                <a:ea typeface="微軟正黑體 Light" panose="020B0304030504040204" pitchFamily="34" charset="-120"/>
-              </a:rPr>
-              <a:t/>
-            </a:r>
-            <a:br>
-              <a:rPr lang="en-US" altLang="zh-TW" dirty="0">
-                <a:latin typeface="微軟正黑體 Light" panose="020B0304030504040204" pitchFamily="34" charset="-120"/>
-                <a:ea typeface="微軟正黑體 Light" panose="020B0304030504040204" pitchFamily="34" charset="-120"/>
-              </a:rPr>
-            </a:br>
-            <a:r>
-              <a:rPr lang="zh-TW" altLang="en-US" dirty="0">
-                <a:latin typeface="微軟正黑體 Light" panose="020B0304030504040204" pitchFamily="34" charset="-120"/>
-                <a:ea typeface="微軟正黑體 Light" panose="020B0304030504040204" pitchFamily="34" charset="-120"/>
-              </a:rPr>
-              <a:t>但因為相比其他的訓練方式，</a:t>
-            </a:r>
-            <a:r>
-              <a:rPr lang="en-US" altLang="zh-TW" dirty="0">
-                <a:latin typeface="微軟正黑體 Light" panose="020B0304030504040204" pitchFamily="34" charset="-120"/>
-                <a:ea typeface="微軟正黑體 Light" panose="020B0304030504040204" pitchFamily="34" charset="-120"/>
-              </a:rPr>
-              <a:t/>
-            </a:r>
-            <a:br>
-              <a:rPr lang="en-US" altLang="zh-TW" dirty="0">
-                <a:latin typeface="微軟正黑體 Light" panose="020B0304030504040204" pitchFamily="34" charset="-120"/>
-                <a:ea typeface="微軟正黑體 Light" panose="020B0304030504040204" pitchFamily="34" charset="-120"/>
-              </a:rPr>
-            </a:br>
-            <a:r>
-              <a:rPr lang="zh-TW" altLang="en-US" dirty="0">
-                <a:latin typeface="微軟正黑體 Light" panose="020B0304030504040204" pitchFamily="34" charset="-120"/>
-                <a:ea typeface="微軟正黑體 Light" panose="020B0304030504040204" pitchFamily="34" charset="-120"/>
-              </a:rPr>
-              <a:t>我們對於</a:t>
-            </a:r>
-            <a:r>
-              <a:rPr lang="en-US" altLang="zh-TW" dirty="0">
-                <a:latin typeface="微軟正黑體 Light" panose="020B0304030504040204" pitchFamily="34" charset="-120"/>
-                <a:ea typeface="微軟正黑體 Light" panose="020B0304030504040204" pitchFamily="34" charset="-120"/>
-              </a:rPr>
-              <a:t>KNN</a:t>
-            </a:r>
-            <a:r>
-              <a:rPr lang="zh-TW" altLang="en-US" dirty="0">
-                <a:latin typeface="微軟正黑體 Light" panose="020B0304030504040204" pitchFamily="34" charset="-120"/>
-                <a:ea typeface="微軟正黑體 Light" panose="020B0304030504040204" pitchFamily="34" charset="-120"/>
-              </a:rPr>
-              <a:t>的使用方式較為熟悉。</a:t>
-            </a:r>
-            <a:endParaRPr lang="en-US" altLang="zh-TW" dirty="0">
-              <a:latin typeface="微軟正黑體 Light" panose="020B0304030504040204" pitchFamily="34" charset="-120"/>
-              <a:ea typeface="微軟正黑體 Light" panose="020B0304030504040204" pitchFamily="34" charset="-120"/>
-            </a:endParaRPr>
+          <a:lstStyle/>
+          <a:p>
+            <a:r>
+              <a:rPr lang="zh-TW" altLang="en-US" sz="2800" dirty="0">
+                <a:latin typeface="標楷體" panose="03000509000000000000" pitchFamily="65" charset="-120"/>
+                <a:ea typeface="標楷體" panose="03000509000000000000" pitchFamily="65" charset="-120"/>
+              </a:rPr>
+              <a:t>優點</a:t>
+            </a:r>
+          </a:p>
+        </p:txBody>
+      </p:sp>
+      <p:sp>
+        <p:nvSpPr>
+          <p:cNvPr id="6" name="文字方塊 5">
+            <a:extLst>
+              <a:ext uri="{FF2B5EF4-FFF2-40B4-BE49-F238E27FC236}">
+                <a16:creationId xmlns:a16="http://schemas.microsoft.com/office/drawing/2014/main" id="{08977C70-7133-4563-ABF7-F15BFEDF7790}"/>
+              </a:ext>
+            </a:extLst>
+          </p:cNvPr>
+          <p:cNvSpPr txBox="1"/>
+          <p:nvPr/>
+        </p:nvSpPr>
+        <p:spPr>
+          <a:xfrm>
+            <a:off x="1130332" y="3480265"/>
+            <a:ext cx="902811" cy="523220"/>
+          </a:xfrm>
+          <a:prstGeom prst="rect">
+            <a:avLst/>
+          </a:prstGeom>
+          <a:noFill/>
+        </p:spPr>
+        <p:txBody>
+          <a:bodyPr wrap="none" rtlCol="0">
+            <a:spAutoFit/>
+          </a:bodyPr>
+          <a:lstStyle/>
+          <a:p>
+            <a:r>
+              <a:rPr lang="zh-TW" altLang="en-US" sz="2800" dirty="0">
+                <a:latin typeface="標楷體" panose="03000509000000000000" pitchFamily="65" charset="-120"/>
+                <a:ea typeface="標楷體" panose="03000509000000000000" pitchFamily="65" charset="-120"/>
+              </a:rPr>
+              <a:t>缺點</a:t>
+            </a:r>
+          </a:p>
+        </p:txBody>
+      </p:sp>
+      <p:sp>
+        <p:nvSpPr>
+          <p:cNvPr id="7" name="文字方塊 6">
+            <a:extLst>
+              <a:ext uri="{FF2B5EF4-FFF2-40B4-BE49-F238E27FC236}">
+                <a16:creationId xmlns:a16="http://schemas.microsoft.com/office/drawing/2014/main" id="{8DE09299-C9CD-4BD3-88A0-1438D0004CE6}"/>
+              </a:ext>
+            </a:extLst>
+          </p:cNvPr>
+          <p:cNvSpPr txBox="1"/>
+          <p:nvPr/>
+        </p:nvSpPr>
+        <p:spPr>
+          <a:xfrm>
+            <a:off x="1727041" y="4077050"/>
+            <a:ext cx="8589211" cy="1015663"/>
+          </a:xfrm>
+          <a:prstGeom prst="rect">
+            <a:avLst/>
+          </a:prstGeom>
+          <a:noFill/>
+        </p:spPr>
+        <p:txBody>
+          <a:bodyPr wrap="none" rtlCol="0">
+            <a:spAutoFit/>
+          </a:bodyPr>
+          <a:lstStyle/>
+          <a:p>
+            <a:pPr fontAlgn="base"/>
+            <a:r>
+              <a:rPr lang="en-US" altLang="zh-TW" sz="2000" dirty="0">
+                <a:latin typeface="微軟正黑體" panose="020B0604030504040204" pitchFamily="34" charset="-120"/>
+                <a:ea typeface="微軟正黑體" panose="020B0604030504040204" pitchFamily="34" charset="-120"/>
+              </a:rPr>
+              <a:t>1.</a:t>
+            </a:r>
+            <a:r>
+              <a:rPr lang="zh-TW" altLang="en-US" sz="2000" dirty="0">
+                <a:latin typeface="微軟正黑體" panose="020B0604030504040204" pitchFamily="34" charset="-120"/>
+                <a:ea typeface="微軟正黑體" panose="020B0604030504040204" pitchFamily="34" charset="-120"/>
+              </a:rPr>
+              <a:t>計算量大，尤其是特徵數非常多的時候</a:t>
+            </a:r>
+          </a:p>
+          <a:p>
+            <a:pPr fontAlgn="base"/>
+            <a:r>
+              <a:rPr lang="en-US" altLang="zh-TW" sz="2000" dirty="0">
+                <a:latin typeface="微軟正黑體" panose="020B0604030504040204" pitchFamily="34" charset="-120"/>
+                <a:ea typeface="微軟正黑體" panose="020B0604030504040204" pitchFamily="34" charset="-120"/>
+              </a:rPr>
+              <a:t>2.</a:t>
+            </a:r>
+            <a:r>
+              <a:rPr lang="zh-TW" altLang="en-US" sz="2000" dirty="0">
+                <a:latin typeface="微軟正黑體" panose="020B0604030504040204" pitchFamily="34" charset="-120"/>
+                <a:ea typeface="微軟正黑體" panose="020B0604030504040204" pitchFamily="34" charset="-120"/>
+              </a:rPr>
+              <a:t>樣本不平衡的時候，對稀有類別的預測準確率低</a:t>
+            </a:r>
+          </a:p>
+          <a:p>
+            <a:pPr fontAlgn="base"/>
+            <a:r>
+              <a:rPr lang="en-US" altLang="zh-TW" sz="2000" dirty="0">
+                <a:latin typeface="微軟正黑體" panose="020B0604030504040204" pitchFamily="34" charset="-120"/>
+                <a:ea typeface="微軟正黑體" panose="020B0604030504040204" pitchFamily="34" charset="-120"/>
+              </a:rPr>
+              <a:t>3.</a:t>
+            </a:r>
+            <a:r>
+              <a:rPr lang="zh-TW" altLang="en-US" sz="2000" dirty="0">
+                <a:latin typeface="微軟正黑體" panose="020B0604030504040204" pitchFamily="34" charset="-120"/>
+                <a:ea typeface="微軟正黑體" panose="020B0604030504040204" pitchFamily="34" charset="-120"/>
+              </a:rPr>
+              <a:t>是慵懶散學習方法，基本上不學習，導致預測時速度比起其他演算法慢</a:t>
+            </a:r>
           </a:p>
         </p:txBody>
       </p:sp>
     </p:spTree>
     <p:extLst>
       <p:ext uri="{BB962C8B-B14F-4D97-AF65-F5344CB8AC3E}">
-        <p14:creationId xmlns:p14="http://schemas.microsoft.com/office/powerpoint/2010/main" val="3027567513"/>
+        <p14:creationId xmlns:p14="http://schemas.microsoft.com/office/powerpoint/2010/main" val="2107373396"/>
       </p:ext>
     </p:extLst>
   </p:cSld>
@@ -18534,7 +19339,13 @@
       </p:grpSpPr>
       <p:sp>
         <p:nvSpPr>
-          <p:cNvPr id="2" name="標題 1"/>
+          <p:cNvPr id="4" name="標題 1">
+            <a:extLst>
+              <a:ext uri="{FF2B5EF4-FFF2-40B4-BE49-F238E27FC236}">
+                <a16:creationId xmlns:a16="http://schemas.microsoft.com/office/drawing/2014/main" id="{2EDA2CD3-8AAE-4F58-8A0A-36AE0FE4B94D}"/>
+              </a:ext>
+            </a:extLst>
+          </p:cNvPr>
           <p:cNvSpPr>
             <a:spLocks noGrp="1"/>
           </p:cNvSpPr>
@@ -18542,310 +19353,1230 @@
             <p:ph type="title"/>
           </p:nvPr>
         </p:nvSpPr>
-        <p:spPr/>
+        <p:spPr>
+          <a:xfrm>
+            <a:off x="1141413" y="618518"/>
+            <a:ext cx="9905998" cy="1478570"/>
+          </a:xfrm>
+        </p:spPr>
         <p:txBody>
           <a:bodyPr/>
           <a:lstStyle/>
           <a:p>
             <a:r>
-              <a:rPr lang="zh-TW" altLang="en-US" dirty="0">
+              <a:rPr lang="zh-TW" altLang="en-US" dirty="0" smtClean="0">
                 <a:latin typeface="微軟正黑體" panose="020B0604030504040204" pitchFamily="34" charset="-120"/>
                 <a:ea typeface="微軟正黑體" panose="020B0604030504040204" pitchFamily="34" charset="-120"/>
               </a:rPr>
-              <a:t>分析 </a:t>
-            </a:r>
-            <a:r>
-              <a:rPr lang="en-US" altLang="zh-TW" dirty="0">
-                <a:latin typeface="微軟正黑體" panose="020B0604030504040204" pitchFamily="34" charset="-120"/>
-                <a:ea typeface="微軟正黑體" panose="020B0604030504040204" pitchFamily="34" charset="-120"/>
-              </a:rPr>
-              <a:t>—</a:t>
-            </a:r>
-            <a:r>
-              <a:rPr lang="zh-TW" altLang="en-US" dirty="0">
-                <a:latin typeface="微軟正黑體" panose="020B0604030504040204" pitchFamily="34" charset="-120"/>
-                <a:ea typeface="微軟正黑體" panose="020B0604030504040204" pitchFamily="34" charset="-120"/>
-              </a:rPr>
-              <a:t> </a:t>
-            </a:r>
-            <a:r>
-              <a:rPr lang="zh-TW" altLang="en-US" sz="3200" dirty="0">
-                <a:latin typeface="微軟正黑體" panose="020B0604030504040204" pitchFamily="34" charset="-120"/>
-                <a:ea typeface="微軟正黑體" panose="020B0604030504040204" pitchFamily="34" charset="-120"/>
-              </a:rPr>
-              <a:t>訓練方法</a:t>
-            </a:r>
+              <a:t>分析</a:t>
+            </a:r>
+            <a:endParaRPr lang="zh-TW" altLang="en-US" sz="3200" dirty="0">
+              <a:latin typeface="微軟正黑體" panose="020B0604030504040204" pitchFamily="34" charset="-120"/>
+              <a:ea typeface="微軟正黑體" panose="020B0604030504040204" pitchFamily="34" charset="-120"/>
+            </a:endParaRPr>
           </a:p>
         </p:txBody>
       </p:sp>
       <p:sp>
         <p:nvSpPr>
-          <p:cNvPr id="12" name="內容版面配置區 2"/>
-          <p:cNvSpPr txBox="1">
-            <a:spLocks/>
-          </p:cNvSpPr>
+          <p:cNvPr id="8" name="圓角矩形 7"/>
+          <p:cNvSpPr/>
           <p:nvPr/>
         </p:nvSpPr>
         <p:spPr>
           <a:xfrm>
-            <a:off x="999331" y="1838752"/>
-            <a:ext cx="9905999" cy="3541714"/>
+            <a:off x="5451645" y="1643970"/>
+            <a:ext cx="1215686" cy="560387"/>
+          </a:xfrm>
+          <a:prstGeom prst="roundRect">
+            <a:avLst/>
+          </a:prstGeom>
+          <a:solidFill>
+            <a:srgbClr val="00B0F0"/>
+          </a:solidFill>
+          <a:ln>
+            <a:solidFill>
+              <a:srgbClr val="0070C0"/>
+            </a:solidFill>
+          </a:ln>
+        </p:spPr>
+        <p:style>
+          <a:lnRef idx="2">
+            <a:schemeClr val="accent1">
+              <a:shade val="50000"/>
+            </a:schemeClr>
+          </a:lnRef>
+          <a:fillRef idx="1">
+            <a:schemeClr val="accent1"/>
+          </a:fillRef>
+          <a:effectRef idx="0">
+            <a:schemeClr val="accent1"/>
+          </a:effectRef>
+          <a:fontRef idx="minor">
+            <a:schemeClr val="lt1"/>
+          </a:fontRef>
+        </p:style>
+        <p:txBody>
+          <a:bodyPr rtlCol="0" anchor="ctr"/>
+          <a:lstStyle/>
+          <a:p>
+            <a:pPr algn="ctr"/>
+            <a:r>
+              <a:rPr lang="zh-TW" altLang="en-US" sz="2400" dirty="0" smtClean="0">
+                <a:latin typeface="微軟正黑體" panose="020B0604030504040204" pitchFamily="34" charset="-120"/>
+                <a:ea typeface="微軟正黑體" panose="020B0604030504040204" pitchFamily="34" charset="-120"/>
+              </a:rPr>
+              <a:t>系統</a:t>
+            </a:r>
+            <a:endParaRPr lang="zh-TW" altLang="en-US" sz="2400" dirty="0">
+              <a:latin typeface="微軟正黑體" panose="020B0604030504040204" pitchFamily="34" charset="-120"/>
+              <a:ea typeface="微軟正黑體" panose="020B0604030504040204" pitchFamily="34" charset="-120"/>
+            </a:endParaRPr>
+          </a:p>
+        </p:txBody>
+      </p:sp>
+      <p:sp>
+        <p:nvSpPr>
+          <p:cNvPr id="9" name="圓角矩形 8"/>
+          <p:cNvSpPr/>
+          <p:nvPr/>
+        </p:nvSpPr>
+        <p:spPr>
+          <a:xfrm>
+            <a:off x="5451645" y="2669422"/>
+            <a:ext cx="1215686" cy="560387"/>
+          </a:xfrm>
+          <a:prstGeom prst="roundRect">
+            <a:avLst/>
+          </a:prstGeom>
+          <a:solidFill>
+            <a:srgbClr val="00B0F0"/>
+          </a:solidFill>
+          <a:ln>
+            <a:solidFill>
+              <a:srgbClr val="0070C0"/>
+            </a:solidFill>
+          </a:ln>
+        </p:spPr>
+        <p:style>
+          <a:lnRef idx="2">
+            <a:schemeClr val="accent1">
+              <a:shade val="50000"/>
+            </a:schemeClr>
+          </a:lnRef>
+          <a:fillRef idx="1">
+            <a:schemeClr val="accent1"/>
+          </a:fillRef>
+          <a:effectRef idx="0">
+            <a:schemeClr val="accent1"/>
+          </a:effectRef>
+          <a:fontRef idx="minor">
+            <a:schemeClr val="lt1"/>
+          </a:fontRef>
+        </p:style>
+        <p:txBody>
+          <a:bodyPr rtlCol="0" anchor="ctr"/>
+          <a:lstStyle/>
+          <a:p>
+            <a:pPr algn="ctr"/>
+            <a:r>
+              <a:rPr lang="zh-TW" altLang="en-US" sz="2400" dirty="0" smtClean="0">
+                <a:latin typeface="微軟正黑體" panose="020B0604030504040204" pitchFamily="34" charset="-120"/>
+                <a:ea typeface="微軟正黑體" panose="020B0604030504040204" pitchFamily="34" charset="-120"/>
+              </a:rPr>
+              <a:t>訓練</a:t>
+            </a:r>
+            <a:endParaRPr lang="zh-TW" altLang="en-US" sz="2400" dirty="0">
+              <a:latin typeface="微軟正黑體" panose="020B0604030504040204" pitchFamily="34" charset="-120"/>
+              <a:ea typeface="微軟正黑體" panose="020B0604030504040204" pitchFamily="34" charset="-120"/>
+            </a:endParaRPr>
+          </a:p>
+        </p:txBody>
+      </p:sp>
+      <p:sp>
+        <p:nvSpPr>
+          <p:cNvPr id="10" name="圓角矩形 9"/>
+          <p:cNvSpPr/>
+          <p:nvPr/>
+        </p:nvSpPr>
+        <p:spPr>
+          <a:xfrm>
+            <a:off x="1336845" y="2669422"/>
+            <a:ext cx="2074570" cy="560387"/>
+          </a:xfrm>
+          <a:prstGeom prst="roundRect">
+            <a:avLst/>
+          </a:prstGeom>
+          <a:solidFill>
+            <a:srgbClr val="00B0F0"/>
+          </a:solidFill>
+          <a:ln>
+            <a:solidFill>
+              <a:srgbClr val="0070C0"/>
+            </a:solidFill>
+          </a:ln>
+        </p:spPr>
+        <p:style>
+          <a:lnRef idx="2">
+            <a:schemeClr val="accent1">
+              <a:shade val="50000"/>
+            </a:schemeClr>
+          </a:lnRef>
+          <a:fillRef idx="1">
+            <a:schemeClr val="accent1"/>
+          </a:fillRef>
+          <a:effectRef idx="0">
+            <a:schemeClr val="accent1"/>
+          </a:effectRef>
+          <a:fontRef idx="minor">
+            <a:schemeClr val="lt1"/>
+          </a:fontRef>
+        </p:style>
+        <p:txBody>
+          <a:bodyPr rtlCol="0" anchor="ctr"/>
+          <a:lstStyle/>
+          <a:p>
+            <a:pPr algn="ctr"/>
+            <a:r>
+              <a:rPr lang="zh-TW" altLang="en-US" sz="2400" dirty="0" smtClean="0">
+                <a:latin typeface="微軟正黑體" panose="020B0604030504040204" pitchFamily="34" charset="-120"/>
+                <a:ea typeface="微軟正黑體" panose="020B0604030504040204" pitchFamily="34" charset="-120"/>
+              </a:rPr>
+              <a:t>建立基礎資料</a:t>
+            </a:r>
+            <a:endParaRPr lang="zh-TW" altLang="en-US" sz="2400" dirty="0">
+              <a:latin typeface="微軟正黑體" panose="020B0604030504040204" pitchFamily="34" charset="-120"/>
+              <a:ea typeface="微軟正黑體" panose="020B0604030504040204" pitchFamily="34" charset="-120"/>
+            </a:endParaRPr>
+          </a:p>
+        </p:txBody>
+      </p:sp>
+      <p:sp>
+        <p:nvSpPr>
+          <p:cNvPr id="12" name="矩形 11"/>
+          <p:cNvSpPr/>
+          <p:nvPr/>
+        </p:nvSpPr>
+        <p:spPr>
+          <a:xfrm>
+            <a:off x="808894" y="3868615"/>
+            <a:ext cx="1277814" cy="586154"/>
           </a:xfrm>
           <a:prstGeom prst="rect">
             <a:avLst/>
           </a:prstGeom>
+          <a:solidFill>
+            <a:srgbClr val="00B0F0"/>
+          </a:solidFill>
+          <a:ln>
+            <a:solidFill>
+              <a:srgbClr val="0070C0"/>
+            </a:solidFill>
+          </a:ln>
         </p:spPr>
+        <p:style>
+          <a:lnRef idx="2">
+            <a:schemeClr val="accent1">
+              <a:shade val="50000"/>
+            </a:schemeClr>
+          </a:lnRef>
+          <a:fillRef idx="1">
+            <a:schemeClr val="accent1"/>
+          </a:fillRef>
+          <a:effectRef idx="0">
+            <a:schemeClr val="accent1"/>
+          </a:effectRef>
+          <a:fontRef idx="minor">
+            <a:schemeClr val="lt1"/>
+          </a:fontRef>
+        </p:style>
         <p:txBody>
-          <a:bodyPr vert="horz" lIns="91440" tIns="45720" rIns="91440" bIns="45720" rtlCol="0">
-            <a:normAutofit/>
-          </a:bodyPr>
-          <a:lstStyle>
-            <a:lvl1pPr marL="228600" indent="-228600" algn="l" defTabSz="914400" rtl="0" eaLnBrk="1" latinLnBrk="0" hangingPunct="1">
-              <a:lnSpc>
-                <a:spcPct val="120000"/>
-              </a:lnSpc>
-              <a:spcBef>
-                <a:spcPts val="1000"/>
-              </a:spcBef>
-              <a:buSzPct val="125000"/>
-              <a:buFont typeface="Arial" panose="020B0604020202020204" pitchFamily="34" charset="0"/>
-              <a:buChar char="•"/>
-              <a:defRPr sz="2400" kern="1200">
-                <a:solidFill>
-                  <a:schemeClr val="tx1"/>
-                </a:solidFill>
-                <a:effectLst>
-                  <a:outerShdw blurRad="152400" dist="38100" dir="2700000" algn="tl">
-                    <a:srgbClr val="000000">
-                      <a:alpha val="36000"/>
-                    </a:srgbClr>
-                  </a:outerShdw>
-                </a:effectLst>
-                <a:latin typeface="+mn-lt"/>
-                <a:ea typeface="+mn-ea"/>
-                <a:cs typeface="+mn-cs"/>
-              </a:defRPr>
-            </a:lvl1pPr>
-            <a:lvl2pPr marL="685800" indent="-228600" algn="l" defTabSz="914400" rtl="0" eaLnBrk="1" latinLnBrk="0" hangingPunct="1">
-              <a:lnSpc>
-                <a:spcPct val="120000"/>
-              </a:lnSpc>
-              <a:spcBef>
-                <a:spcPts val="500"/>
-              </a:spcBef>
-              <a:buSzPct val="125000"/>
-              <a:buFont typeface="Arial" panose="020B0604020202020204" pitchFamily="34" charset="0"/>
-              <a:buChar char="•"/>
-              <a:defRPr sz="2000" kern="1200">
-                <a:solidFill>
-                  <a:schemeClr val="tx1"/>
-                </a:solidFill>
-                <a:effectLst>
-                  <a:outerShdw blurRad="152400" dist="38100" dir="2700000" algn="tl">
-                    <a:srgbClr val="000000">
-                      <a:alpha val="36000"/>
-                    </a:srgbClr>
-                  </a:outerShdw>
-                </a:effectLst>
-                <a:latin typeface="+mn-lt"/>
-                <a:ea typeface="+mn-ea"/>
-                <a:cs typeface="+mn-cs"/>
-              </a:defRPr>
-            </a:lvl2pPr>
-            <a:lvl3pPr marL="1143000" indent="-228600" algn="l" defTabSz="914400" rtl="0" eaLnBrk="1" latinLnBrk="0" hangingPunct="1">
-              <a:lnSpc>
-                <a:spcPct val="120000"/>
-              </a:lnSpc>
-              <a:spcBef>
-                <a:spcPts val="500"/>
-              </a:spcBef>
-              <a:buSzPct val="125000"/>
-              <a:buFont typeface="Arial" panose="020B0604020202020204" pitchFamily="34" charset="0"/>
-              <a:buChar char="•"/>
-              <a:defRPr sz="1800" kern="1200">
-                <a:solidFill>
-                  <a:schemeClr val="tx1"/>
-                </a:solidFill>
-                <a:effectLst>
-                  <a:outerShdw blurRad="152400" dist="38100" dir="2700000" algn="tl">
-                    <a:srgbClr val="000000">
-                      <a:alpha val="36000"/>
-                    </a:srgbClr>
-                  </a:outerShdw>
-                </a:effectLst>
-                <a:latin typeface="+mn-lt"/>
-                <a:ea typeface="+mn-ea"/>
-                <a:cs typeface="+mn-cs"/>
-              </a:defRPr>
-            </a:lvl3pPr>
-            <a:lvl4pPr marL="1600200" indent="-228600" algn="l" defTabSz="914400" rtl="0" eaLnBrk="1" latinLnBrk="0" hangingPunct="1">
-              <a:lnSpc>
-                <a:spcPct val="120000"/>
-              </a:lnSpc>
-              <a:spcBef>
-                <a:spcPts val="500"/>
-              </a:spcBef>
-              <a:buSzPct val="125000"/>
-              <a:buFont typeface="Arial" panose="020B0604020202020204" pitchFamily="34" charset="0"/>
-              <a:buChar char="•"/>
-              <a:defRPr sz="1600" kern="1200">
-                <a:solidFill>
-                  <a:schemeClr val="tx1"/>
-                </a:solidFill>
-                <a:effectLst>
-                  <a:outerShdw blurRad="152400" dist="38100" dir="2700000" algn="tl">
-                    <a:srgbClr val="000000">
-                      <a:alpha val="36000"/>
-                    </a:srgbClr>
-                  </a:outerShdw>
-                </a:effectLst>
-                <a:latin typeface="+mn-lt"/>
-                <a:ea typeface="+mn-ea"/>
-                <a:cs typeface="+mn-cs"/>
-              </a:defRPr>
-            </a:lvl4pPr>
-            <a:lvl5pPr marL="2057400" indent="-228600" algn="l" defTabSz="914400" rtl="0" eaLnBrk="1" latinLnBrk="0" hangingPunct="1">
-              <a:lnSpc>
-                <a:spcPct val="120000"/>
-              </a:lnSpc>
-              <a:spcBef>
-                <a:spcPts val="500"/>
-              </a:spcBef>
-              <a:buSzPct val="125000"/>
-              <a:buFont typeface="Arial" panose="020B0604020202020204" pitchFamily="34" charset="0"/>
-              <a:buChar char="•"/>
-              <a:defRPr sz="1600" kern="1200">
-                <a:solidFill>
-                  <a:schemeClr val="tx1"/>
-                </a:solidFill>
-                <a:effectLst>
-                  <a:outerShdw blurRad="152400" dist="38100" dir="2700000" algn="tl">
-                    <a:srgbClr val="000000">
-                      <a:alpha val="36000"/>
-                    </a:srgbClr>
-                  </a:outerShdw>
-                </a:effectLst>
-                <a:latin typeface="+mn-lt"/>
-                <a:ea typeface="+mn-ea"/>
-                <a:cs typeface="+mn-cs"/>
-              </a:defRPr>
-            </a:lvl5pPr>
-            <a:lvl6pPr marL="2514600" indent="-228600" algn="l" defTabSz="914400" rtl="0" eaLnBrk="1" latinLnBrk="0" hangingPunct="1">
-              <a:lnSpc>
-                <a:spcPct val="120000"/>
-              </a:lnSpc>
-              <a:spcBef>
-                <a:spcPts val="500"/>
-              </a:spcBef>
-              <a:buSzPct val="125000"/>
-              <a:buFont typeface="Arial" panose="020B0604020202020204" pitchFamily="34" charset="0"/>
-              <a:buChar char="•"/>
-              <a:defRPr sz="1400" kern="1200">
-                <a:solidFill>
-                  <a:schemeClr val="tx1"/>
-                </a:solidFill>
-                <a:latin typeface="+mn-lt"/>
-                <a:ea typeface="+mn-ea"/>
-                <a:cs typeface="+mn-cs"/>
-              </a:defRPr>
-            </a:lvl6pPr>
-            <a:lvl7pPr marL="2971800" indent="-228600" algn="l" defTabSz="914400" rtl="0" eaLnBrk="1" latinLnBrk="0" hangingPunct="1">
-              <a:lnSpc>
-                <a:spcPct val="120000"/>
-              </a:lnSpc>
-              <a:spcBef>
-                <a:spcPts val="500"/>
-              </a:spcBef>
-              <a:buSzPct val="125000"/>
-              <a:buFont typeface="Arial" panose="020B0604020202020204" pitchFamily="34" charset="0"/>
-              <a:buChar char="•"/>
-              <a:defRPr sz="1400" kern="1200">
-                <a:solidFill>
-                  <a:schemeClr val="tx1"/>
-                </a:solidFill>
-                <a:latin typeface="+mn-lt"/>
-                <a:ea typeface="+mn-ea"/>
-                <a:cs typeface="+mn-cs"/>
-              </a:defRPr>
-            </a:lvl7pPr>
-            <a:lvl8pPr marL="3429000" indent="-228600" algn="l" defTabSz="914400" rtl="0" eaLnBrk="1" latinLnBrk="0" hangingPunct="1">
-              <a:lnSpc>
-                <a:spcPct val="120000"/>
-              </a:lnSpc>
-              <a:spcBef>
-                <a:spcPts val="500"/>
-              </a:spcBef>
-              <a:buSzPct val="125000"/>
-              <a:buFont typeface="Arial" panose="020B0604020202020204" pitchFamily="34" charset="0"/>
-              <a:buChar char="•"/>
-              <a:defRPr sz="1400" kern="1200">
-                <a:solidFill>
-                  <a:schemeClr val="tx1"/>
-                </a:solidFill>
-                <a:latin typeface="+mn-lt"/>
-                <a:ea typeface="+mn-ea"/>
-                <a:cs typeface="+mn-cs"/>
-              </a:defRPr>
-            </a:lvl8pPr>
-            <a:lvl9pPr marL="3886200" indent="-228600" algn="l" defTabSz="914400" rtl="0" eaLnBrk="1" latinLnBrk="0" hangingPunct="1">
-              <a:lnSpc>
-                <a:spcPct val="120000"/>
-              </a:lnSpc>
-              <a:spcBef>
-                <a:spcPts val="500"/>
-              </a:spcBef>
-              <a:buSzPct val="125000"/>
-              <a:buFont typeface="Arial" panose="020B0604020202020204" pitchFamily="34" charset="0"/>
-              <a:buChar char="•"/>
-              <a:defRPr sz="1400" kern="1200">
-                <a:solidFill>
-                  <a:schemeClr val="tx1"/>
-                </a:solidFill>
-                <a:latin typeface="+mn-lt"/>
-                <a:ea typeface="+mn-ea"/>
-                <a:cs typeface="+mn-cs"/>
-              </a:defRPr>
-            </a:lvl9pPr>
-          </a:lstStyle>
-          <a:p>
-            <a:pPr marL="0" indent="0">
-              <a:buNone/>
-            </a:pPr>
-            <a:endParaRPr lang="en-US" altLang="zh-TW" dirty="0">
-              <a:latin typeface="微軟正黑體 Light" panose="020B0304030504040204" pitchFamily="34" charset="-120"/>
-              <a:ea typeface="微軟正黑體 Light" panose="020B0304030504040204" pitchFamily="34" charset="-120"/>
+          <a:bodyPr rtlCol="0" anchor="ctr"/>
+          <a:lstStyle/>
+          <a:p>
+            <a:pPr algn="ctr"/>
+            <a:r>
+              <a:rPr lang="en-US" altLang="zh-TW" sz="1900" dirty="0" smtClean="0">
+                <a:latin typeface="微軟正黑體" panose="020B0604030504040204" pitchFamily="34" charset="-120"/>
+                <a:ea typeface="微軟正黑體" panose="020B0604030504040204" pitchFamily="34" charset="-120"/>
+              </a:rPr>
+              <a:t>Rule Base</a:t>
+            </a:r>
+            <a:endParaRPr lang="zh-TW" altLang="en-US" sz="1900" dirty="0">
+              <a:latin typeface="微軟正黑體" panose="020B0604030504040204" pitchFamily="34" charset="-120"/>
+              <a:ea typeface="微軟正黑體" panose="020B0604030504040204" pitchFamily="34" charset="-120"/>
             </a:endParaRPr>
           </a:p>
         </p:txBody>
       </p:sp>
-      <p:pic>
-        <p:nvPicPr>
-          <p:cNvPr id="3" name="圖片 2"/>
-          <p:cNvPicPr>
-            <a:picLocks noChangeAspect="1"/>
-          </p:cNvPicPr>
+      <p:sp>
+        <p:nvSpPr>
+          <p:cNvPr id="13" name="矩形 12"/>
+          <p:cNvSpPr/>
           <p:nvPr/>
-        </p:nvPicPr>
-        <p:blipFill>
-          <a:blip r:embed="rId2"/>
-          <a:stretch>
-            <a:fillRect/>
-          </a:stretch>
-        </p:blipFill>
+        </p:nvSpPr>
         <p:spPr>
           <a:xfrm>
-            <a:off x="999331" y="1677360"/>
-            <a:ext cx="9909174" cy="4883354"/>
+            <a:off x="2673173" y="3868615"/>
+            <a:ext cx="1019700" cy="586154"/>
           </a:xfrm>
           <a:prstGeom prst="rect">
             <a:avLst/>
           </a:prstGeom>
+          <a:solidFill>
+            <a:srgbClr val="00B0F0"/>
+          </a:solidFill>
+          <a:ln>
+            <a:solidFill>
+              <a:srgbClr val="0070C0"/>
+            </a:solidFill>
+          </a:ln>
         </p:spPr>
-      </p:pic>
+        <p:style>
+          <a:lnRef idx="2">
+            <a:schemeClr val="accent1">
+              <a:shade val="50000"/>
+            </a:schemeClr>
+          </a:lnRef>
+          <a:fillRef idx="1">
+            <a:schemeClr val="accent1"/>
+          </a:fillRef>
+          <a:effectRef idx="0">
+            <a:schemeClr val="accent1"/>
+          </a:effectRef>
+          <a:fontRef idx="minor">
+            <a:schemeClr val="lt1"/>
+          </a:fontRef>
+        </p:style>
+        <p:txBody>
+          <a:bodyPr rtlCol="0" anchor="ctr"/>
+          <a:lstStyle/>
+          <a:p>
+            <a:pPr algn="ctr"/>
+            <a:r>
+              <a:rPr lang="zh-TW" altLang="en-US" sz="2000" dirty="0">
+                <a:latin typeface="微軟正黑體" panose="020B0604030504040204" pitchFamily="34" charset="-120"/>
+                <a:ea typeface="微軟正黑體" panose="020B0604030504040204" pitchFamily="34" charset="-120"/>
+              </a:rPr>
+              <a:t>記</a:t>
+            </a:r>
+            <a:r>
+              <a:rPr lang="zh-TW" altLang="en-US" sz="2000" dirty="0" smtClean="0">
+                <a:latin typeface="微軟正黑體" panose="020B0604030504040204" pitchFamily="34" charset="-120"/>
+                <a:ea typeface="微軟正黑體" panose="020B0604030504040204" pitchFamily="34" charset="-120"/>
+              </a:rPr>
+              <a:t>錄</a:t>
+            </a:r>
+            <a:endParaRPr lang="zh-TW" altLang="en-US" sz="2000" dirty="0">
+              <a:latin typeface="微軟正黑體" panose="020B0604030504040204" pitchFamily="34" charset="-120"/>
+              <a:ea typeface="微軟正黑體" panose="020B0604030504040204" pitchFamily="34" charset="-120"/>
+            </a:endParaRPr>
+          </a:p>
+        </p:txBody>
+      </p:sp>
+      <p:sp>
+        <p:nvSpPr>
+          <p:cNvPr id="14" name="矩形 13"/>
+          <p:cNvSpPr/>
+          <p:nvPr/>
+        </p:nvSpPr>
+        <p:spPr>
+          <a:xfrm>
+            <a:off x="4736641" y="3868615"/>
+            <a:ext cx="1019700" cy="586154"/>
+          </a:xfrm>
+          <a:prstGeom prst="rect">
+            <a:avLst/>
+          </a:prstGeom>
+          <a:solidFill>
+            <a:srgbClr val="00B0F0"/>
+          </a:solidFill>
+          <a:ln>
+            <a:solidFill>
+              <a:srgbClr val="0070C0"/>
+            </a:solidFill>
+          </a:ln>
+        </p:spPr>
+        <p:style>
+          <a:lnRef idx="2">
+            <a:schemeClr val="accent1">
+              <a:shade val="50000"/>
+            </a:schemeClr>
+          </a:lnRef>
+          <a:fillRef idx="1">
+            <a:schemeClr val="accent1"/>
+          </a:fillRef>
+          <a:effectRef idx="0">
+            <a:schemeClr val="accent1"/>
+          </a:effectRef>
+          <a:fontRef idx="minor">
+            <a:schemeClr val="lt1"/>
+          </a:fontRef>
+        </p:style>
+        <p:txBody>
+          <a:bodyPr rtlCol="0" anchor="ctr"/>
+          <a:lstStyle/>
+          <a:p>
+            <a:pPr algn="ctr"/>
+            <a:r>
+              <a:rPr lang="zh-TW" altLang="en-US" sz="2000" dirty="0" smtClean="0">
+                <a:latin typeface="微軟正黑體" panose="020B0604030504040204" pitchFamily="34" charset="-120"/>
+                <a:ea typeface="微軟正黑體" panose="020B0604030504040204" pitchFamily="34" charset="-120"/>
+              </a:rPr>
+              <a:t>記錄檔</a:t>
+            </a:r>
+            <a:endParaRPr lang="zh-TW" altLang="en-US" sz="2000" dirty="0">
+              <a:latin typeface="微軟正黑體" panose="020B0604030504040204" pitchFamily="34" charset="-120"/>
+              <a:ea typeface="微軟正黑體" panose="020B0604030504040204" pitchFamily="34" charset="-120"/>
+            </a:endParaRPr>
+          </a:p>
+        </p:txBody>
+      </p:sp>
+      <p:sp>
+        <p:nvSpPr>
+          <p:cNvPr id="15" name="矩形 14"/>
+          <p:cNvSpPr/>
+          <p:nvPr/>
+        </p:nvSpPr>
+        <p:spPr>
+          <a:xfrm>
+            <a:off x="6342806" y="3868615"/>
+            <a:ext cx="1019700" cy="586154"/>
+          </a:xfrm>
+          <a:prstGeom prst="rect">
+            <a:avLst/>
+          </a:prstGeom>
+          <a:solidFill>
+            <a:srgbClr val="00B0F0"/>
+          </a:solidFill>
+          <a:ln>
+            <a:solidFill>
+              <a:srgbClr val="0070C0"/>
+            </a:solidFill>
+          </a:ln>
+        </p:spPr>
+        <p:style>
+          <a:lnRef idx="2">
+            <a:schemeClr val="accent1">
+              <a:shade val="50000"/>
+            </a:schemeClr>
+          </a:lnRef>
+          <a:fillRef idx="1">
+            <a:schemeClr val="accent1"/>
+          </a:fillRef>
+          <a:effectRef idx="0">
+            <a:schemeClr val="accent1"/>
+          </a:effectRef>
+          <a:fontRef idx="minor">
+            <a:schemeClr val="lt1"/>
+          </a:fontRef>
+        </p:style>
+        <p:txBody>
+          <a:bodyPr rtlCol="0" anchor="ctr"/>
+          <a:lstStyle/>
+          <a:p>
+            <a:pPr algn="ctr"/>
+            <a:r>
+              <a:rPr lang="en-US" altLang="zh-TW" sz="2000" dirty="0" smtClean="0">
+                <a:latin typeface="微軟正黑體" panose="020B0604030504040204" pitchFamily="34" charset="-120"/>
+                <a:ea typeface="微軟正黑體" panose="020B0604030504040204" pitchFamily="34" charset="-120"/>
+              </a:rPr>
+              <a:t>KNN</a:t>
+            </a:r>
+            <a:endParaRPr lang="zh-TW" altLang="en-US" sz="2000" dirty="0">
+              <a:latin typeface="微軟正黑體" panose="020B0604030504040204" pitchFamily="34" charset="-120"/>
+              <a:ea typeface="微軟正黑體" panose="020B0604030504040204" pitchFamily="34" charset="-120"/>
+            </a:endParaRPr>
+          </a:p>
+        </p:txBody>
+      </p:sp>
+      <p:sp>
+        <p:nvSpPr>
+          <p:cNvPr id="16" name="矩形 15"/>
+          <p:cNvSpPr/>
+          <p:nvPr/>
+        </p:nvSpPr>
+        <p:spPr>
+          <a:xfrm>
+            <a:off x="6865104" y="4995373"/>
+            <a:ext cx="1183409" cy="586154"/>
+          </a:xfrm>
+          <a:prstGeom prst="rect">
+            <a:avLst/>
+          </a:prstGeom>
+          <a:solidFill>
+            <a:srgbClr val="00B0F0"/>
+          </a:solidFill>
+          <a:ln>
+            <a:solidFill>
+              <a:srgbClr val="0070C0"/>
+            </a:solidFill>
+          </a:ln>
+        </p:spPr>
+        <p:style>
+          <a:lnRef idx="2">
+            <a:schemeClr val="accent1">
+              <a:shade val="50000"/>
+            </a:schemeClr>
+          </a:lnRef>
+          <a:fillRef idx="1">
+            <a:schemeClr val="accent1"/>
+          </a:fillRef>
+          <a:effectRef idx="0">
+            <a:schemeClr val="accent1"/>
+          </a:effectRef>
+          <a:fontRef idx="minor">
+            <a:schemeClr val="lt1"/>
+          </a:fontRef>
+        </p:style>
+        <p:txBody>
+          <a:bodyPr rtlCol="0" anchor="ctr"/>
+          <a:lstStyle/>
+          <a:p>
+            <a:pPr algn="ctr"/>
+            <a:r>
+              <a:rPr lang="en-US" altLang="zh-TW" sz="2000" dirty="0" err="1" smtClean="0">
+                <a:latin typeface="微軟正黑體" panose="020B0604030504040204" pitchFamily="34" charset="-120"/>
+                <a:ea typeface="微軟正黑體" panose="020B0604030504040204" pitchFamily="34" charset="-120"/>
+              </a:rPr>
+              <a:t>SKLearn</a:t>
+            </a:r>
+            <a:endParaRPr lang="zh-TW" altLang="en-US" sz="2000" dirty="0">
+              <a:latin typeface="微軟正黑體" panose="020B0604030504040204" pitchFamily="34" charset="-120"/>
+              <a:ea typeface="微軟正黑體" panose="020B0604030504040204" pitchFamily="34" charset="-120"/>
+            </a:endParaRPr>
+          </a:p>
+        </p:txBody>
+      </p:sp>
+      <p:sp>
+        <p:nvSpPr>
+          <p:cNvPr id="17" name="矩形 16"/>
+          <p:cNvSpPr/>
+          <p:nvPr/>
+        </p:nvSpPr>
+        <p:spPr>
+          <a:xfrm>
+            <a:off x="4063082" y="5011514"/>
+            <a:ext cx="1183409" cy="586154"/>
+          </a:xfrm>
+          <a:prstGeom prst="rect">
+            <a:avLst/>
+          </a:prstGeom>
+          <a:solidFill>
+            <a:srgbClr val="00B0F0"/>
+          </a:solidFill>
+          <a:ln>
+            <a:solidFill>
+              <a:srgbClr val="0070C0"/>
+            </a:solidFill>
+          </a:ln>
+        </p:spPr>
+        <p:style>
+          <a:lnRef idx="2">
+            <a:schemeClr val="accent1">
+              <a:shade val="50000"/>
+            </a:schemeClr>
+          </a:lnRef>
+          <a:fillRef idx="1">
+            <a:schemeClr val="accent1"/>
+          </a:fillRef>
+          <a:effectRef idx="0">
+            <a:schemeClr val="accent1"/>
+          </a:effectRef>
+          <a:fontRef idx="minor">
+            <a:schemeClr val="lt1"/>
+          </a:fontRef>
+        </p:style>
+        <p:txBody>
+          <a:bodyPr rtlCol="0" anchor="ctr"/>
+          <a:lstStyle/>
+          <a:p>
+            <a:pPr algn="ctr"/>
+            <a:r>
+              <a:rPr lang="zh-TW" altLang="en-US" sz="1900" dirty="0" smtClean="0">
+                <a:latin typeface="微軟正黑體" panose="020B0604030504040204" pitchFamily="34" charset="-120"/>
+                <a:ea typeface="微軟正黑體" panose="020B0604030504040204" pitchFamily="34" charset="-120"/>
+              </a:rPr>
+              <a:t>取</a:t>
+            </a:r>
+            <a:r>
+              <a:rPr lang="zh-TW" altLang="en-US" sz="1900" dirty="0">
+                <a:latin typeface="微軟正黑體" panose="020B0604030504040204" pitchFamily="34" charset="-120"/>
+                <a:ea typeface="微軟正黑體" panose="020B0604030504040204" pitchFamily="34" charset="-120"/>
+              </a:rPr>
+              <a:t>得</a:t>
+            </a:r>
+            <a:r>
+              <a:rPr lang="zh-TW" altLang="en-US" sz="1900" dirty="0" smtClean="0">
+                <a:latin typeface="微軟正黑體" panose="020B0604030504040204" pitchFamily="34" charset="-120"/>
+                <a:ea typeface="微軟正黑體" panose="020B0604030504040204" pitchFamily="34" charset="-120"/>
+              </a:rPr>
+              <a:t>參數</a:t>
+            </a:r>
+            <a:endParaRPr lang="zh-TW" altLang="en-US" sz="1900" dirty="0">
+              <a:latin typeface="微軟正黑體" panose="020B0604030504040204" pitchFamily="34" charset="-120"/>
+              <a:ea typeface="微軟正黑體" panose="020B0604030504040204" pitchFamily="34" charset="-120"/>
+            </a:endParaRPr>
+          </a:p>
+        </p:txBody>
+      </p:sp>
+      <p:sp>
+        <p:nvSpPr>
+          <p:cNvPr id="18" name="矩形 17"/>
+          <p:cNvSpPr/>
+          <p:nvPr/>
+        </p:nvSpPr>
+        <p:spPr>
+          <a:xfrm>
+            <a:off x="5464093" y="5011514"/>
+            <a:ext cx="1183409" cy="586154"/>
+          </a:xfrm>
+          <a:prstGeom prst="rect">
+            <a:avLst/>
+          </a:prstGeom>
+          <a:solidFill>
+            <a:srgbClr val="00B0F0"/>
+          </a:solidFill>
+          <a:ln>
+            <a:solidFill>
+              <a:srgbClr val="0070C0"/>
+            </a:solidFill>
+          </a:ln>
+        </p:spPr>
+        <p:style>
+          <a:lnRef idx="2">
+            <a:schemeClr val="accent1">
+              <a:shade val="50000"/>
+            </a:schemeClr>
+          </a:lnRef>
+          <a:fillRef idx="1">
+            <a:schemeClr val="accent1"/>
+          </a:fillRef>
+          <a:effectRef idx="0">
+            <a:schemeClr val="accent1"/>
+          </a:effectRef>
+          <a:fontRef idx="minor">
+            <a:schemeClr val="lt1"/>
+          </a:fontRef>
+        </p:style>
+        <p:txBody>
+          <a:bodyPr rtlCol="0" anchor="ctr"/>
+          <a:lstStyle/>
+          <a:p>
+            <a:pPr algn="ctr"/>
+            <a:r>
+              <a:rPr lang="zh-TW" altLang="en-US" sz="2000" dirty="0" smtClean="0">
+                <a:latin typeface="微軟正黑體" panose="020B0604030504040204" pitchFamily="34" charset="-120"/>
+                <a:ea typeface="微軟正黑體" panose="020B0604030504040204" pitchFamily="34" charset="-120"/>
+              </a:rPr>
+              <a:t>預測</a:t>
+            </a:r>
+            <a:endParaRPr lang="zh-TW" altLang="en-US" sz="2000" dirty="0">
+              <a:latin typeface="微軟正黑體" panose="020B0604030504040204" pitchFamily="34" charset="-120"/>
+              <a:ea typeface="微軟正黑體" panose="020B0604030504040204" pitchFamily="34" charset="-120"/>
+            </a:endParaRPr>
+          </a:p>
+        </p:txBody>
+      </p:sp>
+      <p:sp>
+        <p:nvSpPr>
+          <p:cNvPr id="19" name="圓角矩形 18"/>
+          <p:cNvSpPr/>
+          <p:nvPr/>
+        </p:nvSpPr>
+        <p:spPr>
+          <a:xfrm>
+            <a:off x="9402322" y="2669421"/>
+            <a:ext cx="1215686" cy="560387"/>
+          </a:xfrm>
+          <a:prstGeom prst="roundRect">
+            <a:avLst/>
+          </a:prstGeom>
+          <a:solidFill>
+            <a:srgbClr val="00B0F0"/>
+          </a:solidFill>
+          <a:ln>
+            <a:solidFill>
+              <a:srgbClr val="0070C0"/>
+            </a:solidFill>
+          </a:ln>
+        </p:spPr>
+        <p:style>
+          <a:lnRef idx="2">
+            <a:schemeClr val="accent1">
+              <a:shade val="50000"/>
+            </a:schemeClr>
+          </a:lnRef>
+          <a:fillRef idx="1">
+            <a:schemeClr val="accent1"/>
+          </a:fillRef>
+          <a:effectRef idx="0">
+            <a:schemeClr val="accent1"/>
+          </a:effectRef>
+          <a:fontRef idx="minor">
+            <a:schemeClr val="lt1"/>
+          </a:fontRef>
+        </p:style>
+        <p:txBody>
+          <a:bodyPr rtlCol="0" anchor="ctr"/>
+          <a:lstStyle/>
+          <a:p>
+            <a:pPr algn="ctr"/>
+            <a:r>
+              <a:rPr lang="zh-TW" altLang="en-US" sz="2400" dirty="0" smtClean="0">
+                <a:latin typeface="微軟正黑體" panose="020B0604030504040204" pitchFamily="34" charset="-120"/>
+                <a:ea typeface="微軟正黑體" panose="020B0604030504040204" pitchFamily="34" charset="-120"/>
+              </a:rPr>
+              <a:t>驗證</a:t>
+            </a:r>
+            <a:endParaRPr lang="zh-TW" altLang="en-US" sz="2400" dirty="0">
+              <a:latin typeface="微軟正黑體" panose="020B0604030504040204" pitchFamily="34" charset="-120"/>
+              <a:ea typeface="微軟正黑體" panose="020B0604030504040204" pitchFamily="34" charset="-120"/>
+            </a:endParaRPr>
+          </a:p>
+        </p:txBody>
+      </p:sp>
+      <p:sp>
+        <p:nvSpPr>
+          <p:cNvPr id="20" name="矩形 19"/>
+          <p:cNvSpPr/>
+          <p:nvPr/>
+        </p:nvSpPr>
+        <p:spPr>
+          <a:xfrm>
+            <a:off x="9500315" y="3868615"/>
+            <a:ext cx="1019700" cy="586154"/>
+          </a:xfrm>
+          <a:prstGeom prst="rect">
+            <a:avLst/>
+          </a:prstGeom>
+          <a:solidFill>
+            <a:srgbClr val="00B0F0"/>
+          </a:solidFill>
+          <a:ln>
+            <a:solidFill>
+              <a:srgbClr val="0070C0"/>
+            </a:solidFill>
+          </a:ln>
+        </p:spPr>
+        <p:style>
+          <a:lnRef idx="2">
+            <a:schemeClr val="accent1">
+              <a:shade val="50000"/>
+            </a:schemeClr>
+          </a:lnRef>
+          <a:fillRef idx="1">
+            <a:schemeClr val="accent1"/>
+          </a:fillRef>
+          <a:effectRef idx="0">
+            <a:schemeClr val="accent1"/>
+          </a:effectRef>
+          <a:fontRef idx="minor">
+            <a:schemeClr val="lt1"/>
+          </a:fontRef>
+        </p:style>
+        <p:txBody>
+          <a:bodyPr rtlCol="0" anchor="ctr"/>
+          <a:lstStyle/>
+          <a:p>
+            <a:pPr algn="ctr"/>
+            <a:r>
+              <a:rPr lang="zh-TW" altLang="en-US" sz="2000" dirty="0" smtClean="0">
+                <a:latin typeface="微軟正黑體" panose="020B0604030504040204" pitchFamily="34" charset="-120"/>
+                <a:ea typeface="微軟正黑體" panose="020B0604030504040204" pitchFamily="34" charset="-120"/>
+              </a:rPr>
+              <a:t>比</a:t>
+            </a:r>
+            <a:r>
+              <a:rPr lang="zh-TW" altLang="en-US" sz="2000" dirty="0">
+                <a:latin typeface="微軟正黑體" panose="020B0604030504040204" pitchFamily="34" charset="-120"/>
+                <a:ea typeface="微軟正黑體" panose="020B0604030504040204" pitchFamily="34" charset="-120"/>
+              </a:rPr>
+              <a:t>賽</a:t>
+            </a:r>
+          </a:p>
+        </p:txBody>
+      </p:sp>
+      <p:sp>
+        <p:nvSpPr>
+          <p:cNvPr id="21" name="矩形 20"/>
+          <p:cNvSpPr/>
+          <p:nvPr/>
+        </p:nvSpPr>
+        <p:spPr>
+          <a:xfrm>
+            <a:off x="9361949" y="4995373"/>
+            <a:ext cx="1296432" cy="586154"/>
+          </a:xfrm>
+          <a:prstGeom prst="rect">
+            <a:avLst/>
+          </a:prstGeom>
+          <a:solidFill>
+            <a:srgbClr val="00B0F0"/>
+          </a:solidFill>
+          <a:ln>
+            <a:solidFill>
+              <a:srgbClr val="0070C0"/>
+            </a:solidFill>
+          </a:ln>
+        </p:spPr>
+        <p:style>
+          <a:lnRef idx="2">
+            <a:schemeClr val="accent1">
+              <a:shade val="50000"/>
+            </a:schemeClr>
+          </a:lnRef>
+          <a:fillRef idx="1">
+            <a:schemeClr val="accent1"/>
+          </a:fillRef>
+          <a:effectRef idx="0">
+            <a:schemeClr val="accent1"/>
+          </a:effectRef>
+          <a:fontRef idx="minor">
+            <a:schemeClr val="lt1"/>
+          </a:fontRef>
+        </p:style>
+        <p:txBody>
+          <a:bodyPr rtlCol="0" anchor="ctr"/>
+          <a:lstStyle/>
+          <a:p>
+            <a:pPr algn="ctr"/>
+            <a:r>
+              <a:rPr lang="zh-TW" altLang="en-US" sz="2000" dirty="0" smtClean="0">
+                <a:latin typeface="微軟正黑體" panose="020B0604030504040204" pitchFamily="34" charset="-120"/>
+                <a:ea typeface="微軟正黑體" panose="020B0604030504040204" pitchFamily="34" charset="-120"/>
+              </a:rPr>
+              <a:t>依照結果做調整</a:t>
+            </a:r>
+            <a:endParaRPr lang="zh-TW" altLang="en-US" sz="2000" dirty="0">
+              <a:latin typeface="微軟正黑體" panose="020B0604030504040204" pitchFamily="34" charset="-120"/>
+              <a:ea typeface="微軟正黑體" panose="020B0604030504040204" pitchFamily="34" charset="-120"/>
+            </a:endParaRPr>
+          </a:p>
+        </p:txBody>
+      </p:sp>
+      <p:cxnSp>
+        <p:nvCxnSpPr>
+          <p:cNvPr id="23" name="肘形接點 22"/>
+          <p:cNvCxnSpPr>
+            <a:stCxn id="8" idx="2"/>
+            <a:endCxn id="10" idx="0"/>
+          </p:cNvCxnSpPr>
+          <p:nvPr/>
+        </p:nvCxnSpPr>
+        <p:spPr>
+          <a:xfrm rot="5400000">
+            <a:off x="3984277" y="594210"/>
+            <a:ext cx="465065" cy="3685358"/>
+          </a:xfrm>
+          <a:prstGeom prst="bentConnector3">
+            <a:avLst/>
+          </a:prstGeom>
+          <a:ln>
+            <a:solidFill>
+              <a:srgbClr val="0070C0"/>
+            </a:solidFill>
+          </a:ln>
+        </p:spPr>
+        <p:style>
+          <a:lnRef idx="1">
+            <a:schemeClr val="accent1"/>
+          </a:lnRef>
+          <a:fillRef idx="0">
+            <a:schemeClr val="accent1"/>
+          </a:fillRef>
+          <a:effectRef idx="0">
+            <a:schemeClr val="accent1"/>
+          </a:effectRef>
+          <a:fontRef idx="minor">
+            <a:schemeClr val="tx1"/>
+          </a:fontRef>
+        </p:style>
+      </p:cxnSp>
+      <p:cxnSp>
+        <p:nvCxnSpPr>
+          <p:cNvPr id="25" name="肘形接點 24"/>
+          <p:cNvCxnSpPr>
+            <a:stCxn id="8" idx="2"/>
+            <a:endCxn id="19" idx="0"/>
+          </p:cNvCxnSpPr>
+          <p:nvPr/>
+        </p:nvCxnSpPr>
+        <p:spPr>
+          <a:xfrm rot="16200000" flipH="1">
+            <a:off x="7802294" y="461550"/>
+            <a:ext cx="465064" cy="3950677"/>
+          </a:xfrm>
+          <a:prstGeom prst="bentConnector3">
+            <a:avLst/>
+          </a:prstGeom>
+          <a:ln>
+            <a:solidFill>
+              <a:srgbClr val="0070C0"/>
+            </a:solidFill>
+          </a:ln>
+        </p:spPr>
+        <p:style>
+          <a:lnRef idx="1">
+            <a:schemeClr val="accent1"/>
+          </a:lnRef>
+          <a:fillRef idx="0">
+            <a:schemeClr val="accent1"/>
+          </a:fillRef>
+          <a:effectRef idx="0">
+            <a:schemeClr val="accent1"/>
+          </a:effectRef>
+          <a:fontRef idx="minor">
+            <a:schemeClr val="tx1"/>
+          </a:fontRef>
+        </p:style>
+      </p:cxnSp>
+      <p:cxnSp>
+        <p:nvCxnSpPr>
+          <p:cNvPr id="27" name="肘形接點 26"/>
+          <p:cNvCxnSpPr>
+            <a:stCxn id="10" idx="2"/>
+            <a:endCxn id="12" idx="0"/>
+          </p:cNvCxnSpPr>
+          <p:nvPr/>
+        </p:nvCxnSpPr>
+        <p:spPr>
+          <a:xfrm rot="5400000">
+            <a:off x="1591563" y="3086048"/>
+            <a:ext cx="638806" cy="926329"/>
+          </a:xfrm>
+          <a:prstGeom prst="bentConnector3">
+            <a:avLst/>
+          </a:prstGeom>
+          <a:ln>
+            <a:solidFill>
+              <a:srgbClr val="0070C0"/>
+            </a:solidFill>
+          </a:ln>
+        </p:spPr>
+        <p:style>
+          <a:lnRef idx="1">
+            <a:schemeClr val="accent1"/>
+          </a:lnRef>
+          <a:fillRef idx="0">
+            <a:schemeClr val="accent1"/>
+          </a:fillRef>
+          <a:effectRef idx="0">
+            <a:schemeClr val="accent1"/>
+          </a:effectRef>
+          <a:fontRef idx="minor">
+            <a:schemeClr val="tx1"/>
+          </a:fontRef>
+        </p:style>
+      </p:cxnSp>
+      <p:cxnSp>
+        <p:nvCxnSpPr>
+          <p:cNvPr id="29" name="肘形接點 28"/>
+          <p:cNvCxnSpPr>
+            <a:stCxn id="10" idx="2"/>
+            <a:endCxn id="13" idx="0"/>
+          </p:cNvCxnSpPr>
+          <p:nvPr/>
+        </p:nvCxnSpPr>
+        <p:spPr>
+          <a:xfrm rot="16200000" flipH="1">
+            <a:off x="2459173" y="3144765"/>
+            <a:ext cx="638806" cy="808893"/>
+          </a:xfrm>
+          <a:prstGeom prst="bentConnector3">
+            <a:avLst/>
+          </a:prstGeom>
+          <a:ln>
+            <a:solidFill>
+              <a:srgbClr val="0070C0"/>
+            </a:solidFill>
+          </a:ln>
+        </p:spPr>
+        <p:style>
+          <a:lnRef idx="1">
+            <a:schemeClr val="accent1"/>
+          </a:lnRef>
+          <a:fillRef idx="0">
+            <a:schemeClr val="accent1"/>
+          </a:fillRef>
+          <a:effectRef idx="0">
+            <a:schemeClr val="accent1"/>
+          </a:effectRef>
+          <a:fontRef idx="minor">
+            <a:schemeClr val="tx1"/>
+          </a:fontRef>
+        </p:style>
+      </p:cxnSp>
+      <p:cxnSp>
+        <p:nvCxnSpPr>
+          <p:cNvPr id="31" name="肘形接點 30"/>
+          <p:cNvCxnSpPr>
+            <a:stCxn id="9" idx="2"/>
+            <a:endCxn id="14" idx="0"/>
+          </p:cNvCxnSpPr>
+          <p:nvPr/>
+        </p:nvCxnSpPr>
+        <p:spPr>
+          <a:xfrm rot="5400000">
+            <a:off x="5333587" y="3142714"/>
+            <a:ext cx="638806" cy="812997"/>
+          </a:xfrm>
+          <a:prstGeom prst="bentConnector3">
+            <a:avLst/>
+          </a:prstGeom>
+          <a:ln>
+            <a:solidFill>
+              <a:srgbClr val="0070C0"/>
+            </a:solidFill>
+          </a:ln>
+        </p:spPr>
+        <p:style>
+          <a:lnRef idx="1">
+            <a:schemeClr val="accent1"/>
+          </a:lnRef>
+          <a:fillRef idx="0">
+            <a:schemeClr val="accent1"/>
+          </a:fillRef>
+          <a:effectRef idx="0">
+            <a:schemeClr val="accent1"/>
+          </a:effectRef>
+          <a:fontRef idx="minor">
+            <a:schemeClr val="tx1"/>
+          </a:fontRef>
+        </p:style>
+      </p:cxnSp>
+      <p:cxnSp>
+        <p:nvCxnSpPr>
+          <p:cNvPr id="33" name="肘形接點 32"/>
+          <p:cNvCxnSpPr>
+            <a:stCxn id="9" idx="2"/>
+            <a:endCxn id="15" idx="0"/>
+          </p:cNvCxnSpPr>
+          <p:nvPr/>
+        </p:nvCxnSpPr>
+        <p:spPr>
+          <a:xfrm rot="16200000" flipH="1">
+            <a:off x="6136669" y="3152628"/>
+            <a:ext cx="638806" cy="793168"/>
+          </a:xfrm>
+          <a:prstGeom prst="bentConnector3">
+            <a:avLst/>
+          </a:prstGeom>
+          <a:ln>
+            <a:solidFill>
+              <a:srgbClr val="0070C0"/>
+            </a:solidFill>
+          </a:ln>
+        </p:spPr>
+        <p:style>
+          <a:lnRef idx="1">
+            <a:schemeClr val="accent1"/>
+          </a:lnRef>
+          <a:fillRef idx="0">
+            <a:schemeClr val="accent1"/>
+          </a:fillRef>
+          <a:effectRef idx="0">
+            <a:schemeClr val="accent1"/>
+          </a:effectRef>
+          <a:fontRef idx="minor">
+            <a:schemeClr val="tx1"/>
+          </a:fontRef>
+        </p:style>
+      </p:cxnSp>
+      <p:cxnSp>
+        <p:nvCxnSpPr>
+          <p:cNvPr id="35" name="肘形接點 34"/>
+          <p:cNvCxnSpPr>
+            <a:stCxn id="14" idx="2"/>
+            <a:endCxn id="17" idx="0"/>
+          </p:cNvCxnSpPr>
+          <p:nvPr/>
+        </p:nvCxnSpPr>
+        <p:spPr>
+          <a:xfrm rot="5400000">
+            <a:off x="4672267" y="4437289"/>
+            <a:ext cx="556745" cy="591704"/>
+          </a:xfrm>
+          <a:prstGeom prst="bentConnector3">
+            <a:avLst/>
+          </a:prstGeom>
+          <a:ln>
+            <a:solidFill>
+              <a:srgbClr val="0070C0"/>
+            </a:solidFill>
+          </a:ln>
+        </p:spPr>
+        <p:style>
+          <a:lnRef idx="1">
+            <a:schemeClr val="accent1"/>
+          </a:lnRef>
+          <a:fillRef idx="0">
+            <a:schemeClr val="accent1"/>
+          </a:fillRef>
+          <a:effectRef idx="0">
+            <a:schemeClr val="accent1"/>
+          </a:effectRef>
+          <a:fontRef idx="minor">
+            <a:schemeClr val="tx1"/>
+          </a:fontRef>
+        </p:style>
+      </p:cxnSp>
+      <p:cxnSp>
+        <p:nvCxnSpPr>
+          <p:cNvPr id="37" name="肘形接點 36"/>
+          <p:cNvCxnSpPr>
+            <a:stCxn id="15" idx="2"/>
+            <a:endCxn id="18" idx="0"/>
+          </p:cNvCxnSpPr>
+          <p:nvPr/>
+        </p:nvCxnSpPr>
+        <p:spPr>
+          <a:xfrm rot="5400000">
+            <a:off x="6175855" y="4334712"/>
+            <a:ext cx="556745" cy="796858"/>
+          </a:xfrm>
+          <a:prstGeom prst="bentConnector3">
+            <a:avLst/>
+          </a:prstGeom>
+          <a:ln>
+            <a:solidFill>
+              <a:srgbClr val="0070C0"/>
+            </a:solidFill>
+          </a:ln>
+        </p:spPr>
+        <p:style>
+          <a:lnRef idx="1">
+            <a:schemeClr val="accent1"/>
+          </a:lnRef>
+          <a:fillRef idx="0">
+            <a:schemeClr val="accent1"/>
+          </a:fillRef>
+          <a:effectRef idx="0">
+            <a:schemeClr val="accent1"/>
+          </a:effectRef>
+          <a:fontRef idx="minor">
+            <a:schemeClr val="tx1"/>
+          </a:fontRef>
+        </p:style>
+      </p:cxnSp>
+      <p:cxnSp>
+        <p:nvCxnSpPr>
+          <p:cNvPr id="39" name="肘形接點 38"/>
+          <p:cNvCxnSpPr>
+            <a:stCxn id="15" idx="2"/>
+            <a:endCxn id="16" idx="0"/>
+          </p:cNvCxnSpPr>
+          <p:nvPr/>
+        </p:nvCxnSpPr>
+        <p:spPr>
+          <a:xfrm rot="16200000" flipH="1">
+            <a:off x="6884430" y="4422994"/>
+            <a:ext cx="540604" cy="604153"/>
+          </a:xfrm>
+          <a:prstGeom prst="bentConnector3">
+            <a:avLst/>
+          </a:prstGeom>
+          <a:ln>
+            <a:solidFill>
+              <a:srgbClr val="0070C0"/>
+            </a:solidFill>
+          </a:ln>
+        </p:spPr>
+        <p:style>
+          <a:lnRef idx="1">
+            <a:schemeClr val="accent1"/>
+          </a:lnRef>
+          <a:fillRef idx="0">
+            <a:schemeClr val="accent1"/>
+          </a:fillRef>
+          <a:effectRef idx="0">
+            <a:schemeClr val="accent1"/>
+          </a:effectRef>
+          <a:fontRef idx="minor">
+            <a:schemeClr val="tx1"/>
+          </a:fontRef>
+        </p:style>
+      </p:cxnSp>
+      <p:cxnSp>
+        <p:nvCxnSpPr>
+          <p:cNvPr id="41" name="直線接點 40"/>
+          <p:cNvCxnSpPr>
+            <a:stCxn id="19" idx="2"/>
+            <a:endCxn id="20" idx="0"/>
+          </p:cNvCxnSpPr>
+          <p:nvPr/>
+        </p:nvCxnSpPr>
+        <p:spPr>
+          <a:xfrm>
+            <a:off x="10010165" y="3229808"/>
+            <a:ext cx="0" cy="638807"/>
+          </a:xfrm>
+          <a:prstGeom prst="line">
+            <a:avLst/>
+          </a:prstGeom>
+          <a:ln>
+            <a:solidFill>
+              <a:srgbClr val="0070C0"/>
+            </a:solidFill>
+          </a:ln>
+        </p:spPr>
+        <p:style>
+          <a:lnRef idx="1">
+            <a:schemeClr val="accent1"/>
+          </a:lnRef>
+          <a:fillRef idx="0">
+            <a:schemeClr val="accent1"/>
+          </a:fillRef>
+          <a:effectRef idx="0">
+            <a:schemeClr val="accent1"/>
+          </a:effectRef>
+          <a:fontRef idx="minor">
+            <a:schemeClr val="tx1"/>
+          </a:fontRef>
+        </p:style>
+      </p:cxnSp>
+      <p:cxnSp>
+        <p:nvCxnSpPr>
+          <p:cNvPr id="43" name="直線接點 42"/>
+          <p:cNvCxnSpPr>
+            <a:stCxn id="20" idx="2"/>
+            <a:endCxn id="21" idx="0"/>
+          </p:cNvCxnSpPr>
+          <p:nvPr/>
+        </p:nvCxnSpPr>
+        <p:spPr>
+          <a:xfrm>
+            <a:off x="10010165" y="4454769"/>
+            <a:ext cx="0" cy="540604"/>
+          </a:xfrm>
+          <a:prstGeom prst="line">
+            <a:avLst/>
+          </a:prstGeom>
+          <a:ln>
+            <a:solidFill>
+              <a:srgbClr val="0070C0"/>
+            </a:solidFill>
+          </a:ln>
+        </p:spPr>
+        <p:style>
+          <a:lnRef idx="1">
+            <a:schemeClr val="accent1"/>
+          </a:lnRef>
+          <a:fillRef idx="0">
+            <a:schemeClr val="accent1"/>
+          </a:fillRef>
+          <a:effectRef idx="0">
+            <a:schemeClr val="accent1"/>
+          </a:effectRef>
+          <a:fontRef idx="minor">
+            <a:schemeClr val="tx1"/>
+          </a:fontRef>
+        </p:style>
+      </p:cxnSp>
     </p:spTree>
     <p:extLst>
       <p:ext uri="{BB962C8B-B14F-4D97-AF65-F5344CB8AC3E}">
-        <p14:creationId xmlns:p14="http://schemas.microsoft.com/office/powerpoint/2010/main" val="140189632"/>
+        <p14:creationId xmlns:p14="http://schemas.microsoft.com/office/powerpoint/2010/main" val="257789534"/>
       </p:ext>
     </p:extLst>
   </p:cSld>
